--- a/Presentation/TER_M2_presentation.pptx
+++ b/Presentation/TER_M2_presentation.pptx
@@ -5,31 +5,28 @@
     <p:sldMasterId id="2147483660" r:id="rId1"/>
   </p:sldMasterIdLst>
   <p:notesMasterIdLst>
-    <p:notesMasterId r:id="rId24"/>
+    <p:notesMasterId r:id="rId21"/>
   </p:notesMasterIdLst>
   <p:sldIdLst>
     <p:sldId id="256" r:id="rId2"/>
-    <p:sldId id="257" r:id="rId3"/>
-    <p:sldId id="258" r:id="rId4"/>
-    <p:sldId id="261" r:id="rId5"/>
-    <p:sldId id="259" r:id="rId6"/>
-    <p:sldId id="260" r:id="rId7"/>
-    <p:sldId id="263" r:id="rId8"/>
-    <p:sldId id="262" r:id="rId9"/>
-    <p:sldId id="264" r:id="rId10"/>
-    <p:sldId id="278" r:id="rId11"/>
-    <p:sldId id="267" r:id="rId12"/>
-    <p:sldId id="265" r:id="rId13"/>
-    <p:sldId id="268" r:id="rId14"/>
-    <p:sldId id="279" r:id="rId15"/>
-    <p:sldId id="269" r:id="rId16"/>
-    <p:sldId id="271" r:id="rId17"/>
-    <p:sldId id="272" r:id="rId18"/>
-    <p:sldId id="273" r:id="rId19"/>
-    <p:sldId id="274" r:id="rId20"/>
-    <p:sldId id="280" r:id="rId21"/>
-    <p:sldId id="275" r:id="rId22"/>
-    <p:sldId id="277" r:id="rId23"/>
+    <p:sldId id="279" r:id="rId3"/>
+    <p:sldId id="257" r:id="rId4"/>
+    <p:sldId id="258" r:id="rId5"/>
+    <p:sldId id="278" r:id="rId6"/>
+    <p:sldId id="261" r:id="rId7"/>
+    <p:sldId id="264" r:id="rId8"/>
+    <p:sldId id="280" r:id="rId9"/>
+    <p:sldId id="267" r:id="rId10"/>
+    <p:sldId id="288" r:id="rId11"/>
+    <p:sldId id="284" r:id="rId12"/>
+    <p:sldId id="269" r:id="rId13"/>
+    <p:sldId id="286" r:id="rId14"/>
+    <p:sldId id="272" r:id="rId15"/>
+    <p:sldId id="282" r:id="rId16"/>
+    <p:sldId id="285" r:id="rId17"/>
+    <p:sldId id="287" r:id="rId18"/>
+    <p:sldId id="275" r:id="rId19"/>
+    <p:sldId id="277" r:id="rId20"/>
   </p:sldIdLst>
   <p:sldSz cx="12192000" cy="6858000"/>
   <p:notesSz cx="6858000" cy="9144000"/>
@@ -128,6 +125,11 @@
       </a:defRPr>
     </a:lvl9pPr>
   </p:defaultTextStyle>
+  <p:extLst>
+    <p:ext uri="{EFAFB233-063F-42B5-8137-9DF3F51BA10A}">
+      <p15:sldGuideLst xmlns:p15="http://schemas.microsoft.com/office/powerpoint/2012/main"/>
+    </p:ext>
+  </p:extLst>
 </p:presentation>
 </file>
 
@@ -213,7 +215,7 @@
           <a:p>
             <a:fld id="{9811951D-B5E0-4924-8E34-9C6752F634FD}" type="datetimeFigureOut">
               <a:rPr lang="fr-FR" smtClean="0"/>
-              <a:t>22/02/2021</a:t>
+              <a:t>23/02/2021</a:t>
             </a:fld>
             <a:endParaRPr lang="fr-FR"/>
           </a:p>
@@ -666,7 +668,7 @@
           <a:p>
             <a:fld id="{80736A57-ACFE-4637-9906-9BCE8A3A30DC}" type="datetime1">
               <a:rPr lang="fr-FR" smtClean="0"/>
-              <a:t>22/02/2021</a:t>
+              <a:t>23/02/2021</a:t>
             </a:fld>
             <a:endParaRPr lang="fr-FR"/>
           </a:p>
@@ -941,7 +943,7 @@
           <a:p>
             <a:fld id="{34ADCDFE-BA33-4730-893B-D5F3443CC47E}" type="datetime1">
               <a:rPr lang="fr-FR" smtClean="0"/>
-              <a:t>22/02/2021</a:t>
+              <a:t>23/02/2021</a:t>
             </a:fld>
             <a:endParaRPr lang="fr-FR"/>
           </a:p>
@@ -1135,7 +1137,7 @@
           <a:p>
             <a:fld id="{E2AE0D58-FB4C-49A8-A382-E0E8068E0CE4}" type="datetime1">
               <a:rPr lang="fr-FR" smtClean="0"/>
-              <a:t>22/02/2021</a:t>
+              <a:t>23/02/2021</a:t>
             </a:fld>
             <a:endParaRPr lang="fr-FR"/>
           </a:p>
@@ -1408,7 +1410,7 @@
           <a:p>
             <a:fld id="{5607610D-86A1-4152-AEB4-CC6BE942DD05}" type="datetime1">
               <a:rPr lang="fr-FR" smtClean="0"/>
-              <a:t>22/02/2021</a:t>
+              <a:t>23/02/2021</a:t>
             </a:fld>
             <a:endParaRPr lang="fr-FR"/>
           </a:p>
@@ -1749,7 +1751,7 @@
           <a:p>
             <a:fld id="{E141659F-B67C-4F98-996E-5E20D5663539}" type="datetime1">
               <a:rPr lang="fr-FR" smtClean="0"/>
-              <a:t>22/02/2021</a:t>
+              <a:t>23/02/2021</a:t>
             </a:fld>
             <a:endParaRPr lang="fr-FR"/>
           </a:p>
@@ -2372,7 +2374,7 @@
           <a:p>
             <a:fld id="{B3CBC67A-6BDC-4DDA-9BFB-0D255BE1E6E7}" type="datetime1">
               <a:rPr lang="fr-FR" smtClean="0"/>
-              <a:t>22/02/2021</a:t>
+              <a:t>23/02/2021</a:t>
             </a:fld>
             <a:endParaRPr lang="fr-FR"/>
           </a:p>
@@ -3232,7 +3234,7 @@
           <a:p>
             <a:fld id="{9626DFE4-1AB1-4D11-A9B9-1B10EB581C05}" type="datetime1">
               <a:rPr lang="fr-FR" smtClean="0"/>
-              <a:t>22/02/2021</a:t>
+              <a:t>23/02/2021</a:t>
             </a:fld>
             <a:endParaRPr lang="fr-FR"/>
           </a:p>
@@ -3402,7 +3404,7 @@
           <a:p>
             <a:fld id="{D3544A3C-997B-4B50-9789-596E8964F044}" type="datetime1">
               <a:rPr lang="fr-FR" smtClean="0"/>
-              <a:t>22/02/2021</a:t>
+              <a:t>23/02/2021</a:t>
             </a:fld>
             <a:endParaRPr lang="fr-FR"/>
           </a:p>
@@ -3582,7 +3584,7 @@
           <a:p>
             <a:fld id="{9EDFF439-F99F-4E6C-A70E-42B394055D08}" type="datetime1">
               <a:rPr lang="fr-FR" smtClean="0"/>
-              <a:t>22/02/2021</a:t>
+              <a:t>23/02/2021</a:t>
             </a:fld>
             <a:endParaRPr lang="fr-FR"/>
           </a:p>
@@ -3752,7 +3754,7 @@
           <a:p>
             <a:fld id="{057F4485-BA15-4447-9F42-ADEBC7CE9981}" type="datetime1">
               <a:rPr lang="fr-FR" smtClean="0"/>
-              <a:t>22/02/2021</a:t>
+              <a:t>23/02/2021</a:t>
             </a:fld>
             <a:endParaRPr lang="fr-FR"/>
           </a:p>
@@ -3999,7 +4001,7 @@
           <a:p>
             <a:fld id="{5F1676D6-B958-4D48-ADB5-943B3C3E7A68}" type="datetime1">
               <a:rPr lang="fr-FR" smtClean="0"/>
-              <a:t>22/02/2021</a:t>
+              <a:t>23/02/2021</a:t>
             </a:fld>
             <a:endParaRPr lang="fr-FR"/>
           </a:p>
@@ -4291,7 +4293,7 @@
           <a:p>
             <a:fld id="{4FD90D90-23EC-441A-9386-108C1F0B749F}" type="datetime1">
               <a:rPr lang="fr-FR" smtClean="0"/>
-              <a:t>22/02/2021</a:t>
+              <a:t>23/02/2021</a:t>
             </a:fld>
             <a:endParaRPr lang="fr-FR"/>
           </a:p>
@@ -4735,7 +4737,7 @@
           <a:p>
             <a:fld id="{05E79C17-421E-4EA0-981F-60D8339DB5FE}" type="datetime1">
               <a:rPr lang="fr-FR" smtClean="0"/>
-              <a:t>22/02/2021</a:t>
+              <a:t>23/02/2021</a:t>
             </a:fld>
             <a:endParaRPr lang="fr-FR"/>
           </a:p>
@@ -4853,7 +4855,7 @@
           <a:p>
             <a:fld id="{20636FC0-F032-4910-9CAB-7DBBC0CD20D5}" type="datetime1">
               <a:rPr lang="fr-FR" smtClean="0"/>
-              <a:t>22/02/2021</a:t>
+              <a:t>23/02/2021</a:t>
             </a:fld>
             <a:endParaRPr lang="fr-FR"/>
           </a:p>
@@ -4948,7 +4950,7 @@
           <a:p>
             <a:fld id="{59A45DAA-84AB-43FD-849A-B3283B24A59C}" type="datetime1">
               <a:rPr lang="fr-FR" smtClean="0"/>
-              <a:t>22/02/2021</a:t>
+              <a:t>23/02/2021</a:t>
             </a:fld>
             <a:endParaRPr lang="fr-FR"/>
           </a:p>
@@ -5227,7 +5229,7 @@
           <a:p>
             <a:fld id="{47518AD4-A118-44E3-9644-651D7354A996}" type="datetime1">
               <a:rPr lang="fr-FR" smtClean="0"/>
-              <a:t>22/02/2021</a:t>
+              <a:t>23/02/2021</a:t>
             </a:fld>
             <a:endParaRPr lang="fr-FR"/>
           </a:p>
@@ -5502,7 +5504,7 @@
           <a:p>
             <a:fld id="{5F3F38E8-D97C-432A-ADC1-3B675916B6CA}" type="datetime1">
               <a:rPr lang="fr-FR" smtClean="0"/>
-              <a:t>22/02/2021</a:t>
+              <a:t>23/02/2021</a:t>
             </a:fld>
             <a:endParaRPr lang="fr-FR"/>
           </a:p>
@@ -5931,7 +5933,7 @@
           <a:p>
             <a:fld id="{7A981AC8-2697-4196-80BA-EF2A1A68C8D8}" type="datetime1">
               <a:rPr lang="fr-FR" smtClean="0"/>
-              <a:t>22/02/2021</a:t>
+              <a:t>23/02/2021</a:t>
             </a:fld>
             <a:endParaRPr lang="fr-FR"/>
           </a:p>
@@ -6488,7 +6490,7 @@
           <a:p>
             <a:r>
               <a:rPr lang="en-US" dirty="0"/>
-              <a:t>Typing the higher-order polyadic </a:t>
+              <a:t>Typing the higher-order </a:t>
             </a:r>
             <a:r>
               <a:rPr lang="el-GR" dirty="0"/>
@@ -6608,7 +6610,7 @@
           <p:cNvPr id="2" name="Titre 1">
             <a:extLst>
               <a:ext uri="{FF2B5EF4-FFF2-40B4-BE49-F238E27FC236}">
-                <a16:creationId xmlns:a16="http://schemas.microsoft.com/office/drawing/2014/main" id="{2703B65B-5A2E-4F30-87E1-8CE8A6AA12BD}"/>
+                <a16:creationId xmlns:a16="http://schemas.microsoft.com/office/drawing/2014/main" id="{18FA5FAB-2E00-4B60-BD0F-BAF4B478968C}"/>
               </a:ext>
             </a:extLst>
           </p:cNvPr>
@@ -6621,7 +6623,7 @@
         </p:nvSpPr>
         <p:spPr>
           <a:xfrm>
-            <a:off x="645130" y="123534"/>
+            <a:off x="574394" y="309769"/>
             <a:ext cx="9404723" cy="1400530"/>
           </a:xfrm>
         </p:spPr>
@@ -6631,166 +6633,14 @@
           <a:p>
             <a:r>
               <a:rPr lang="fr-FR" dirty="0"/>
-              <a:t>Plan</a:t>
-            </a:r>
-          </a:p>
-        </p:txBody>
-      </p:sp>
-      <p:sp>
-        <p:nvSpPr>
-          <p:cNvPr id="3" name="Espace réservé du contenu 2">
-            <a:extLst>
-              <a:ext uri="{FF2B5EF4-FFF2-40B4-BE49-F238E27FC236}">
-                <a16:creationId xmlns:a16="http://schemas.microsoft.com/office/drawing/2014/main" id="{3F6C9574-4E08-4365-BD93-AA505F6D4C62}"/>
-              </a:ext>
-            </a:extLst>
-          </p:cNvPr>
-          <p:cNvSpPr>
-            <a:spLocks noGrp="1"/>
-          </p:cNvSpPr>
-          <p:nvPr>
-            <p:ph idx="1"/>
-          </p:nvPr>
-        </p:nvSpPr>
-        <p:spPr>
-          <a:xfrm>
-            <a:off x="1103312" y="853440"/>
-            <a:ext cx="8946541" cy="6004560"/>
-          </a:xfrm>
-        </p:spPr>
-        <p:txBody>
-          <a:bodyPr>
-            <a:normAutofit fontScale="85000" lnSpcReduction="20000"/>
-          </a:bodyPr>
-          <a:lstStyle/>
-          <a:p>
-            <a:r>
+              <a:t>Variances</a:t>
+            </a:r>
+            <a:br>
               <a:rPr lang="fr-FR" dirty="0"/>
-              <a:t>Le </a:t>
-            </a:r>
-            <a:r>
-              <a:rPr lang="el-GR" dirty="0"/>
-              <a:t>μ</a:t>
-            </a:r>
+            </a:br>
             <a:r>
               <a:rPr lang="fr-FR" dirty="0"/>
-              <a:t>-calcul d’ordre supérieur</a:t>
-            </a:r>
-          </a:p>
-          <a:p>
-            <a:pPr lvl="1"/>
-            <a:r>
-              <a:rPr lang="fr-FR" dirty="0"/>
-              <a:t>propriétés</a:t>
-            </a:r>
-          </a:p>
-          <a:p>
-            <a:pPr lvl="1"/>
-            <a:r>
-              <a:rPr lang="fr-FR" dirty="0"/>
-              <a:t>système de transitions labélisé</a:t>
-            </a:r>
-          </a:p>
-          <a:p>
-            <a:pPr lvl="1"/>
-            <a:r>
-              <a:rPr lang="fr-FR" dirty="0"/>
-              <a:t>syntaxe</a:t>
-            </a:r>
-          </a:p>
-          <a:p>
-            <a:pPr lvl="1"/>
-            <a:r>
-              <a:rPr lang="fr-FR" dirty="0"/>
-              <a:t>sens des opérateurs</a:t>
-            </a:r>
-          </a:p>
-          <a:p>
-            <a:r>
-              <a:rPr lang="fr-FR" dirty="0"/>
-              <a:t>Variances</a:t>
-            </a:r>
-          </a:p>
-          <a:p>
-            <a:pPr lvl="1"/>
-            <a:r>
-              <a:rPr lang="fr-FR" dirty="0"/>
-              <a:t>variance d’une fonction</a:t>
-            </a:r>
-          </a:p>
-          <a:p>
-            <a:pPr lvl="1"/>
-            <a:r>
-              <a:rPr lang="fr-FR" dirty="0"/>
-              <a:t>treillis des variances</a:t>
-            </a:r>
-          </a:p>
-          <a:p>
-            <a:pPr lvl="1"/>
-            <a:r>
-              <a:rPr lang="fr-FR" dirty="0"/>
-              <a:t>opérations</a:t>
-            </a:r>
-          </a:p>
-          <a:p>
-            <a:r>
-              <a:rPr lang="fr-FR" dirty="0"/>
-              <a:t>Inférence de variances</a:t>
-            </a:r>
-          </a:p>
-          <a:p>
-            <a:pPr lvl="1"/>
-            <a:r>
-              <a:rPr lang="fr-FR" dirty="0"/>
-              <a:t>notations</a:t>
-            </a:r>
-          </a:p>
-          <a:p>
-            <a:pPr lvl="1"/>
-            <a:r>
-              <a:rPr lang="fr-FR" dirty="0"/>
-              <a:t>solution proposée</a:t>
-            </a:r>
-          </a:p>
-          <a:p>
-            <a:pPr lvl="1"/>
-            <a:r>
-              <a:rPr lang="fr-FR" dirty="0"/>
-              <a:t>règles d’inférence de variances</a:t>
-            </a:r>
-          </a:p>
-          <a:p>
-            <a:pPr lvl="1"/>
-            <a:r>
-              <a:rPr lang="fr-FR" dirty="0"/>
-              <a:t>exemple 1</a:t>
-            </a:r>
-          </a:p>
-          <a:p>
-            <a:pPr lvl="1"/>
-            <a:r>
-              <a:rPr lang="fr-FR" dirty="0"/>
-              <a:t>exemple 2</a:t>
-            </a:r>
-          </a:p>
-          <a:p>
-            <a:r>
-              <a:rPr lang="fr-FR" dirty="0"/>
-              <a:t>Conclusion</a:t>
-            </a:r>
-          </a:p>
-          <a:p>
-            <a:pPr lvl="1"/>
-            <a:r>
-              <a:rPr lang="fr-FR" dirty="0"/>
-              <a:t>résumé</a:t>
-            </a:r>
-          </a:p>
-          <a:p>
-            <a:pPr lvl="1"/>
-            <a:r>
-              <a:rPr lang="fr-FR" dirty="0"/>
-              <a:t>améliorations possibles</a:t>
+              <a:t>- exemple -</a:t>
             </a:r>
           </a:p>
         </p:txBody>
@@ -6800,7 +6650,7 @@
           <p:cNvPr id="4" name="Espace réservé du numéro de diapositive 3">
             <a:extLst>
               <a:ext uri="{FF2B5EF4-FFF2-40B4-BE49-F238E27FC236}">
-                <a16:creationId xmlns:a16="http://schemas.microsoft.com/office/drawing/2014/main" id="{9273ECC2-879F-4B45-9ABB-C4AD1FE330A6}"/>
+                <a16:creationId xmlns:a16="http://schemas.microsoft.com/office/drawing/2014/main" id="{23A10CD5-0864-4688-83C0-1FA285E99532}"/>
               </a:ext>
             </a:extLst>
           </p:cNvPr>
@@ -6824,10 +6674,546 @@
           </a:p>
         </p:txBody>
       </p:sp>
+      <p:sp>
+        <p:nvSpPr>
+          <p:cNvPr id="9" name="Espace réservé du contenu 2">
+            <a:extLst>
+              <a:ext uri="{FF2B5EF4-FFF2-40B4-BE49-F238E27FC236}">
+                <a16:creationId xmlns:a16="http://schemas.microsoft.com/office/drawing/2014/main" id="{977D883B-1655-4ACE-9157-C77706DE8B2C}"/>
+              </a:ext>
+            </a:extLst>
+          </p:cNvPr>
+          <p:cNvSpPr txBox="1">
+            <a:spLocks/>
+          </p:cNvSpPr>
+          <p:nvPr/>
+        </p:nvSpPr>
+        <p:spPr>
+          <a:xfrm>
+            <a:off x="1194368" y="2137903"/>
+            <a:ext cx="11768153" cy="4195481"/>
+          </a:xfrm>
+          <a:prstGeom prst="rect">
+            <a:avLst/>
+          </a:prstGeom>
+        </p:spPr>
+        <p:txBody>
+          <a:bodyPr vert="horz" lIns="91440" tIns="45720" rIns="91440" bIns="45720" rtlCol="0">
+            <a:normAutofit/>
+          </a:bodyPr>
+          <a:lstStyle>
+            <a:lvl1pPr marL="342900" indent="-342900" algn="l" defTabSz="457200" rtl="0" eaLnBrk="1" latinLnBrk="0" hangingPunct="1">
+              <a:spcBef>
+                <a:spcPts val="1000"/>
+              </a:spcBef>
+              <a:spcAft>
+                <a:spcPts val="0"/>
+              </a:spcAft>
+              <a:buClr>
+                <a:schemeClr val="bg2">
+                  <a:lumMod val="40000"/>
+                  <a:lumOff val="60000"/>
+                </a:schemeClr>
+              </a:buClr>
+              <a:buSzPct val="80000"/>
+              <a:buFont typeface="Wingdings 3" charset="2"/>
+              <a:buChar char=""/>
+              <a:defRPr sz="2000" b="0" i="0" kern="1200">
+                <a:solidFill>
+                  <a:schemeClr val="tx1"/>
+                </a:solidFill>
+                <a:latin typeface="+mj-lt"/>
+                <a:ea typeface="+mj-ea"/>
+                <a:cs typeface="+mj-cs"/>
+              </a:defRPr>
+            </a:lvl1pPr>
+            <a:lvl2pPr marL="742950" indent="-285750" algn="l" defTabSz="457200" rtl="0" eaLnBrk="1" latinLnBrk="0" hangingPunct="1">
+              <a:spcBef>
+                <a:spcPts val="1000"/>
+              </a:spcBef>
+              <a:spcAft>
+                <a:spcPts val="0"/>
+              </a:spcAft>
+              <a:buClr>
+                <a:schemeClr val="bg2">
+                  <a:lumMod val="40000"/>
+                  <a:lumOff val="60000"/>
+                </a:schemeClr>
+              </a:buClr>
+              <a:buSzPct val="80000"/>
+              <a:buFont typeface="Wingdings 3" charset="2"/>
+              <a:buChar char=""/>
+              <a:defRPr sz="1800" b="0" i="0" kern="1200">
+                <a:solidFill>
+                  <a:schemeClr val="tx1"/>
+                </a:solidFill>
+                <a:latin typeface="+mj-lt"/>
+                <a:ea typeface="+mj-ea"/>
+                <a:cs typeface="+mj-cs"/>
+              </a:defRPr>
+            </a:lvl2pPr>
+            <a:lvl3pPr marL="1143000" indent="-228600" algn="l" defTabSz="457200" rtl="0" eaLnBrk="1" latinLnBrk="0" hangingPunct="1">
+              <a:spcBef>
+                <a:spcPts val="1000"/>
+              </a:spcBef>
+              <a:spcAft>
+                <a:spcPts val="0"/>
+              </a:spcAft>
+              <a:buClr>
+                <a:schemeClr val="bg2">
+                  <a:lumMod val="40000"/>
+                  <a:lumOff val="60000"/>
+                </a:schemeClr>
+              </a:buClr>
+              <a:buSzPct val="80000"/>
+              <a:buFont typeface="Wingdings 3" charset="2"/>
+              <a:buChar char=""/>
+              <a:defRPr sz="1600" b="0" i="0" kern="1200">
+                <a:solidFill>
+                  <a:schemeClr val="tx1"/>
+                </a:solidFill>
+                <a:latin typeface="+mj-lt"/>
+                <a:ea typeface="+mj-ea"/>
+                <a:cs typeface="+mj-cs"/>
+              </a:defRPr>
+            </a:lvl3pPr>
+            <a:lvl4pPr marL="1600200" indent="-228600" algn="l" defTabSz="457200" rtl="0" eaLnBrk="1" latinLnBrk="0" hangingPunct="1">
+              <a:spcBef>
+                <a:spcPts val="1000"/>
+              </a:spcBef>
+              <a:spcAft>
+                <a:spcPts val="0"/>
+              </a:spcAft>
+              <a:buClr>
+                <a:schemeClr val="bg2">
+                  <a:lumMod val="40000"/>
+                  <a:lumOff val="60000"/>
+                </a:schemeClr>
+              </a:buClr>
+              <a:buSzPct val="80000"/>
+              <a:buFont typeface="Wingdings 3" charset="2"/>
+              <a:buChar char=""/>
+              <a:defRPr sz="1400" b="0" i="0" kern="1200">
+                <a:solidFill>
+                  <a:schemeClr val="tx1"/>
+                </a:solidFill>
+                <a:latin typeface="+mj-lt"/>
+                <a:ea typeface="+mj-ea"/>
+                <a:cs typeface="+mj-cs"/>
+              </a:defRPr>
+            </a:lvl4pPr>
+            <a:lvl5pPr marL="2057400" indent="-228600" algn="l" defTabSz="457200" rtl="0" eaLnBrk="1" latinLnBrk="0" hangingPunct="1">
+              <a:spcBef>
+                <a:spcPts val="1000"/>
+              </a:spcBef>
+              <a:spcAft>
+                <a:spcPts val="0"/>
+              </a:spcAft>
+              <a:buClr>
+                <a:schemeClr val="bg2">
+                  <a:lumMod val="40000"/>
+                  <a:lumOff val="60000"/>
+                </a:schemeClr>
+              </a:buClr>
+              <a:buSzPct val="80000"/>
+              <a:buFont typeface="Wingdings 3" charset="2"/>
+              <a:buChar char=""/>
+              <a:defRPr sz="1400" b="0" i="0" kern="1200">
+                <a:solidFill>
+                  <a:schemeClr val="tx1"/>
+                </a:solidFill>
+                <a:latin typeface="+mj-lt"/>
+                <a:ea typeface="+mj-ea"/>
+                <a:cs typeface="+mj-cs"/>
+              </a:defRPr>
+            </a:lvl5pPr>
+            <a:lvl6pPr marL="2506000" indent="-228600" algn="l" defTabSz="457200" rtl="0" eaLnBrk="1" latinLnBrk="0" hangingPunct="1">
+              <a:spcBef>
+                <a:spcPts val="1000"/>
+              </a:spcBef>
+              <a:spcAft>
+                <a:spcPts val="0"/>
+              </a:spcAft>
+              <a:buClr>
+                <a:schemeClr val="bg2">
+                  <a:lumMod val="40000"/>
+                  <a:lumOff val="60000"/>
+                </a:schemeClr>
+              </a:buClr>
+              <a:buSzPct val="80000"/>
+              <a:buFont typeface="Wingdings 3" charset="2"/>
+              <a:buChar char=""/>
+              <a:defRPr sz="1400" b="0" i="0" kern="1200">
+                <a:solidFill>
+                  <a:schemeClr val="tx1"/>
+                </a:solidFill>
+                <a:latin typeface="+mj-lt"/>
+                <a:ea typeface="+mj-ea"/>
+                <a:cs typeface="+mj-cs"/>
+              </a:defRPr>
+            </a:lvl6pPr>
+            <a:lvl7pPr marL="2971800" indent="-228600" algn="l" defTabSz="457200" rtl="0" eaLnBrk="1" latinLnBrk="0" hangingPunct="1">
+              <a:spcBef>
+                <a:spcPts val="1000"/>
+              </a:spcBef>
+              <a:spcAft>
+                <a:spcPts val="0"/>
+              </a:spcAft>
+              <a:buClr>
+                <a:schemeClr val="bg2">
+                  <a:lumMod val="40000"/>
+                  <a:lumOff val="60000"/>
+                </a:schemeClr>
+              </a:buClr>
+              <a:buSzPct val="80000"/>
+              <a:buFont typeface="Wingdings 3" charset="2"/>
+              <a:buChar char=""/>
+              <a:defRPr sz="1400" b="0" i="0" kern="1200">
+                <a:solidFill>
+                  <a:schemeClr val="tx1"/>
+                </a:solidFill>
+                <a:latin typeface="+mj-lt"/>
+                <a:ea typeface="+mj-ea"/>
+                <a:cs typeface="+mj-cs"/>
+              </a:defRPr>
+            </a:lvl7pPr>
+            <a:lvl8pPr marL="3429000" indent="-228600" algn="l" defTabSz="457200" rtl="0" eaLnBrk="1" latinLnBrk="0" hangingPunct="1">
+              <a:spcBef>
+                <a:spcPts val="1000"/>
+              </a:spcBef>
+              <a:spcAft>
+                <a:spcPts val="0"/>
+              </a:spcAft>
+              <a:buClr>
+                <a:schemeClr val="bg2">
+                  <a:lumMod val="40000"/>
+                  <a:lumOff val="60000"/>
+                </a:schemeClr>
+              </a:buClr>
+              <a:buSzPct val="80000"/>
+              <a:buFont typeface="Wingdings 3" charset="2"/>
+              <a:buChar char=""/>
+              <a:defRPr sz="1400" b="0" i="0" kern="1200">
+                <a:solidFill>
+                  <a:schemeClr val="tx1"/>
+                </a:solidFill>
+                <a:latin typeface="+mj-lt"/>
+                <a:ea typeface="+mj-ea"/>
+                <a:cs typeface="+mj-cs"/>
+              </a:defRPr>
+            </a:lvl8pPr>
+            <a:lvl9pPr marL="3886200" indent="-228600" algn="l" defTabSz="457200" rtl="0" eaLnBrk="1" latinLnBrk="0" hangingPunct="1">
+              <a:spcBef>
+                <a:spcPts val="1000"/>
+              </a:spcBef>
+              <a:spcAft>
+                <a:spcPts val="0"/>
+              </a:spcAft>
+              <a:buClr>
+                <a:schemeClr val="bg2">
+                  <a:lumMod val="40000"/>
+                  <a:lumOff val="60000"/>
+                </a:schemeClr>
+              </a:buClr>
+              <a:buSzPct val="80000"/>
+              <a:buFont typeface="Wingdings 3" charset="2"/>
+              <a:buChar char=""/>
+              <a:defRPr sz="1400" b="0" i="0" kern="1200">
+                <a:solidFill>
+                  <a:schemeClr val="tx1"/>
+                </a:solidFill>
+                <a:latin typeface="+mj-lt"/>
+                <a:ea typeface="+mj-ea"/>
+                <a:cs typeface="+mj-cs"/>
+              </a:defRPr>
+            </a:lvl9pPr>
+          </a:lstStyle>
+          <a:p>
+            <a:r>
+              <a:rPr lang="fr-FR" dirty="0"/>
+              <a:t>Dans                       , Y est croissante et X est décroissante.</a:t>
+            </a:r>
+          </a:p>
+          <a:p>
+            <a:pPr lvl="1"/>
+            <a:r>
+              <a:rPr lang="fr-FR" dirty="0"/>
+              <a:t>                                     est bien défini mais                                       n’est pas défini.    </a:t>
+            </a:r>
+          </a:p>
+          <a:p>
+            <a:endParaRPr lang="fr-FR" dirty="0"/>
+          </a:p>
+          <a:p>
+            <a:r>
+              <a:rPr lang="fr-FR" dirty="0"/>
+              <a:t>La variance de X est         : </a:t>
+            </a:r>
+          </a:p>
+          <a:p>
+            <a:endParaRPr lang="fr-FR" dirty="0"/>
+          </a:p>
+          <a:p>
+            <a:endParaRPr lang="fr-FR" dirty="0"/>
+          </a:p>
+          <a:p>
+            <a:endParaRPr lang="fr-FR" dirty="0"/>
+          </a:p>
+          <a:p>
+            <a:endParaRPr lang="fr-FR" dirty="0"/>
+          </a:p>
+          <a:p>
+            <a:pPr marL="0" indent="0">
+              <a:buNone/>
+            </a:pPr>
+            <a:r>
+              <a:rPr lang="fr-FR" dirty="0"/>
+              <a:t>			(                                                )</a:t>
+            </a:r>
+          </a:p>
+          <a:p>
+            <a:pPr marL="0" indent="0">
+              <a:buNone/>
+            </a:pPr>
+            <a:endParaRPr lang="fr-FR" dirty="0"/>
+          </a:p>
+        </p:txBody>
+      </p:sp>
+      <p:grpSp>
+        <p:nvGrpSpPr>
+          <p:cNvPr id="22" name="Groupe 21">
+            <a:extLst>
+              <a:ext uri="{FF2B5EF4-FFF2-40B4-BE49-F238E27FC236}">
+                <a16:creationId xmlns:a16="http://schemas.microsoft.com/office/drawing/2014/main" id="{47C624EF-7BE7-4A3C-8B2E-E7594DC81459}"/>
+              </a:ext>
+            </a:extLst>
+          </p:cNvPr>
+          <p:cNvGrpSpPr/>
+          <p:nvPr/>
+        </p:nvGrpSpPr>
+        <p:grpSpPr>
+          <a:xfrm>
+            <a:off x="1950114" y="2137903"/>
+            <a:ext cx="6936650" cy="3802360"/>
+            <a:chOff x="793667" y="2137903"/>
+            <a:chExt cx="6936650" cy="3802360"/>
+          </a:xfrm>
+        </p:grpSpPr>
+        <p:pic>
+          <p:nvPicPr>
+            <p:cNvPr id="10" name="Image 9">
+              <a:extLst>
+                <a:ext uri="{FF2B5EF4-FFF2-40B4-BE49-F238E27FC236}">
+                  <a16:creationId xmlns:a16="http://schemas.microsoft.com/office/drawing/2014/main" id="{FBD1FE74-47A2-442D-880E-F29C5D89E694}"/>
+                </a:ext>
+              </a:extLst>
+            </p:cNvPr>
+            <p:cNvPicPr>
+              <a:picLocks noChangeAspect="1"/>
+            </p:cNvPicPr>
+            <p:nvPr/>
+          </p:nvPicPr>
+          <p:blipFill>
+            <a:blip r:embed="rId2"/>
+            <a:stretch>
+              <a:fillRect/>
+            </a:stretch>
+          </p:blipFill>
+          <p:spPr>
+            <a:xfrm>
+              <a:off x="1194368" y="2137903"/>
+              <a:ext cx="1468003" cy="411662"/>
+            </a:xfrm>
+            <a:prstGeom prst="rect">
+              <a:avLst/>
+            </a:prstGeom>
+            <a:ln>
+              <a:noFill/>
+            </a:ln>
+            <a:effectLst>
+              <a:outerShdw blurRad="190500" algn="tl" rotWithShape="0">
+                <a:srgbClr val="000000">
+                  <a:alpha val="70000"/>
+                </a:srgbClr>
+              </a:outerShdw>
+            </a:effectLst>
+          </p:spPr>
+        </p:pic>
+        <p:pic>
+          <p:nvPicPr>
+            <p:cNvPr id="13" name="Image 12">
+              <a:extLst>
+                <a:ext uri="{FF2B5EF4-FFF2-40B4-BE49-F238E27FC236}">
+                  <a16:creationId xmlns:a16="http://schemas.microsoft.com/office/drawing/2014/main" id="{24E1BF59-BFC0-4136-B050-A72BCBFBA69F}"/>
+                </a:ext>
+              </a:extLst>
+            </p:cNvPr>
+            <p:cNvPicPr>
+              <a:picLocks noChangeAspect="1"/>
+            </p:cNvPicPr>
+            <p:nvPr/>
+          </p:nvPicPr>
+          <p:blipFill>
+            <a:blip r:embed="rId3"/>
+            <a:stretch>
+              <a:fillRect/>
+            </a:stretch>
+          </p:blipFill>
+          <p:spPr>
+            <a:xfrm>
+              <a:off x="793667" y="2589906"/>
+              <a:ext cx="2333951" cy="352474"/>
+            </a:xfrm>
+            <a:prstGeom prst="rect">
+              <a:avLst/>
+            </a:prstGeom>
+            <a:ln>
+              <a:noFill/>
+            </a:ln>
+            <a:effectLst>
+              <a:outerShdw blurRad="190500" algn="tl" rotWithShape="0">
+                <a:srgbClr val="000000">
+                  <a:alpha val="70000"/>
+                </a:srgbClr>
+              </a:outerShdw>
+            </a:effectLst>
+          </p:spPr>
+        </p:pic>
+        <p:pic>
+          <p:nvPicPr>
+            <p:cNvPr id="15" name="Image 14">
+              <a:extLst>
+                <a:ext uri="{FF2B5EF4-FFF2-40B4-BE49-F238E27FC236}">
+                  <a16:creationId xmlns:a16="http://schemas.microsoft.com/office/drawing/2014/main" id="{39D24190-CB62-46E7-A099-092447FA0BA9}"/>
+                </a:ext>
+              </a:extLst>
+            </p:cNvPr>
+            <p:cNvPicPr>
+              <a:picLocks noChangeAspect="1"/>
+            </p:cNvPicPr>
+            <p:nvPr/>
+          </p:nvPicPr>
+          <p:blipFill>
+            <a:blip r:embed="rId4"/>
+            <a:stretch>
+              <a:fillRect/>
+            </a:stretch>
+          </p:blipFill>
+          <p:spPr>
+            <a:xfrm>
+              <a:off x="5386840" y="2604195"/>
+              <a:ext cx="2343477" cy="323895"/>
+            </a:xfrm>
+            <a:prstGeom prst="rect">
+              <a:avLst/>
+            </a:prstGeom>
+            <a:ln>
+              <a:noFill/>
+            </a:ln>
+            <a:effectLst>
+              <a:outerShdw blurRad="190500" algn="tl" rotWithShape="0">
+                <a:srgbClr val="000000">
+                  <a:alpha val="70000"/>
+                </a:srgbClr>
+              </a:outerShdw>
+            </a:effectLst>
+          </p:spPr>
+        </p:pic>
+        <p:pic>
+          <p:nvPicPr>
+            <p:cNvPr id="17" name="Image 16">
+              <a:extLst>
+                <a:ext uri="{FF2B5EF4-FFF2-40B4-BE49-F238E27FC236}">
+                  <a16:creationId xmlns:a16="http://schemas.microsoft.com/office/drawing/2014/main" id="{18FE0A51-8019-49D7-A88E-6234A0C5C8FE}"/>
+                </a:ext>
+              </a:extLst>
+            </p:cNvPr>
+            <p:cNvPicPr>
+              <a:picLocks noChangeAspect="1"/>
+            </p:cNvPicPr>
+            <p:nvPr/>
+          </p:nvPicPr>
+          <p:blipFill>
+            <a:blip r:embed="rId5"/>
+            <a:stretch>
+              <a:fillRect/>
+            </a:stretch>
+          </p:blipFill>
+          <p:spPr>
+            <a:xfrm>
+              <a:off x="3041554" y="3447826"/>
+              <a:ext cx="428685" cy="323895"/>
+            </a:xfrm>
+            <a:prstGeom prst="rect">
+              <a:avLst/>
+            </a:prstGeom>
+          </p:spPr>
+        </p:pic>
+        <p:pic>
+          <p:nvPicPr>
+            <p:cNvPr id="19" name="Image 18">
+              <a:extLst>
+                <a:ext uri="{FF2B5EF4-FFF2-40B4-BE49-F238E27FC236}">
+                  <a16:creationId xmlns:a16="http://schemas.microsoft.com/office/drawing/2014/main" id="{0E32C2CC-7AEE-434D-B3B8-9EED31B867A8}"/>
+                </a:ext>
+              </a:extLst>
+            </p:cNvPr>
+            <p:cNvPicPr>
+              <a:picLocks noChangeAspect="1"/>
+            </p:cNvPicPr>
+            <p:nvPr/>
+          </p:nvPicPr>
+          <p:blipFill>
+            <a:blip r:embed="rId6"/>
+            <a:stretch>
+              <a:fillRect/>
+            </a:stretch>
+          </p:blipFill>
+          <p:spPr>
+            <a:xfrm>
+              <a:off x="850318" y="3914920"/>
+              <a:ext cx="4991797" cy="1428949"/>
+            </a:xfrm>
+            <a:prstGeom prst="rect">
+              <a:avLst/>
+            </a:prstGeom>
+          </p:spPr>
+        </p:pic>
+        <p:pic>
+          <p:nvPicPr>
+            <p:cNvPr id="21" name="Image 20">
+              <a:extLst>
+                <a:ext uri="{FF2B5EF4-FFF2-40B4-BE49-F238E27FC236}">
+                  <a16:creationId xmlns:a16="http://schemas.microsoft.com/office/drawing/2014/main" id="{3E6C8003-B9A1-484C-93EA-220225670569}"/>
+                </a:ext>
+              </a:extLst>
+            </p:cNvPr>
+            <p:cNvPicPr>
+              <a:picLocks noChangeAspect="1"/>
+            </p:cNvPicPr>
+            <p:nvPr/>
+          </p:nvPicPr>
+          <p:blipFill>
+            <a:blip r:embed="rId7"/>
+            <a:stretch>
+              <a:fillRect/>
+            </a:stretch>
+          </p:blipFill>
+          <p:spPr>
+            <a:xfrm>
+              <a:off x="1676988" y="5597315"/>
+              <a:ext cx="3200847" cy="342948"/>
+            </a:xfrm>
+            <a:prstGeom prst="rect">
+              <a:avLst/>
+            </a:prstGeom>
+          </p:spPr>
+        </p:pic>
+      </p:grpSp>
     </p:spTree>
     <p:extLst>
       <p:ext uri="{BB962C8B-B14F-4D97-AF65-F5344CB8AC3E}">
-        <p14:creationId xmlns:p14="http://schemas.microsoft.com/office/powerpoint/2010/main" val="4269957360"/>
+        <p14:creationId xmlns:p14="http://schemas.microsoft.com/office/powerpoint/2010/main" val="1752038431"/>
       </p:ext>
     </p:extLst>
   </p:cSld>
@@ -6859,7 +7245,7 @@
           <p:cNvPr id="2" name="Titre 1">
             <a:extLst>
               <a:ext uri="{FF2B5EF4-FFF2-40B4-BE49-F238E27FC236}">
-                <a16:creationId xmlns:a16="http://schemas.microsoft.com/office/drawing/2014/main" id="{F7DAAB78-99E6-480A-953F-173E60A0474C}"/>
+                <a16:creationId xmlns:a16="http://schemas.microsoft.com/office/drawing/2014/main" id="{2935976C-FB0D-4055-8FD1-EFE887B841A7}"/>
               </a:ext>
             </a:extLst>
           </p:cNvPr>
@@ -6870,31 +7256,29 @@
             <p:ph type="title"/>
           </p:nvPr>
         </p:nvSpPr>
-        <p:spPr/>
+        <p:spPr>
+          <a:xfrm>
+            <a:off x="1231200" y="1992159"/>
+            <a:ext cx="9245507" cy="1915647"/>
+          </a:xfrm>
+        </p:spPr>
         <p:txBody>
           <a:bodyPr/>
           <a:lstStyle/>
           <a:p>
             <a:r>
-              <a:rPr lang="fr-FR" dirty="0"/>
-              <a:t>Variances</a:t>
-            </a:r>
-            <a:br>
-              <a:rPr lang="fr-FR" dirty="0"/>
-            </a:br>
-            <a:r>
-              <a:rPr lang="fr-FR" dirty="0"/>
-              <a:t>- variance d’une fonction -</a:t>
-            </a:r>
-          </a:p>
-        </p:txBody>
-      </p:sp>
-      <p:sp>
-        <p:nvSpPr>
-          <p:cNvPr id="3" name="Espace réservé du contenu 2">
+              <a:rPr lang="fr-FR" sz="9600" dirty="0"/>
+              <a:t>CONTRIBUTION</a:t>
+            </a:r>
+          </a:p>
+        </p:txBody>
+      </p:sp>
+      <p:sp>
+        <p:nvSpPr>
+          <p:cNvPr id="3" name="Espace réservé du texte 2">
             <a:extLst>
               <a:ext uri="{FF2B5EF4-FFF2-40B4-BE49-F238E27FC236}">
-                <a16:creationId xmlns:a16="http://schemas.microsoft.com/office/drawing/2014/main" id="{84B19D70-865C-4211-96D2-BD5FE5E70ED2}"/>
+                <a16:creationId xmlns:a16="http://schemas.microsoft.com/office/drawing/2014/main" id="{EDFFA103-D93E-4AE9-ABF6-3FE5D82003D1}"/>
               </a:ext>
             </a:extLst>
           </p:cNvPr>
@@ -6902,79 +7286,15 @@
             <a:spLocks noGrp="1"/>
           </p:cNvSpPr>
           <p:nvPr>
-            <p:ph idx="1"/>
-          </p:nvPr>
-        </p:nvSpPr>
-        <p:spPr>
-          <a:xfrm>
-            <a:off x="1251348" y="2032106"/>
-            <a:ext cx="9939391" cy="4195481"/>
-          </a:xfrm>
-        </p:spPr>
-        <p:txBody>
-          <a:bodyPr>
-            <a:normAutofit/>
-          </a:bodyPr>
+            <p:ph type="body" idx="1"/>
+          </p:nvPr>
+        </p:nvSpPr>
+        <p:spPr/>
+        <p:txBody>
+          <a:bodyPr/>
           <a:lstStyle/>
           <a:p>
-            <a:r>
-              <a:rPr lang="fr-FR" dirty="0"/>
-              <a:t>Etend la notion de monotonie </a:t>
-            </a:r>
-          </a:p>
-          <a:p>
-            <a:endParaRPr lang="fr-FR" dirty="0"/>
-          </a:p>
-          <a:p>
-            <a:r>
-              <a:rPr lang="fr-FR" dirty="0"/>
-              <a:t>fonction constante : variance « none »</a:t>
-            </a:r>
-          </a:p>
-          <a:p>
-            <a:r>
-              <a:rPr lang="fr-FR" dirty="0"/>
-              <a:t>fonction quelconque : variance « </a:t>
-            </a:r>
-            <a:r>
-              <a:rPr lang="fr-FR" dirty="0" err="1"/>
-              <a:t>any</a:t>
-            </a:r>
-            <a:r>
-              <a:rPr lang="fr-FR" dirty="0"/>
-              <a:t> »</a:t>
-            </a:r>
-          </a:p>
-          <a:p>
-            <a:r>
-              <a:rPr lang="fr-FR" dirty="0"/>
-              <a:t>fonction croissante : variance parmi :</a:t>
-            </a:r>
-          </a:p>
-          <a:p>
-            <a:pPr lvl="3"/>
-            <a:r>
-              <a:rPr lang="fr-FR" dirty="0"/>
-              <a:t> </a:t>
-            </a:r>
-          </a:p>
-          <a:p>
-            <a:r>
-              <a:rPr lang="fr-FR" dirty="0"/>
-              <a:t>fonction décroissante : variance parmi :</a:t>
-            </a:r>
-          </a:p>
-          <a:p>
-            <a:endParaRPr lang="fr-FR" dirty="0"/>
-          </a:p>
-          <a:p>
-            <a:endParaRPr lang="fr-FR" dirty="0"/>
-          </a:p>
-          <a:p>
-            <a:r>
-              <a:rPr lang="fr-FR" dirty="0"/>
-              <a:t>On définit la variance d’une variable à partir de la variance d’une fonction </a:t>
-            </a:r>
+            <a:endParaRPr lang="fr-FR"/>
           </a:p>
         </p:txBody>
       </p:sp>
@@ -6983,7 +7303,7 @@
           <p:cNvPr id="4" name="Espace réservé du numéro de diapositive 3">
             <a:extLst>
               <a:ext uri="{FF2B5EF4-FFF2-40B4-BE49-F238E27FC236}">
-                <a16:creationId xmlns:a16="http://schemas.microsoft.com/office/drawing/2014/main" id="{6BD32137-2066-4F5C-BF65-9468DD2C75CE}"/>
+                <a16:creationId xmlns:a16="http://schemas.microsoft.com/office/drawing/2014/main" id="{B28C6D48-849D-49D7-B6F3-3AB37691D3A2}"/>
               </a:ext>
             </a:extLst>
           </p:cNvPr>
@@ -7007,70 +7327,10 @@
           </a:p>
         </p:txBody>
       </p:sp>
-      <p:pic>
-        <p:nvPicPr>
-          <p:cNvPr id="8" name="Image 7">
-            <a:extLst>
-              <a:ext uri="{FF2B5EF4-FFF2-40B4-BE49-F238E27FC236}">
-                <a16:creationId xmlns:a16="http://schemas.microsoft.com/office/drawing/2014/main" id="{F653FE26-5146-4873-BBB4-218A9699E782}"/>
-              </a:ext>
-            </a:extLst>
-          </p:cNvPr>
-          <p:cNvPicPr>
-            <a:picLocks noChangeAspect="1"/>
-          </p:cNvPicPr>
-          <p:nvPr/>
-        </p:nvPicPr>
-        <p:blipFill>
-          <a:blip r:embed="rId2"/>
-          <a:stretch>
-            <a:fillRect/>
-          </a:stretch>
-        </p:blipFill>
-        <p:spPr>
-          <a:xfrm>
-            <a:off x="2439769" y="4129847"/>
-            <a:ext cx="3284850" cy="483659"/>
-          </a:xfrm>
-          <a:prstGeom prst="rect">
-            <a:avLst/>
-          </a:prstGeom>
-        </p:spPr>
-      </p:pic>
-      <p:pic>
-        <p:nvPicPr>
-          <p:cNvPr id="10" name="Image 9">
-            <a:extLst>
-              <a:ext uri="{FF2B5EF4-FFF2-40B4-BE49-F238E27FC236}">
-                <a16:creationId xmlns:a16="http://schemas.microsoft.com/office/drawing/2014/main" id="{B935C5CF-A1C5-4D8D-802E-525439A3D270}"/>
-              </a:ext>
-            </a:extLst>
-          </p:cNvPr>
-          <p:cNvPicPr>
-            <a:picLocks noChangeAspect="1"/>
-          </p:cNvPicPr>
-          <p:nvPr/>
-        </p:nvPicPr>
-        <p:blipFill>
-          <a:blip r:embed="rId3"/>
-          <a:stretch>
-            <a:fillRect/>
-          </a:stretch>
-        </p:blipFill>
-        <p:spPr>
-          <a:xfrm>
-            <a:off x="2250584" y="4947293"/>
-            <a:ext cx="3613349" cy="591659"/>
-          </a:xfrm>
-          <a:prstGeom prst="rect">
-            <a:avLst/>
-          </a:prstGeom>
-        </p:spPr>
-      </p:pic>
     </p:spTree>
     <p:extLst>
       <p:ext uri="{BB962C8B-B14F-4D97-AF65-F5344CB8AC3E}">
-        <p14:creationId xmlns:p14="http://schemas.microsoft.com/office/powerpoint/2010/main" val="2658325930"/>
+        <p14:creationId xmlns:p14="http://schemas.microsoft.com/office/powerpoint/2010/main" val="3528526718"/>
       </p:ext>
     </p:extLst>
   </p:cSld>
@@ -7102,7 +7362,7 @@
           <p:cNvPr id="2" name="Titre 1">
             <a:extLst>
               <a:ext uri="{FF2B5EF4-FFF2-40B4-BE49-F238E27FC236}">
-                <a16:creationId xmlns:a16="http://schemas.microsoft.com/office/drawing/2014/main" id="{8437CF89-AE3E-4F6E-AF0F-C9971C968FC7}"/>
+                <a16:creationId xmlns:a16="http://schemas.microsoft.com/office/drawing/2014/main" id="{E738B503-39EE-4366-996D-110A33644434}"/>
               </a:ext>
             </a:extLst>
           </p:cNvPr>
@@ -7115,7 +7375,7 @@
         </p:nvSpPr>
         <p:spPr>
           <a:xfrm>
-            <a:off x="562028" y="295729"/>
+            <a:off x="664040" y="295729"/>
             <a:ext cx="9404723" cy="1400530"/>
           </a:xfrm>
         </p:spPr>
@@ -7125,53 +7385,306 @@
           <a:p>
             <a:r>
               <a:rPr lang="fr-FR" dirty="0"/>
-              <a:t>Variances</a:t>
+              <a:t>Inférence de variances</a:t>
             </a:r>
             <a:br>
               <a:rPr lang="fr-FR" dirty="0"/>
             </a:br>
             <a:r>
               <a:rPr lang="fr-FR" dirty="0"/>
-              <a:t>- treillis des variances -</a:t>
-            </a:r>
-          </a:p>
-        </p:txBody>
-      </p:sp>
-      <p:pic>
-        <p:nvPicPr>
-          <p:cNvPr id="6" name="Espace réservé du contenu 5">
+              <a:t>- problème -</a:t>
+            </a:r>
+          </a:p>
+        </p:txBody>
+      </p:sp>
+      <p:sp>
+        <p:nvSpPr>
+          <p:cNvPr id="3" name="Espace réservé du contenu 2">
             <a:extLst>
               <a:ext uri="{FF2B5EF4-FFF2-40B4-BE49-F238E27FC236}">
-                <a16:creationId xmlns:a16="http://schemas.microsoft.com/office/drawing/2014/main" id="{49AE195F-2FA2-4217-B29D-234962B66B3B}"/>
+                <a16:creationId xmlns:a16="http://schemas.microsoft.com/office/drawing/2014/main" id="{F767ED4F-EFE1-48DA-A08D-0D105D409454}"/>
               </a:ext>
             </a:extLst>
           </p:cNvPr>
-          <p:cNvPicPr>
-            <a:picLocks noGrp="1" noChangeAspect="1"/>
-          </p:cNvPicPr>
+          <p:cNvSpPr>
+            <a:spLocks noGrp="1"/>
+          </p:cNvSpPr>
           <p:nvPr>
             <p:ph idx="1"/>
           </p:nvPr>
-        </p:nvPicPr>
-        <p:blipFill>
-          <a:blip r:embed="rId2"/>
-          <a:stretch>
-            <a:fillRect/>
-          </a:stretch>
-        </p:blipFill>
+        </p:nvSpPr>
         <p:spPr>
           <a:xfrm>
-            <a:off x="2141166" y="1853248"/>
-            <a:ext cx="6785803" cy="4369734"/>
+            <a:off x="409940" y="1924901"/>
+            <a:ext cx="11372120" cy="4352364"/>
           </a:xfrm>
         </p:spPr>
-      </p:pic>
+        <p:txBody>
+          <a:bodyPr>
+            <a:normAutofit/>
+          </a:bodyPr>
+          <a:lstStyle/>
+          <a:p>
+            <a:r>
+              <a:rPr lang="fr-FR" dirty="0">
+                <a:solidFill>
+                  <a:schemeClr val="tx1">
+                    <a:lumMod val="75000"/>
+                  </a:schemeClr>
+                </a:solidFill>
+                <a:latin typeface="+mn-lt"/>
+                <a:cs typeface="Times New Roman" panose="02020603050405020304" pitchFamily="18" charset="0"/>
+              </a:rPr>
+              <a:t>On utilise les notation suivantes :</a:t>
+            </a:r>
+          </a:p>
+          <a:p>
+            <a:pPr lvl="1"/>
+            <a:r>
+              <a:rPr lang="el-GR" dirty="0">
+                <a:solidFill>
+                  <a:schemeClr val="tx1">
+                    <a:lumMod val="75000"/>
+                  </a:schemeClr>
+                </a:solidFill>
+                <a:latin typeface="Times New Roman" panose="02020603050405020304" pitchFamily="18" charset="0"/>
+                <a:cs typeface="Times New Roman" panose="02020603050405020304" pitchFamily="18" charset="0"/>
+              </a:rPr>
+              <a:t>Δ</a:t>
+            </a:r>
+            <a:r>
+              <a:rPr lang="fr-FR" dirty="0">
+                <a:solidFill>
+                  <a:schemeClr val="tx1">
+                    <a:lumMod val="75000"/>
+                  </a:schemeClr>
+                </a:solidFill>
+              </a:rPr>
+              <a:t> : ensemble de couples (variable libre, type) (environnement de typage sans variances)</a:t>
+            </a:r>
+          </a:p>
+          <a:p>
+            <a:pPr lvl="1"/>
+            <a:r>
+              <a:rPr lang="fr-FR" dirty="0">
+                <a:solidFill>
+                  <a:schemeClr val="tx1">
+                    <a:lumMod val="75000"/>
+                  </a:schemeClr>
+                </a:solidFill>
+                <a:latin typeface="Times New Roman" panose="02020603050405020304" pitchFamily="18" charset="0"/>
+                <a:cs typeface="Times New Roman" panose="02020603050405020304" pitchFamily="18" charset="0"/>
+              </a:rPr>
+              <a:t>Γ</a:t>
+            </a:r>
+            <a:r>
+              <a:rPr lang="fr-FR" dirty="0">
+                <a:solidFill>
+                  <a:schemeClr val="tx1">
+                    <a:lumMod val="75000"/>
+                  </a:schemeClr>
+                </a:solidFill>
+              </a:rPr>
+              <a:t> : ensemble de triplets (variable libre, variance, type) (environnement de typage)</a:t>
+            </a:r>
+          </a:p>
+          <a:p>
+            <a:pPr lvl="1"/>
+            <a:r>
+              <a:rPr lang="fr-FR" dirty="0">
+                <a:solidFill>
+                  <a:schemeClr val="tx1">
+                    <a:lumMod val="75000"/>
+                  </a:schemeClr>
+                </a:solidFill>
+                <a:latin typeface="Times New Roman" panose="02020603050405020304" pitchFamily="18" charset="0"/>
+                <a:cs typeface="Times New Roman" panose="02020603050405020304" pitchFamily="18" charset="0"/>
+              </a:rPr>
+              <a:t>τ : </a:t>
+            </a:r>
+            <a:r>
+              <a:rPr lang="fr-FR" dirty="0">
+                <a:solidFill>
+                  <a:schemeClr val="tx1">
+                    <a:lumMod val="75000"/>
+                  </a:schemeClr>
+                </a:solidFill>
+                <a:latin typeface="+mn-lt"/>
+                <a:cs typeface="Times New Roman" panose="02020603050405020304" pitchFamily="18" charset="0"/>
+              </a:rPr>
+              <a:t>type </a:t>
+            </a:r>
+          </a:p>
+          <a:p>
+            <a:pPr lvl="1"/>
+            <a:r>
+              <a:rPr lang="el-GR" dirty="0">
+                <a:solidFill>
+                  <a:schemeClr val="tx1">
+                    <a:lumMod val="75000"/>
+                  </a:schemeClr>
+                </a:solidFill>
+                <a:latin typeface="Times New Roman" panose="02020603050405020304" pitchFamily="18" charset="0"/>
+                <a:cs typeface="Times New Roman" panose="02020603050405020304" pitchFamily="18" charset="0"/>
+              </a:rPr>
+              <a:t>Φ</a:t>
+            </a:r>
+            <a:r>
+              <a:rPr lang="fr-FR" dirty="0">
+                <a:solidFill>
+                  <a:schemeClr val="tx1">
+                    <a:lumMod val="75000"/>
+                  </a:schemeClr>
+                </a:solidFill>
+                <a:latin typeface="Times New Roman" panose="02020603050405020304" pitchFamily="18" charset="0"/>
+                <a:cs typeface="Times New Roman" panose="02020603050405020304" pitchFamily="18" charset="0"/>
+              </a:rPr>
+              <a:t> </a:t>
+            </a:r>
+            <a:r>
+              <a:rPr lang="fr-FR" dirty="0">
+                <a:solidFill>
+                  <a:schemeClr val="tx1">
+                    <a:lumMod val="75000"/>
+                  </a:schemeClr>
+                </a:solidFill>
+                <a:latin typeface="+mn-lt"/>
+                <a:cs typeface="Times New Roman" panose="02020603050405020304" pitchFamily="18" charset="0"/>
+              </a:rPr>
+              <a:t>: formule</a:t>
+            </a:r>
+            <a:endParaRPr lang="fr-FR" dirty="0">
+              <a:solidFill>
+                <a:schemeClr val="tx1">
+                  <a:lumMod val="75000"/>
+                </a:schemeClr>
+              </a:solidFill>
+            </a:endParaRPr>
+          </a:p>
+          <a:p>
+            <a:endParaRPr lang="fr-FR" sz="2400" dirty="0"/>
+          </a:p>
+          <a:p>
+            <a:r>
+              <a:rPr lang="fr-FR" sz="2400" b="1" dirty="0"/>
+              <a:t>Problème</a:t>
+            </a:r>
+            <a:r>
+              <a:rPr lang="fr-FR" sz="2400" dirty="0"/>
+              <a:t> : </a:t>
+            </a:r>
+          </a:p>
+          <a:p>
+            <a:pPr lvl="1"/>
+            <a:r>
+              <a:rPr lang="fr-FR" sz="2000" dirty="0"/>
+              <a:t>On connaît </a:t>
+            </a:r>
+            <a:r>
+              <a:rPr lang="el-GR" sz="2000" dirty="0">
+                <a:latin typeface="Times New Roman" panose="02020603050405020304" pitchFamily="18" charset="0"/>
+                <a:cs typeface="Times New Roman" panose="02020603050405020304" pitchFamily="18" charset="0"/>
+              </a:rPr>
+              <a:t>Δ</a:t>
+            </a:r>
+            <a:r>
+              <a:rPr lang="fr-FR" sz="2000" dirty="0"/>
+              <a:t> et on a une formule </a:t>
+            </a:r>
+            <a:r>
+              <a:rPr lang="el-GR" sz="2000" dirty="0">
+                <a:latin typeface="Times New Roman" panose="02020603050405020304" pitchFamily="18" charset="0"/>
+                <a:cs typeface="Times New Roman" panose="02020603050405020304" pitchFamily="18" charset="0"/>
+              </a:rPr>
+              <a:t>Φ</a:t>
+            </a:r>
+            <a:r>
+              <a:rPr lang="fr-FR" sz="2000" dirty="0">
+                <a:latin typeface="+mn-lt"/>
+                <a:cs typeface="Times New Roman" panose="02020603050405020304" pitchFamily="18" charset="0"/>
+              </a:rPr>
+              <a:t>, on cherche à compléter </a:t>
+            </a:r>
+            <a:r>
+              <a:rPr lang="el-GR" sz="2000" dirty="0">
+                <a:latin typeface="Times New Roman" panose="02020603050405020304" pitchFamily="18" charset="0"/>
+                <a:cs typeface="Times New Roman" panose="02020603050405020304" pitchFamily="18" charset="0"/>
+              </a:rPr>
+              <a:t>Δ</a:t>
+            </a:r>
+            <a:r>
+              <a:rPr lang="fr-FR" sz="2000" dirty="0"/>
+              <a:t> avec les variances pour obtenir </a:t>
+            </a:r>
+            <a:r>
+              <a:rPr lang="fr-FR" sz="2000" dirty="0">
+                <a:latin typeface="Times New Roman" panose="02020603050405020304" pitchFamily="18" charset="0"/>
+                <a:cs typeface="Times New Roman" panose="02020603050405020304" pitchFamily="18" charset="0"/>
+              </a:rPr>
+              <a:t>Γ</a:t>
+            </a:r>
+            <a:r>
+              <a:rPr lang="fr-FR" sz="2000" dirty="0"/>
+              <a:t>. </a:t>
+            </a:r>
+          </a:p>
+          <a:p>
+            <a:pPr lvl="1"/>
+            <a:r>
+              <a:rPr lang="fr-FR" sz="2000" dirty="0"/>
+              <a:t>On cherche aussi le type de </a:t>
+            </a:r>
+            <a:r>
+              <a:rPr lang="el-GR" sz="2000" dirty="0">
+                <a:latin typeface="Times New Roman" panose="02020603050405020304" pitchFamily="18" charset="0"/>
+                <a:cs typeface="Times New Roman" panose="02020603050405020304" pitchFamily="18" charset="0"/>
+              </a:rPr>
+              <a:t>Φ</a:t>
+            </a:r>
+            <a:r>
+              <a:rPr lang="fr-FR" sz="2000" dirty="0">
+                <a:latin typeface="Times New Roman" panose="02020603050405020304" pitchFamily="18" charset="0"/>
+                <a:cs typeface="Times New Roman" panose="02020603050405020304" pitchFamily="18" charset="0"/>
+              </a:rPr>
+              <a:t>.</a:t>
+            </a:r>
+            <a:endParaRPr lang="fr-FR" sz="2000" dirty="0"/>
+          </a:p>
+          <a:p>
+            <a:endParaRPr lang="fr-FR" dirty="0"/>
+          </a:p>
+          <a:p>
+            <a:pPr marL="457200" lvl="1" indent="0">
+              <a:buNone/>
+            </a:pPr>
+            <a:endParaRPr lang="fr-FR" dirty="0">
+              <a:latin typeface="+mn-lt"/>
+              <a:cs typeface="Times New Roman" panose="02020603050405020304" pitchFamily="18" charset="0"/>
+            </a:endParaRPr>
+          </a:p>
+          <a:p>
+            <a:endParaRPr lang="fr-FR" dirty="0">
+              <a:latin typeface="+mn-lt"/>
+              <a:cs typeface="Times New Roman" panose="02020603050405020304" pitchFamily="18" charset="0"/>
+            </a:endParaRPr>
+          </a:p>
+          <a:p>
+            <a:pPr marL="0" indent="0">
+              <a:buNone/>
+            </a:pPr>
+            <a:endParaRPr lang="fr-FR" dirty="0">
+              <a:latin typeface="+mn-lt"/>
+              <a:cs typeface="Times New Roman" panose="02020603050405020304" pitchFamily="18" charset="0"/>
+            </a:endParaRPr>
+          </a:p>
+        </p:txBody>
+      </p:sp>
       <p:sp>
         <p:nvSpPr>
           <p:cNvPr id="4" name="Espace réservé du numéro de diapositive 3">
             <a:extLst>
               <a:ext uri="{FF2B5EF4-FFF2-40B4-BE49-F238E27FC236}">
-                <a16:creationId xmlns:a16="http://schemas.microsoft.com/office/drawing/2014/main" id="{33D6669B-3956-436A-85B3-469C7D44F2C6}"/>
+                <a16:creationId xmlns:a16="http://schemas.microsoft.com/office/drawing/2014/main" id="{BDAEFBA8-9341-4277-A54B-85730AB9B7A3}"/>
               </a:ext>
             </a:extLst>
           </p:cNvPr>
@@ -7198,7 +7711,7 @@
     </p:spTree>
     <p:extLst>
       <p:ext uri="{BB962C8B-B14F-4D97-AF65-F5344CB8AC3E}">
-        <p14:creationId xmlns:p14="http://schemas.microsoft.com/office/powerpoint/2010/main" val="2704809398"/>
+        <p14:creationId xmlns:p14="http://schemas.microsoft.com/office/powerpoint/2010/main" val="3474775812"/>
       </p:ext>
     </p:extLst>
   </p:cSld>
@@ -7230,7 +7743,7 @@
           <p:cNvPr id="2" name="Titre 1">
             <a:extLst>
               <a:ext uri="{FF2B5EF4-FFF2-40B4-BE49-F238E27FC236}">
-                <a16:creationId xmlns:a16="http://schemas.microsoft.com/office/drawing/2014/main" id="{40E2D694-1E7C-427A-B39C-AFAF0329E1B5}"/>
+                <a16:creationId xmlns:a16="http://schemas.microsoft.com/office/drawing/2014/main" id="{E738B503-39EE-4366-996D-110A33644434}"/>
               </a:ext>
             </a:extLst>
           </p:cNvPr>
@@ -7241,40 +7754,293 @@
             <p:ph type="title"/>
           </p:nvPr>
         </p:nvSpPr>
-        <p:spPr/>
+        <p:spPr>
+          <a:xfrm>
+            <a:off x="664040" y="295729"/>
+            <a:ext cx="9404723" cy="1400530"/>
+          </a:xfrm>
+        </p:spPr>
         <p:txBody>
           <a:bodyPr/>
           <a:lstStyle/>
           <a:p>
             <a:r>
               <a:rPr lang="fr-FR" dirty="0"/>
-              <a:t>Variances</a:t>
+              <a:t>Inférence de variances</a:t>
             </a:r>
             <a:br>
               <a:rPr lang="fr-FR" dirty="0"/>
             </a:br>
             <a:r>
               <a:rPr lang="fr-FR" dirty="0"/>
-              <a:t>- opérations -</a:t>
-            </a:r>
+              <a:t>- solution proposée -</a:t>
+            </a:r>
+          </a:p>
+        </p:txBody>
+      </p:sp>
+      <p:sp>
+        <p:nvSpPr>
+          <p:cNvPr id="3" name="Espace réservé du contenu 2">
+            <a:extLst>
+              <a:ext uri="{FF2B5EF4-FFF2-40B4-BE49-F238E27FC236}">
+                <a16:creationId xmlns:a16="http://schemas.microsoft.com/office/drawing/2014/main" id="{F767ED4F-EFE1-48DA-A08D-0D105D409454}"/>
+              </a:ext>
+            </a:extLst>
+          </p:cNvPr>
+          <p:cNvSpPr>
+            <a:spLocks noGrp="1"/>
+          </p:cNvSpPr>
+          <p:nvPr>
+            <p:ph idx="1"/>
+          </p:nvPr>
+        </p:nvSpPr>
+        <p:spPr>
+          <a:xfrm>
+            <a:off x="664040" y="2355207"/>
+            <a:ext cx="11372120" cy="4352364"/>
+          </a:xfrm>
+        </p:spPr>
+        <p:txBody>
+          <a:bodyPr>
+            <a:normAutofit/>
+          </a:bodyPr>
+          <a:lstStyle/>
+          <a:p>
+            <a:r>
+              <a:rPr lang="fr-FR" dirty="0"/>
+              <a:t>Solution : on définit une fonction récursive </a:t>
+            </a:r>
+            <a:r>
+              <a:rPr lang="fr-FR" i="1" dirty="0"/>
+              <a:t>type</a:t>
+            </a:r>
+            <a:r>
+              <a:rPr lang="fr-FR" dirty="0"/>
+              <a:t>(</a:t>
+            </a:r>
+            <a:r>
+              <a:rPr lang="el-GR" dirty="0">
+                <a:latin typeface="Times New Roman" panose="02020603050405020304" pitchFamily="18" charset="0"/>
+                <a:cs typeface="Times New Roman" panose="02020603050405020304" pitchFamily="18" charset="0"/>
+              </a:rPr>
+              <a:t>Φ</a:t>
+            </a:r>
+            <a:r>
+              <a:rPr lang="fr-FR" dirty="0">
+                <a:latin typeface="+mn-lt"/>
+                <a:cs typeface="Times New Roman" panose="02020603050405020304" pitchFamily="18" charset="0"/>
+              </a:rPr>
+              <a:t>, </a:t>
+            </a:r>
+            <a:r>
+              <a:rPr lang="el-GR" dirty="0">
+                <a:latin typeface="Times New Roman" panose="02020603050405020304" pitchFamily="18" charset="0"/>
+                <a:cs typeface="Times New Roman" panose="02020603050405020304" pitchFamily="18" charset="0"/>
+              </a:rPr>
+              <a:t>Δ</a:t>
+            </a:r>
+            <a:r>
+              <a:rPr lang="fr-FR" dirty="0"/>
+              <a:t>) = (</a:t>
+            </a:r>
+            <a:r>
+              <a:rPr lang="fr-FR" dirty="0">
+                <a:latin typeface="Times New Roman" panose="02020603050405020304" pitchFamily="18" charset="0"/>
+                <a:cs typeface="Times New Roman" panose="02020603050405020304" pitchFamily="18" charset="0"/>
+              </a:rPr>
+              <a:t>Γ</a:t>
+            </a:r>
+            <a:r>
+              <a:rPr lang="fr-FR" dirty="0"/>
+              <a:t>, </a:t>
+            </a:r>
+            <a:r>
+              <a:rPr lang="fr-FR" dirty="0">
+                <a:latin typeface="Times New Roman" panose="02020603050405020304" pitchFamily="18" charset="0"/>
+                <a:cs typeface="Times New Roman" panose="02020603050405020304" pitchFamily="18" charset="0"/>
+              </a:rPr>
+              <a:t>τ</a:t>
+            </a:r>
+            <a:r>
+              <a:rPr lang="fr-FR" dirty="0"/>
+              <a:t>) où </a:t>
+            </a:r>
+            <a:r>
+              <a:rPr lang="fr-FR" dirty="0">
+                <a:latin typeface="Times New Roman" panose="02020603050405020304" pitchFamily="18" charset="0"/>
+                <a:cs typeface="Times New Roman" panose="02020603050405020304" pitchFamily="18" charset="0"/>
+              </a:rPr>
+              <a:t>τ </a:t>
+            </a:r>
+            <a:r>
+              <a:rPr lang="fr-FR" dirty="0"/>
+              <a:t>est le type de </a:t>
+            </a:r>
+            <a:r>
+              <a:rPr lang="el-GR" dirty="0">
+                <a:latin typeface="Times New Roman" panose="02020603050405020304" pitchFamily="18" charset="0"/>
+                <a:cs typeface="Times New Roman" panose="02020603050405020304" pitchFamily="18" charset="0"/>
+              </a:rPr>
+              <a:t>Φ</a:t>
+            </a:r>
+            <a:r>
+              <a:rPr lang="fr-FR" dirty="0"/>
+              <a:t>.</a:t>
+            </a:r>
+          </a:p>
+          <a:p>
+            <a:pPr lvl="1"/>
+            <a:r>
+              <a:rPr lang="fr-FR" dirty="0"/>
+              <a:t>On définit </a:t>
+            </a:r>
+            <a:r>
+              <a:rPr lang="fr-FR" i="1" dirty="0"/>
+              <a:t>type</a:t>
+            </a:r>
+            <a:r>
+              <a:rPr lang="fr-FR" dirty="0"/>
+              <a:t>(.) à l’aide de règles d’inférence. </a:t>
+            </a:r>
+          </a:p>
+          <a:p>
+            <a:pPr lvl="1"/>
+            <a:endParaRPr lang="fr-FR" dirty="0"/>
+          </a:p>
+          <a:p>
+            <a:r>
+              <a:rPr lang="fr-FR" dirty="0">
+                <a:latin typeface="+mn-lt"/>
+                <a:cs typeface="Times New Roman" panose="02020603050405020304" pitchFamily="18" charset="0"/>
+              </a:rPr>
+              <a:t>Avec la formule </a:t>
+            </a:r>
+            <a:r>
+              <a:rPr lang="el-GR" dirty="0">
+                <a:latin typeface="Times New Roman" panose="02020603050405020304" pitchFamily="18" charset="0"/>
+                <a:cs typeface="Times New Roman" panose="02020603050405020304" pitchFamily="18" charset="0"/>
+              </a:rPr>
+              <a:t>Φ</a:t>
+            </a:r>
+            <a:r>
+              <a:rPr lang="fr-FR" dirty="0">
+                <a:latin typeface="+mn-lt"/>
+                <a:cs typeface="Times New Roman" panose="02020603050405020304" pitchFamily="18" charset="0"/>
+              </a:rPr>
+              <a:t> suivante :                       , on aura :</a:t>
+            </a:r>
+          </a:p>
+          <a:p>
+            <a:pPr lvl="1"/>
+            <a:r>
+              <a:rPr lang="el-GR" dirty="0">
+                <a:latin typeface="Times New Roman" panose="02020603050405020304" pitchFamily="18" charset="0"/>
+                <a:cs typeface="Times New Roman" panose="02020603050405020304" pitchFamily="18" charset="0"/>
+              </a:rPr>
+              <a:t>Δ</a:t>
+            </a:r>
+            <a:r>
+              <a:rPr lang="fr-FR" dirty="0">
+                <a:latin typeface="Times New Roman" panose="02020603050405020304" pitchFamily="18" charset="0"/>
+                <a:cs typeface="Times New Roman" panose="02020603050405020304" pitchFamily="18" charset="0"/>
+              </a:rPr>
+              <a:t> =                             ;</a:t>
+            </a:r>
+          </a:p>
+          <a:p>
+            <a:pPr lvl="1">
+              <a:lnSpc>
+                <a:spcPct val="150000"/>
+              </a:lnSpc>
+            </a:pPr>
+            <a:r>
+              <a:rPr lang="fr-FR" dirty="0">
+                <a:latin typeface="Times New Roman" panose="02020603050405020304" pitchFamily="18" charset="0"/>
+                <a:cs typeface="Times New Roman" panose="02020603050405020304" pitchFamily="18" charset="0"/>
+              </a:rPr>
+              <a:t>Γ =                                           ;</a:t>
+            </a:r>
+          </a:p>
+          <a:p>
+            <a:pPr lvl="1"/>
+            <a:r>
+              <a:rPr lang="fr-FR" dirty="0">
+                <a:latin typeface="Times New Roman" panose="02020603050405020304" pitchFamily="18" charset="0"/>
+                <a:cs typeface="Times New Roman" panose="02020603050405020304" pitchFamily="18" charset="0"/>
+              </a:rPr>
+              <a:t>τ =     .  </a:t>
+            </a:r>
+          </a:p>
+          <a:p>
+            <a:endParaRPr lang="fr-FR" dirty="0">
+              <a:latin typeface="Times New Roman" panose="02020603050405020304" pitchFamily="18" charset="0"/>
+              <a:cs typeface="Times New Roman" panose="02020603050405020304" pitchFamily="18" charset="0"/>
+            </a:endParaRPr>
+          </a:p>
+          <a:p>
+            <a:pPr lvl="1">
+              <a:lnSpc>
+                <a:spcPct val="150000"/>
+              </a:lnSpc>
+            </a:pPr>
+            <a:endParaRPr lang="fr-FR" dirty="0">
+              <a:latin typeface="+mn-lt"/>
+              <a:cs typeface="Times New Roman" panose="02020603050405020304" pitchFamily="18" charset="0"/>
+            </a:endParaRPr>
+          </a:p>
+          <a:p>
+            <a:pPr marL="0" indent="0">
+              <a:buNone/>
+            </a:pPr>
+            <a:endParaRPr lang="fr-FR" dirty="0">
+              <a:latin typeface="+mn-lt"/>
+              <a:cs typeface="Times New Roman" panose="02020603050405020304" pitchFamily="18" charset="0"/>
+            </a:endParaRPr>
+          </a:p>
+        </p:txBody>
+      </p:sp>
+      <p:sp>
+        <p:nvSpPr>
+          <p:cNvPr id="4" name="Espace réservé du numéro de diapositive 3">
+            <a:extLst>
+              <a:ext uri="{FF2B5EF4-FFF2-40B4-BE49-F238E27FC236}">
+                <a16:creationId xmlns:a16="http://schemas.microsoft.com/office/drawing/2014/main" id="{BDAEFBA8-9341-4277-A54B-85730AB9B7A3}"/>
+              </a:ext>
+            </a:extLst>
+          </p:cNvPr>
+          <p:cNvSpPr>
+            <a:spLocks noGrp="1"/>
+          </p:cNvSpPr>
+          <p:nvPr>
+            <p:ph type="sldNum" sz="quarter" idx="12"/>
+          </p:nvPr>
+        </p:nvSpPr>
+        <p:spPr/>
+        <p:txBody>
+          <a:bodyPr/>
+          <a:lstStyle/>
+          <a:p>
+            <a:fld id="{D3D5BDEF-692F-49E3-8524-28D088251AFF}" type="slidenum">
+              <a:rPr lang="fr-FR" smtClean="0"/>
+              <a:t>13</a:t>
+            </a:fld>
+            <a:endParaRPr lang="fr-FR"/>
           </a:p>
         </p:txBody>
       </p:sp>
       <p:pic>
         <p:nvPicPr>
-          <p:cNvPr id="6" name="Espace réservé du contenu 5">
+          <p:cNvPr id="5" name="Image 4">
             <a:extLst>
               <a:ext uri="{FF2B5EF4-FFF2-40B4-BE49-F238E27FC236}">
-                <a16:creationId xmlns:a16="http://schemas.microsoft.com/office/drawing/2014/main" id="{07256520-7B85-49D6-954D-AD612127FEEC}"/>
+                <a16:creationId xmlns:a16="http://schemas.microsoft.com/office/drawing/2014/main" id="{32603F43-856D-461D-87BB-C48D1DBD2FA1}"/>
               </a:ext>
             </a:extLst>
           </p:cNvPr>
           <p:cNvPicPr>
-            <a:picLocks noGrp="1" noChangeAspect="1"/>
+            <a:picLocks noChangeAspect="1"/>
           </p:cNvPicPr>
-          <p:nvPr>
-            <p:ph idx="1"/>
-          </p:nvPr>
+          <p:nvPr/>
         </p:nvPicPr>
         <p:blipFill>
           <a:blip r:embed="rId2"/>
@@ -7284,46 +8050,30 @@
         </p:blipFill>
         <p:spPr>
           <a:xfrm>
-            <a:off x="397505" y="1915508"/>
-            <a:ext cx="5754968" cy="1317057"/>
+            <a:off x="4627997" y="3626045"/>
+            <a:ext cx="1468003" cy="411662"/>
           </a:xfrm>
+          <a:prstGeom prst="rect">
+            <a:avLst/>
+          </a:prstGeom>
+          <a:ln>
+            <a:noFill/>
+          </a:ln>
+          <a:effectLst>
+            <a:outerShdw blurRad="190500" algn="tl" rotWithShape="0">
+              <a:srgbClr val="000000">
+                <a:alpha val="70000"/>
+              </a:srgbClr>
+            </a:outerShdw>
+          </a:effectLst>
         </p:spPr>
       </p:pic>
-      <p:sp>
-        <p:nvSpPr>
-          <p:cNvPr id="4" name="Espace réservé du numéro de diapositive 3">
+      <p:pic>
+        <p:nvPicPr>
+          <p:cNvPr id="7" name="Image 6">
             <a:extLst>
               <a:ext uri="{FF2B5EF4-FFF2-40B4-BE49-F238E27FC236}">
-                <a16:creationId xmlns:a16="http://schemas.microsoft.com/office/drawing/2014/main" id="{51F8C726-397C-4F88-815A-E5183285CABF}"/>
-              </a:ext>
-            </a:extLst>
-          </p:cNvPr>
-          <p:cNvSpPr>
-            <a:spLocks noGrp="1"/>
-          </p:cNvSpPr>
-          <p:nvPr>
-            <p:ph type="sldNum" sz="quarter" idx="12"/>
-          </p:nvPr>
-        </p:nvSpPr>
-        <p:spPr/>
-        <p:txBody>
-          <a:bodyPr/>
-          <a:lstStyle/>
-          <a:p>
-            <a:fld id="{D3D5BDEF-692F-49E3-8524-28D088251AFF}" type="slidenum">
-              <a:rPr lang="fr-FR" smtClean="0"/>
-              <a:t>13</a:t>
-            </a:fld>
-            <a:endParaRPr lang="fr-FR"/>
-          </a:p>
-        </p:txBody>
-      </p:sp>
-      <p:pic>
-        <p:nvPicPr>
-          <p:cNvPr id="8" name="Image 7">
-            <a:extLst>
-              <a:ext uri="{FF2B5EF4-FFF2-40B4-BE49-F238E27FC236}">
-                <a16:creationId xmlns:a16="http://schemas.microsoft.com/office/drawing/2014/main" id="{4A5C11C2-022B-4FB0-BC52-E77F97A96FDE}"/>
+                <a16:creationId xmlns:a16="http://schemas.microsoft.com/office/drawing/2014/main" id="{BDCCD31A-FD1F-4F37-84C5-FE3F320458B9}"/>
               </a:ext>
             </a:extLst>
           </p:cNvPr>
@@ -7340,20 +8090,30 @@
         </p:blipFill>
         <p:spPr>
           <a:xfrm>
-            <a:off x="370344" y="3461343"/>
-            <a:ext cx="6611701" cy="2018736"/>
+            <a:off x="1898185" y="4037707"/>
+            <a:ext cx="1518086" cy="346034"/>
           </a:xfrm>
           <a:prstGeom prst="rect">
             <a:avLst/>
           </a:prstGeom>
+          <a:ln>
+            <a:noFill/>
+          </a:ln>
+          <a:effectLst>
+            <a:outerShdw blurRad="190500" algn="tl" rotWithShape="0">
+              <a:srgbClr val="000000">
+                <a:alpha val="70000"/>
+              </a:srgbClr>
+            </a:outerShdw>
+          </a:effectLst>
         </p:spPr>
       </p:pic>
       <p:pic>
         <p:nvPicPr>
-          <p:cNvPr id="10" name="Image 9">
+          <p:cNvPr id="9" name="Image 8">
             <a:extLst>
               <a:ext uri="{FF2B5EF4-FFF2-40B4-BE49-F238E27FC236}">
-                <a16:creationId xmlns:a16="http://schemas.microsoft.com/office/drawing/2014/main" id="{772A5E8F-A88B-45FD-992E-73897649D391}"/>
+                <a16:creationId xmlns:a16="http://schemas.microsoft.com/office/drawing/2014/main" id="{7028D852-9ABD-46A9-A04C-74A44EF465F8}"/>
               </a:ext>
             </a:extLst>
           </p:cNvPr>
@@ -7370,20 +8130,30 @@
         </p:blipFill>
         <p:spPr>
           <a:xfrm>
-            <a:off x="370344" y="5708857"/>
-            <a:ext cx="11451312" cy="767686"/>
+            <a:off x="1898185" y="4464426"/>
+            <a:ext cx="2320102" cy="415064"/>
           </a:xfrm>
           <a:prstGeom prst="rect">
             <a:avLst/>
           </a:prstGeom>
+          <a:ln>
+            <a:noFill/>
+          </a:ln>
+          <a:effectLst>
+            <a:outerShdw blurRad="190500" algn="tl" rotWithShape="0">
+              <a:srgbClr val="000000">
+                <a:alpha val="70000"/>
+              </a:srgbClr>
+            </a:outerShdw>
+          </a:effectLst>
         </p:spPr>
       </p:pic>
       <p:pic>
         <p:nvPicPr>
-          <p:cNvPr id="11" name="Espace réservé du contenu 5">
+          <p:cNvPr id="11" name="Image 10">
             <a:extLst>
               <a:ext uri="{FF2B5EF4-FFF2-40B4-BE49-F238E27FC236}">
-                <a16:creationId xmlns:a16="http://schemas.microsoft.com/office/drawing/2014/main" id="{699018FA-8753-4A77-A622-8AC8D4F15A68}"/>
+                <a16:creationId xmlns:a16="http://schemas.microsoft.com/office/drawing/2014/main" id="{06155BB4-DF36-4981-BB25-0501CEE86DE4}"/>
               </a:ext>
             </a:extLst>
           </p:cNvPr>
@@ -7400,18 +8170,28 @@
         </p:blipFill>
         <p:spPr>
           <a:xfrm>
-            <a:off x="7116488" y="2082026"/>
-            <a:ext cx="4907249" cy="3160035"/>
+            <a:off x="1849428" y="5043941"/>
+            <a:ext cx="173519" cy="173519"/>
           </a:xfrm>
           <a:prstGeom prst="rect">
             <a:avLst/>
           </a:prstGeom>
+          <a:ln>
+            <a:noFill/>
+          </a:ln>
+          <a:effectLst>
+            <a:outerShdw blurRad="190500" algn="tl" rotWithShape="0">
+              <a:srgbClr val="000000">
+                <a:alpha val="70000"/>
+              </a:srgbClr>
+            </a:outerShdw>
+          </a:effectLst>
         </p:spPr>
       </p:pic>
     </p:spTree>
     <p:extLst>
       <p:ext uri="{BB962C8B-B14F-4D97-AF65-F5344CB8AC3E}">
-        <p14:creationId xmlns:p14="http://schemas.microsoft.com/office/powerpoint/2010/main" val="594884238"/>
+        <p14:creationId xmlns:p14="http://schemas.microsoft.com/office/powerpoint/2010/main" val="2414079012"/>
       </p:ext>
     </p:extLst>
   </p:cSld>
@@ -7443,7 +8223,7 @@
           <p:cNvPr id="2" name="Titre 1">
             <a:extLst>
               <a:ext uri="{FF2B5EF4-FFF2-40B4-BE49-F238E27FC236}">
-                <a16:creationId xmlns:a16="http://schemas.microsoft.com/office/drawing/2014/main" id="{2703B65B-5A2E-4F30-87E1-8CE8A6AA12BD}"/>
+                <a16:creationId xmlns:a16="http://schemas.microsoft.com/office/drawing/2014/main" id="{44370FB2-5086-4F34-B530-457626B74C4A}"/>
               </a:ext>
             </a:extLst>
           </p:cNvPr>
@@ -7456,7 +8236,7 @@
         </p:nvSpPr>
         <p:spPr>
           <a:xfrm>
-            <a:off x="645130" y="123534"/>
+            <a:off x="645130" y="272481"/>
             <a:ext cx="9404723" cy="1400530"/>
           </a:xfrm>
         </p:spPr>
@@ -7466,166 +8246,14 @@
           <a:p>
             <a:r>
               <a:rPr lang="fr-FR" dirty="0"/>
-              <a:t>Plan</a:t>
-            </a:r>
-          </a:p>
-        </p:txBody>
-      </p:sp>
-      <p:sp>
-        <p:nvSpPr>
-          <p:cNvPr id="3" name="Espace réservé du contenu 2">
-            <a:extLst>
-              <a:ext uri="{FF2B5EF4-FFF2-40B4-BE49-F238E27FC236}">
-                <a16:creationId xmlns:a16="http://schemas.microsoft.com/office/drawing/2014/main" id="{3F6C9574-4E08-4365-BD93-AA505F6D4C62}"/>
-              </a:ext>
-            </a:extLst>
-          </p:cNvPr>
-          <p:cNvSpPr>
-            <a:spLocks noGrp="1"/>
-          </p:cNvSpPr>
-          <p:nvPr>
-            <p:ph idx="1"/>
-          </p:nvPr>
-        </p:nvSpPr>
-        <p:spPr>
-          <a:xfrm>
-            <a:off x="1103312" y="853440"/>
-            <a:ext cx="8946541" cy="6004560"/>
-          </a:xfrm>
-        </p:spPr>
-        <p:txBody>
-          <a:bodyPr>
-            <a:normAutofit fontScale="85000" lnSpcReduction="20000"/>
-          </a:bodyPr>
-          <a:lstStyle/>
-          <a:p>
-            <a:r>
+              <a:t>Inférence de variances</a:t>
+            </a:r>
+            <a:br>
               <a:rPr lang="fr-FR" dirty="0"/>
-              <a:t>Le </a:t>
-            </a:r>
-            <a:r>
-              <a:rPr lang="el-GR" dirty="0"/>
-              <a:t>μ</a:t>
-            </a:r>
+            </a:br>
             <a:r>
               <a:rPr lang="fr-FR" dirty="0"/>
-              <a:t>-calcul d’ordre supérieur</a:t>
-            </a:r>
-          </a:p>
-          <a:p>
-            <a:pPr lvl="1"/>
-            <a:r>
-              <a:rPr lang="fr-FR" dirty="0"/>
-              <a:t>propriétés</a:t>
-            </a:r>
-          </a:p>
-          <a:p>
-            <a:pPr lvl="1"/>
-            <a:r>
-              <a:rPr lang="fr-FR" dirty="0"/>
-              <a:t>système de transitions labélisé</a:t>
-            </a:r>
-          </a:p>
-          <a:p>
-            <a:pPr lvl="1"/>
-            <a:r>
-              <a:rPr lang="fr-FR" dirty="0"/>
-              <a:t>syntaxe</a:t>
-            </a:r>
-          </a:p>
-          <a:p>
-            <a:pPr lvl="1"/>
-            <a:r>
-              <a:rPr lang="fr-FR" dirty="0"/>
-              <a:t>sens des opérateurs</a:t>
-            </a:r>
-          </a:p>
-          <a:p>
-            <a:r>
-              <a:rPr lang="fr-FR" dirty="0"/>
-              <a:t>Variances</a:t>
-            </a:r>
-          </a:p>
-          <a:p>
-            <a:pPr lvl="1"/>
-            <a:r>
-              <a:rPr lang="fr-FR" dirty="0"/>
-              <a:t>variance d’une fonction</a:t>
-            </a:r>
-          </a:p>
-          <a:p>
-            <a:pPr lvl="1"/>
-            <a:r>
-              <a:rPr lang="fr-FR" dirty="0"/>
-              <a:t>treillis des variances</a:t>
-            </a:r>
-          </a:p>
-          <a:p>
-            <a:pPr lvl="1"/>
-            <a:r>
-              <a:rPr lang="fr-FR" dirty="0"/>
-              <a:t>opérations</a:t>
-            </a:r>
-          </a:p>
-          <a:p>
-            <a:r>
-              <a:rPr lang="fr-FR" dirty="0"/>
-              <a:t>Inférence de variances</a:t>
-            </a:r>
-          </a:p>
-          <a:p>
-            <a:pPr lvl="1"/>
-            <a:r>
-              <a:rPr lang="fr-FR" dirty="0"/>
-              <a:t>notations</a:t>
-            </a:r>
-          </a:p>
-          <a:p>
-            <a:pPr lvl="1"/>
-            <a:r>
-              <a:rPr lang="fr-FR" dirty="0"/>
-              <a:t>solution proposée</a:t>
-            </a:r>
-          </a:p>
-          <a:p>
-            <a:pPr lvl="1"/>
-            <a:r>
-              <a:rPr lang="fr-FR" dirty="0"/>
-              <a:t>règles d’inférence de variances</a:t>
-            </a:r>
-          </a:p>
-          <a:p>
-            <a:pPr lvl="1"/>
-            <a:r>
-              <a:rPr lang="fr-FR" dirty="0"/>
-              <a:t>exemple 1</a:t>
-            </a:r>
-          </a:p>
-          <a:p>
-            <a:pPr lvl="1"/>
-            <a:r>
-              <a:rPr lang="fr-FR" dirty="0"/>
-              <a:t>exemple 2</a:t>
-            </a:r>
-          </a:p>
-          <a:p>
-            <a:r>
-              <a:rPr lang="fr-FR" dirty="0"/>
-              <a:t>Conclusion</a:t>
-            </a:r>
-          </a:p>
-          <a:p>
-            <a:pPr lvl="1"/>
-            <a:r>
-              <a:rPr lang="fr-FR" dirty="0"/>
-              <a:t>résumé</a:t>
-            </a:r>
-          </a:p>
-          <a:p>
-            <a:pPr lvl="1"/>
-            <a:r>
-              <a:rPr lang="fr-FR" dirty="0"/>
-              <a:t>améliorations possibles</a:t>
+              <a:t>- règles d’inférence de variances -</a:t>
             </a:r>
           </a:p>
         </p:txBody>
@@ -7635,7 +8263,7 @@
           <p:cNvPr id="4" name="Espace réservé du numéro de diapositive 3">
             <a:extLst>
               <a:ext uri="{FF2B5EF4-FFF2-40B4-BE49-F238E27FC236}">
-                <a16:creationId xmlns:a16="http://schemas.microsoft.com/office/drawing/2014/main" id="{9273ECC2-879F-4B45-9ABB-C4AD1FE330A6}"/>
+                <a16:creationId xmlns:a16="http://schemas.microsoft.com/office/drawing/2014/main" id="{B2A1BAE4-1701-4655-A70F-8BF5ECA38EBC}"/>
               </a:ext>
             </a:extLst>
           </p:cNvPr>
@@ -7659,10 +8287,40 @@
           </a:p>
         </p:txBody>
       </p:sp>
+      <p:pic>
+        <p:nvPicPr>
+          <p:cNvPr id="11" name="Image 10">
+            <a:extLst>
+              <a:ext uri="{FF2B5EF4-FFF2-40B4-BE49-F238E27FC236}">
+                <a16:creationId xmlns:a16="http://schemas.microsoft.com/office/drawing/2014/main" id="{30D77E8B-9220-4FEC-9356-057A3ED1A81C}"/>
+              </a:ext>
+            </a:extLst>
+          </p:cNvPr>
+          <p:cNvPicPr>
+            <a:picLocks noChangeAspect="1"/>
+          </p:cNvPicPr>
+          <p:nvPr/>
+        </p:nvPicPr>
+        <p:blipFill>
+          <a:blip r:embed="rId2"/>
+          <a:stretch>
+            <a:fillRect/>
+          </a:stretch>
+        </p:blipFill>
+        <p:spPr>
+          <a:xfrm>
+            <a:off x="2142147" y="1696461"/>
+            <a:ext cx="7616749" cy="4969740"/>
+          </a:xfrm>
+          <a:prstGeom prst="rect">
+            <a:avLst/>
+          </a:prstGeom>
+        </p:spPr>
+      </p:pic>
     </p:spTree>
     <p:extLst>
       <p:ext uri="{BB962C8B-B14F-4D97-AF65-F5344CB8AC3E}">
-        <p14:creationId xmlns:p14="http://schemas.microsoft.com/office/powerpoint/2010/main" val="3965924487"/>
+        <p14:creationId xmlns:p14="http://schemas.microsoft.com/office/powerpoint/2010/main" val="1148125134"/>
       </p:ext>
     </p:extLst>
   </p:cSld>
@@ -7694,7 +8352,7 @@
           <p:cNvPr id="2" name="Titre 1">
             <a:extLst>
               <a:ext uri="{FF2B5EF4-FFF2-40B4-BE49-F238E27FC236}">
-                <a16:creationId xmlns:a16="http://schemas.microsoft.com/office/drawing/2014/main" id="{E738B503-39EE-4366-996D-110A33644434}"/>
+                <a16:creationId xmlns:a16="http://schemas.microsoft.com/office/drawing/2014/main" id="{07FF88D4-A277-4680-A33B-C7717E284D7D}"/>
               </a:ext>
             </a:extLst>
           </p:cNvPr>
@@ -7719,132 +8377,336 @@
             </a:br>
             <a:r>
               <a:rPr lang="fr-FR" dirty="0"/>
-              <a:t>- notations -</a:t>
-            </a:r>
-          </a:p>
-        </p:txBody>
-      </p:sp>
-      <p:sp>
-        <p:nvSpPr>
-          <p:cNvPr id="3" name="Espace réservé du contenu 2">
+              <a:t>- règle du </a:t>
+            </a:r>
+            <a:r>
+              <a:rPr lang="el-GR" dirty="0"/>
+              <a:t>μ </a:t>
+            </a:r>
+            <a:r>
+              <a:rPr lang="fr-FR" dirty="0"/>
+              <a:t>-</a:t>
+            </a:r>
+          </a:p>
+        </p:txBody>
+      </p:sp>
+      <p:pic>
+        <p:nvPicPr>
+          <p:cNvPr id="6" name="Espace réservé du contenu 5">
             <a:extLst>
               <a:ext uri="{FF2B5EF4-FFF2-40B4-BE49-F238E27FC236}">
-                <a16:creationId xmlns:a16="http://schemas.microsoft.com/office/drawing/2014/main" id="{F767ED4F-EFE1-48DA-A08D-0D105D409454}"/>
+                <a16:creationId xmlns:a16="http://schemas.microsoft.com/office/drawing/2014/main" id="{16D5DBAE-95A0-4AA1-97B7-A3FAC747F0A7}"/>
               </a:ext>
             </a:extLst>
           </p:cNvPr>
-          <p:cNvSpPr>
-            <a:spLocks noGrp="1"/>
-          </p:cNvSpPr>
+          <p:cNvPicPr>
+            <a:picLocks noGrp="1" noChangeAspect="1"/>
+          </p:cNvPicPr>
           <p:nvPr>
             <p:ph idx="1"/>
           </p:nvPr>
-        </p:nvSpPr>
+        </p:nvPicPr>
+        <p:blipFill>
+          <a:blip r:embed="rId2"/>
+          <a:stretch>
+            <a:fillRect/>
+          </a:stretch>
+        </p:blipFill>
         <p:spPr>
           <a:xfrm>
-            <a:off x="1091120" y="2686902"/>
+            <a:off x="484111" y="2358765"/>
+            <a:ext cx="11223778" cy="1072006"/>
+          </a:xfrm>
+        </p:spPr>
+      </p:pic>
+      <p:sp>
+        <p:nvSpPr>
+          <p:cNvPr id="4" name="Espace réservé du numéro de diapositive 3">
+            <a:extLst>
+              <a:ext uri="{FF2B5EF4-FFF2-40B4-BE49-F238E27FC236}">
+                <a16:creationId xmlns:a16="http://schemas.microsoft.com/office/drawing/2014/main" id="{6F929606-D251-4A53-9A5B-953078CD4974}"/>
+              </a:ext>
+            </a:extLst>
+          </p:cNvPr>
+          <p:cNvSpPr>
+            <a:spLocks noGrp="1"/>
+          </p:cNvSpPr>
+          <p:nvPr>
+            <p:ph type="sldNum" sz="quarter" idx="12"/>
+          </p:nvPr>
+        </p:nvSpPr>
+        <p:spPr/>
+        <p:txBody>
+          <a:bodyPr/>
+          <a:lstStyle/>
+          <a:p>
+            <a:fld id="{D3D5BDEF-692F-49E3-8524-28D088251AFF}" type="slidenum">
+              <a:rPr lang="fr-FR" smtClean="0"/>
+              <a:t>15</a:t>
+            </a:fld>
+            <a:endParaRPr lang="fr-FR"/>
+          </a:p>
+        </p:txBody>
+      </p:sp>
+      <p:sp>
+        <p:nvSpPr>
+          <p:cNvPr id="28" name="Espace réservé du contenu 2">
+            <a:extLst>
+              <a:ext uri="{FF2B5EF4-FFF2-40B4-BE49-F238E27FC236}">
+                <a16:creationId xmlns:a16="http://schemas.microsoft.com/office/drawing/2014/main" id="{19DEB8B9-C74F-4839-B2E6-4E9756326136}"/>
+              </a:ext>
+            </a:extLst>
+          </p:cNvPr>
+          <p:cNvSpPr txBox="1">
+            <a:spLocks/>
+          </p:cNvSpPr>
+          <p:nvPr/>
+        </p:nvSpPr>
+        <p:spPr>
+          <a:xfrm>
+            <a:off x="792985" y="3893698"/>
             <a:ext cx="10552240" cy="4352364"/>
           </a:xfrm>
+          <a:prstGeom prst="rect">
+            <a:avLst/>
+          </a:prstGeom>
         </p:spPr>
         <p:txBody>
-          <a:bodyPr/>
-          <a:lstStyle/>
-          <a:p>
-            <a:r>
-              <a:rPr lang="el-GR" dirty="0"/>
-              <a:t>Δ</a:t>
-            </a:r>
+          <a:bodyPr vert="horz" lIns="91440" tIns="45720" rIns="91440" bIns="45720" rtlCol="0">
+            <a:normAutofit/>
+          </a:bodyPr>
+          <a:lstStyle>
+            <a:lvl1pPr marL="342900" indent="-342900" algn="l" defTabSz="457200" rtl="0" eaLnBrk="1" latinLnBrk="0" hangingPunct="1">
+              <a:spcBef>
+                <a:spcPts val="1000"/>
+              </a:spcBef>
+              <a:spcAft>
+                <a:spcPts val="0"/>
+              </a:spcAft>
+              <a:buClr>
+                <a:schemeClr val="bg2">
+                  <a:lumMod val="40000"/>
+                  <a:lumOff val="60000"/>
+                </a:schemeClr>
+              </a:buClr>
+              <a:buSzPct val="80000"/>
+              <a:buFont typeface="Wingdings 3" charset="2"/>
+              <a:buChar char=""/>
+              <a:defRPr sz="2000" b="0" i="0" kern="1200">
+                <a:solidFill>
+                  <a:schemeClr val="tx1"/>
+                </a:solidFill>
+                <a:latin typeface="+mj-lt"/>
+                <a:ea typeface="+mj-ea"/>
+                <a:cs typeface="+mj-cs"/>
+              </a:defRPr>
+            </a:lvl1pPr>
+            <a:lvl2pPr marL="742950" indent="-285750" algn="l" defTabSz="457200" rtl="0" eaLnBrk="1" latinLnBrk="0" hangingPunct="1">
+              <a:spcBef>
+                <a:spcPts val="1000"/>
+              </a:spcBef>
+              <a:spcAft>
+                <a:spcPts val="0"/>
+              </a:spcAft>
+              <a:buClr>
+                <a:schemeClr val="bg2">
+                  <a:lumMod val="40000"/>
+                  <a:lumOff val="60000"/>
+                </a:schemeClr>
+              </a:buClr>
+              <a:buSzPct val="80000"/>
+              <a:buFont typeface="Wingdings 3" charset="2"/>
+              <a:buChar char=""/>
+              <a:defRPr sz="1800" b="0" i="0" kern="1200">
+                <a:solidFill>
+                  <a:schemeClr val="tx1"/>
+                </a:solidFill>
+                <a:latin typeface="+mj-lt"/>
+                <a:ea typeface="+mj-ea"/>
+                <a:cs typeface="+mj-cs"/>
+              </a:defRPr>
+            </a:lvl2pPr>
+            <a:lvl3pPr marL="1143000" indent="-228600" algn="l" defTabSz="457200" rtl="0" eaLnBrk="1" latinLnBrk="0" hangingPunct="1">
+              <a:spcBef>
+                <a:spcPts val="1000"/>
+              </a:spcBef>
+              <a:spcAft>
+                <a:spcPts val="0"/>
+              </a:spcAft>
+              <a:buClr>
+                <a:schemeClr val="bg2">
+                  <a:lumMod val="40000"/>
+                  <a:lumOff val="60000"/>
+                </a:schemeClr>
+              </a:buClr>
+              <a:buSzPct val="80000"/>
+              <a:buFont typeface="Wingdings 3" charset="2"/>
+              <a:buChar char=""/>
+              <a:defRPr sz="1600" b="0" i="0" kern="1200">
+                <a:solidFill>
+                  <a:schemeClr val="tx1"/>
+                </a:solidFill>
+                <a:latin typeface="+mj-lt"/>
+                <a:ea typeface="+mj-ea"/>
+                <a:cs typeface="+mj-cs"/>
+              </a:defRPr>
+            </a:lvl3pPr>
+            <a:lvl4pPr marL="1600200" indent="-228600" algn="l" defTabSz="457200" rtl="0" eaLnBrk="1" latinLnBrk="0" hangingPunct="1">
+              <a:spcBef>
+                <a:spcPts val="1000"/>
+              </a:spcBef>
+              <a:spcAft>
+                <a:spcPts val="0"/>
+              </a:spcAft>
+              <a:buClr>
+                <a:schemeClr val="bg2">
+                  <a:lumMod val="40000"/>
+                  <a:lumOff val="60000"/>
+                </a:schemeClr>
+              </a:buClr>
+              <a:buSzPct val="80000"/>
+              <a:buFont typeface="Wingdings 3" charset="2"/>
+              <a:buChar char=""/>
+              <a:defRPr sz="1400" b="0" i="0" kern="1200">
+                <a:solidFill>
+                  <a:schemeClr val="tx1"/>
+                </a:solidFill>
+                <a:latin typeface="+mj-lt"/>
+                <a:ea typeface="+mj-ea"/>
+                <a:cs typeface="+mj-cs"/>
+              </a:defRPr>
+            </a:lvl4pPr>
+            <a:lvl5pPr marL="2057400" indent="-228600" algn="l" defTabSz="457200" rtl="0" eaLnBrk="1" latinLnBrk="0" hangingPunct="1">
+              <a:spcBef>
+                <a:spcPts val="1000"/>
+              </a:spcBef>
+              <a:spcAft>
+                <a:spcPts val="0"/>
+              </a:spcAft>
+              <a:buClr>
+                <a:schemeClr val="bg2">
+                  <a:lumMod val="40000"/>
+                  <a:lumOff val="60000"/>
+                </a:schemeClr>
+              </a:buClr>
+              <a:buSzPct val="80000"/>
+              <a:buFont typeface="Wingdings 3" charset="2"/>
+              <a:buChar char=""/>
+              <a:defRPr sz="1400" b="0" i="0" kern="1200">
+                <a:solidFill>
+                  <a:schemeClr val="tx1"/>
+                </a:solidFill>
+                <a:latin typeface="+mj-lt"/>
+                <a:ea typeface="+mj-ea"/>
+                <a:cs typeface="+mj-cs"/>
+              </a:defRPr>
+            </a:lvl5pPr>
+            <a:lvl6pPr marL="2506000" indent="-228600" algn="l" defTabSz="457200" rtl="0" eaLnBrk="1" latinLnBrk="0" hangingPunct="1">
+              <a:spcBef>
+                <a:spcPts val="1000"/>
+              </a:spcBef>
+              <a:spcAft>
+                <a:spcPts val="0"/>
+              </a:spcAft>
+              <a:buClr>
+                <a:schemeClr val="bg2">
+                  <a:lumMod val="40000"/>
+                  <a:lumOff val="60000"/>
+                </a:schemeClr>
+              </a:buClr>
+              <a:buSzPct val="80000"/>
+              <a:buFont typeface="Wingdings 3" charset="2"/>
+              <a:buChar char=""/>
+              <a:defRPr sz="1400" b="0" i="0" kern="1200">
+                <a:solidFill>
+                  <a:schemeClr val="tx1"/>
+                </a:solidFill>
+                <a:latin typeface="+mj-lt"/>
+                <a:ea typeface="+mj-ea"/>
+                <a:cs typeface="+mj-cs"/>
+              </a:defRPr>
+            </a:lvl6pPr>
+            <a:lvl7pPr marL="2971800" indent="-228600" algn="l" defTabSz="457200" rtl="0" eaLnBrk="1" latinLnBrk="0" hangingPunct="1">
+              <a:spcBef>
+                <a:spcPts val="1000"/>
+              </a:spcBef>
+              <a:spcAft>
+                <a:spcPts val="0"/>
+              </a:spcAft>
+              <a:buClr>
+                <a:schemeClr val="bg2">
+                  <a:lumMod val="40000"/>
+                  <a:lumOff val="60000"/>
+                </a:schemeClr>
+              </a:buClr>
+              <a:buSzPct val="80000"/>
+              <a:buFont typeface="Wingdings 3" charset="2"/>
+              <a:buChar char=""/>
+              <a:defRPr sz="1400" b="0" i="0" kern="1200">
+                <a:solidFill>
+                  <a:schemeClr val="tx1"/>
+                </a:solidFill>
+                <a:latin typeface="+mj-lt"/>
+                <a:ea typeface="+mj-ea"/>
+                <a:cs typeface="+mj-cs"/>
+              </a:defRPr>
+            </a:lvl7pPr>
+            <a:lvl8pPr marL="3429000" indent="-228600" algn="l" defTabSz="457200" rtl="0" eaLnBrk="1" latinLnBrk="0" hangingPunct="1">
+              <a:spcBef>
+                <a:spcPts val="1000"/>
+              </a:spcBef>
+              <a:spcAft>
+                <a:spcPts val="0"/>
+              </a:spcAft>
+              <a:buClr>
+                <a:schemeClr val="bg2">
+                  <a:lumMod val="40000"/>
+                  <a:lumOff val="60000"/>
+                </a:schemeClr>
+              </a:buClr>
+              <a:buSzPct val="80000"/>
+              <a:buFont typeface="Wingdings 3" charset="2"/>
+              <a:buChar char=""/>
+              <a:defRPr sz="1400" b="0" i="0" kern="1200">
+                <a:solidFill>
+                  <a:schemeClr val="tx1"/>
+                </a:solidFill>
+                <a:latin typeface="+mj-lt"/>
+                <a:ea typeface="+mj-ea"/>
+                <a:cs typeface="+mj-cs"/>
+              </a:defRPr>
+            </a:lvl8pPr>
+            <a:lvl9pPr marL="3886200" indent="-228600" algn="l" defTabSz="457200" rtl="0" eaLnBrk="1" latinLnBrk="0" hangingPunct="1">
+              <a:spcBef>
+                <a:spcPts val="1000"/>
+              </a:spcBef>
+              <a:spcAft>
+                <a:spcPts val="0"/>
+              </a:spcAft>
+              <a:buClr>
+                <a:schemeClr val="bg2">
+                  <a:lumMod val="40000"/>
+                  <a:lumOff val="60000"/>
+                </a:schemeClr>
+              </a:buClr>
+              <a:buSzPct val="80000"/>
+              <a:buFont typeface="Wingdings 3" charset="2"/>
+              <a:buChar char=""/>
+              <a:defRPr sz="1400" b="0" i="0" kern="1200">
+                <a:solidFill>
+                  <a:schemeClr val="tx1"/>
+                </a:solidFill>
+                <a:latin typeface="+mj-lt"/>
+                <a:ea typeface="+mj-ea"/>
+                <a:cs typeface="+mj-cs"/>
+              </a:defRPr>
+            </a:lvl9pPr>
+          </a:lstStyle>
+          <a:p>
             <a:r>
               <a:rPr lang="fr-FR" dirty="0"/>
-              <a:t> : ensemble de couples (variable libre, type)</a:t>
-            </a:r>
-          </a:p>
-          <a:p>
-            <a:r>
-              <a:rPr lang="fr-FR" dirty="0"/>
-              <a:t>Γ : ensemble de triplets (variable libre, variance, type)</a:t>
-            </a:r>
-          </a:p>
-          <a:p>
-            <a:r>
-              <a:rPr lang="fr-FR" dirty="0">
-                <a:latin typeface="Times New Roman" panose="02020603050405020304" pitchFamily="18" charset="0"/>
-                <a:cs typeface="Times New Roman" panose="02020603050405020304" pitchFamily="18" charset="0"/>
-              </a:rPr>
-              <a:t>τ</a:t>
-            </a:r>
-            <a:r>
-              <a:rPr lang="fr-FR" dirty="0">
-                <a:latin typeface="+mn-lt"/>
-                <a:cs typeface="Times New Roman" panose="02020603050405020304" pitchFamily="18" charset="0"/>
-              </a:rPr>
-              <a:t> : type (• ou </a:t>
-            </a:r>
-            <a:r>
-              <a:rPr lang="fr-FR" dirty="0">
-                <a:latin typeface="Times New Roman" panose="02020603050405020304" pitchFamily="18" charset="0"/>
-                <a:cs typeface="Times New Roman" panose="02020603050405020304" pitchFamily="18" charset="0"/>
-              </a:rPr>
-              <a:t>τ</a:t>
-            </a:r>
-            <a:r>
-              <a:rPr lang="fr-FR" baseline="-25000" dirty="0">
-                <a:latin typeface="+mn-lt"/>
-                <a:cs typeface="Times New Roman" panose="02020603050405020304" pitchFamily="18" charset="0"/>
-              </a:rPr>
-              <a:t>1</a:t>
-            </a:r>
-            <a:r>
-              <a:rPr lang="fr-FR" baseline="30000" dirty="0">
-                <a:latin typeface="+mn-lt"/>
-                <a:cs typeface="Times New Roman" panose="02020603050405020304" pitchFamily="18" charset="0"/>
-              </a:rPr>
-              <a:t>v</a:t>
-            </a:r>
-            <a:r>
-              <a:rPr lang="fr-FR" baseline="-25000" dirty="0">
-                <a:latin typeface="+mn-lt"/>
-                <a:cs typeface="Times New Roman" panose="02020603050405020304" pitchFamily="18" charset="0"/>
-              </a:rPr>
-              <a:t> </a:t>
-            </a:r>
-            <a:r>
-              <a:rPr lang="fr-FR" dirty="0">
-                <a:latin typeface="+mn-lt"/>
-                <a:cs typeface="Times New Roman" panose="02020603050405020304" pitchFamily="18" charset="0"/>
-              </a:rPr>
-              <a:t>→</a:t>
-            </a:r>
-            <a:r>
-              <a:rPr lang="fr-FR" baseline="-25000" dirty="0">
-                <a:latin typeface="+mn-lt"/>
-                <a:cs typeface="Times New Roman" panose="02020603050405020304" pitchFamily="18" charset="0"/>
-              </a:rPr>
-              <a:t> </a:t>
-            </a:r>
-            <a:r>
-              <a:rPr lang="fr-FR" dirty="0">
-                <a:latin typeface="Times New Roman" panose="02020603050405020304" pitchFamily="18" charset="0"/>
-                <a:cs typeface="Times New Roman" panose="02020603050405020304" pitchFamily="18" charset="0"/>
-              </a:rPr>
-              <a:t>τ</a:t>
-            </a:r>
-            <a:r>
-              <a:rPr lang="fr-FR" baseline="-25000" dirty="0">
-                <a:latin typeface="+mn-lt"/>
-                <a:cs typeface="Times New Roman" panose="02020603050405020304" pitchFamily="18" charset="0"/>
-              </a:rPr>
-              <a:t>2 </a:t>
-            </a:r>
-            <a:r>
-              <a:rPr lang="fr-FR" dirty="0">
-                <a:latin typeface="+mn-lt"/>
-                <a:cs typeface="Times New Roman" panose="02020603050405020304" pitchFamily="18" charset="0"/>
-              </a:rPr>
-              <a:t>avec v une variance)</a:t>
-            </a:r>
-          </a:p>
-          <a:p>
+              <a:t>Type du résultat = type de X = type de </a:t>
+            </a:r>
             <a:r>
               <a:rPr lang="el-GR" dirty="0">
                 <a:latin typeface="Times New Roman" panose="02020603050405020304" pitchFamily="18" charset="0"/>
@@ -7854,70 +8716,1073 @@
             </a:r>
             <a:r>
               <a:rPr lang="fr-FR" dirty="0">
+                <a:latin typeface="Times New Roman" panose="02020603050405020304" pitchFamily="18" charset="0"/>
+                <a:cs typeface="Times New Roman" panose="02020603050405020304" pitchFamily="18" charset="0"/>
+              </a:rPr>
+              <a:t>.</a:t>
+            </a:r>
+          </a:p>
+          <a:p>
+            <a:r>
+              <a:rPr lang="fr-FR" dirty="0">
                 <a:latin typeface="+mn-lt"/>
                 <a:cs typeface="Times New Roman" panose="02020603050405020304" pitchFamily="18" charset="0"/>
               </a:rPr>
-              <a:t> et </a:t>
+              <a:t>On rajoute X dans les environnements de typage pour typer X et </a:t>
             </a:r>
             <a:r>
               <a:rPr lang="el-GR" dirty="0">
                 <a:latin typeface="Times New Roman" panose="02020603050405020304" pitchFamily="18" charset="0"/>
                 <a:cs typeface="Times New Roman" panose="02020603050405020304" pitchFamily="18" charset="0"/>
               </a:rPr>
-              <a:t>ψ</a:t>
+              <a:t>Φ</a:t>
             </a:r>
             <a:r>
               <a:rPr lang="fr-FR" dirty="0">
                 <a:latin typeface="+mn-lt"/>
                 <a:cs typeface="Times New Roman" panose="02020603050405020304" pitchFamily="18" charset="0"/>
               </a:rPr>
-              <a:t> : formules</a:t>
-            </a:r>
-          </a:p>
-          <a:p>
-            <a:pPr marL="0" indent="0">
-              <a:buNone/>
-            </a:pPr>
-            <a:endParaRPr lang="fr-FR" dirty="0">
-              <a:latin typeface="+mn-lt"/>
-              <a:cs typeface="Times New Roman" panose="02020603050405020304" pitchFamily="18" charset="0"/>
-            </a:endParaRPr>
-          </a:p>
-        </p:txBody>
-      </p:sp>
-      <p:sp>
-        <p:nvSpPr>
-          <p:cNvPr id="4" name="Espace réservé du numéro de diapositive 3">
+              <a:t> mais on l’enlève du résultat car X est liée.  </a:t>
+            </a:r>
+          </a:p>
+          <a:p>
+            <a:r>
+              <a:rPr lang="fr-FR" dirty="0">
+                <a:latin typeface="+mn-lt"/>
+                <a:cs typeface="Times New Roman" panose="02020603050405020304" pitchFamily="18" charset="0"/>
+              </a:rPr>
+              <a:t>La variance de X (= variance de f : X → </a:t>
+            </a:r>
+            <a:r>
+              <a:rPr lang="el-GR" dirty="0">
+                <a:latin typeface="Times New Roman" panose="02020603050405020304" pitchFamily="18" charset="0"/>
+                <a:cs typeface="Times New Roman" panose="02020603050405020304" pitchFamily="18" charset="0"/>
+              </a:rPr>
+              <a:t>Φ</a:t>
+            </a:r>
+            <a:r>
+              <a:rPr lang="fr-FR" dirty="0">
+                <a:latin typeface="+mn-lt"/>
+                <a:cs typeface="Times New Roman" panose="02020603050405020304" pitchFamily="18" charset="0"/>
+              </a:rPr>
+              <a:t>(X)) doit être croissante pour respecter le théorème du point fixe. </a:t>
+            </a:r>
+          </a:p>
+        </p:txBody>
+      </p:sp>
+      <p:grpSp>
+        <p:nvGrpSpPr>
+          <p:cNvPr id="30" name="Groupe 29">
             <a:extLst>
               <a:ext uri="{FF2B5EF4-FFF2-40B4-BE49-F238E27FC236}">
-                <a16:creationId xmlns:a16="http://schemas.microsoft.com/office/drawing/2014/main" id="{BDAEFBA8-9341-4277-A54B-85730AB9B7A3}"/>
+                <a16:creationId xmlns:a16="http://schemas.microsoft.com/office/drawing/2014/main" id="{FED8EAB8-861B-456D-9063-F6AE48405771}"/>
               </a:ext>
             </a:extLst>
           </p:cNvPr>
-          <p:cNvSpPr>
-            <a:spLocks noGrp="1"/>
-          </p:cNvSpPr>
-          <p:nvPr>
-            <p:ph type="sldNum" sz="quarter" idx="12"/>
-          </p:nvPr>
-        </p:nvSpPr>
-        <p:spPr/>
-        <p:txBody>
-          <a:bodyPr/>
-          <a:lstStyle/>
-          <a:p>
-            <a:fld id="{D3D5BDEF-692F-49E3-8524-28D088251AFF}" type="slidenum">
-              <a:rPr lang="fr-FR" smtClean="0"/>
-              <a:t>15</a:t>
-            </a:fld>
-            <a:endParaRPr lang="fr-FR"/>
-          </a:p>
-        </p:txBody>
-      </p:sp>
+          <p:cNvGrpSpPr/>
+          <p:nvPr/>
+        </p:nvGrpSpPr>
+        <p:grpSpPr>
+          <a:xfrm>
+            <a:off x="1273006" y="2436312"/>
+            <a:ext cx="9346609" cy="936524"/>
+            <a:chOff x="1273006" y="2436312"/>
+            <a:chExt cx="9346609" cy="936524"/>
+          </a:xfrm>
+        </p:grpSpPr>
+        <p:sp>
+          <p:nvSpPr>
+            <p:cNvPr id="7" name="Ellipse 6">
+              <a:extLst>
+                <a:ext uri="{FF2B5EF4-FFF2-40B4-BE49-F238E27FC236}">
+                  <a16:creationId xmlns:a16="http://schemas.microsoft.com/office/drawing/2014/main" id="{A8683270-2DF6-4D48-80B5-1845DD800809}"/>
+                </a:ext>
+              </a:extLst>
+            </p:cNvPr>
+            <p:cNvSpPr/>
+            <p:nvPr/>
+          </p:nvSpPr>
+          <p:spPr>
+            <a:xfrm>
+              <a:off x="5151161" y="2436312"/>
+              <a:ext cx="917944" cy="467833"/>
+            </a:xfrm>
+            <a:prstGeom prst="ellipse">
+              <a:avLst/>
+            </a:prstGeom>
+            <a:solidFill>
+              <a:schemeClr val="accent4">
+                <a:alpha val="50000"/>
+              </a:schemeClr>
+            </a:solidFill>
+            <a:ln>
+              <a:noFill/>
+            </a:ln>
+          </p:spPr>
+          <p:style>
+            <a:lnRef idx="0">
+              <a:scrgbClr r="0" g="0" b="0"/>
+            </a:lnRef>
+            <a:fillRef idx="0">
+              <a:scrgbClr r="0" g="0" b="0"/>
+            </a:fillRef>
+            <a:effectRef idx="0">
+              <a:scrgbClr r="0" g="0" b="0"/>
+            </a:effectRef>
+            <a:fontRef idx="minor">
+              <a:schemeClr val="lt1"/>
+            </a:fontRef>
+          </p:style>
+          <p:txBody>
+            <a:bodyPr rtlCol="0" anchor="ctr"/>
+            <a:lstStyle/>
+            <a:p>
+              <a:pPr algn="ctr"/>
+              <a:endParaRPr lang="fr-FR"/>
+            </a:p>
+          </p:txBody>
+        </p:sp>
+        <p:sp>
+          <p:nvSpPr>
+            <p:cNvPr id="10" name="Ellipse 9">
+              <a:extLst>
+                <a:ext uri="{FF2B5EF4-FFF2-40B4-BE49-F238E27FC236}">
+                  <a16:creationId xmlns:a16="http://schemas.microsoft.com/office/drawing/2014/main" id="{8FB859CF-C55A-4C17-A5C6-FCD644BC9342}"/>
+                </a:ext>
+              </a:extLst>
+            </p:cNvPr>
+            <p:cNvSpPr/>
+            <p:nvPr/>
+          </p:nvSpPr>
+          <p:spPr>
+            <a:xfrm>
+              <a:off x="4227799" y="2541174"/>
+              <a:ext cx="308343" cy="305119"/>
+            </a:xfrm>
+            <a:prstGeom prst="ellipse">
+              <a:avLst/>
+            </a:prstGeom>
+            <a:solidFill>
+              <a:schemeClr val="accent4">
+                <a:alpha val="50000"/>
+              </a:schemeClr>
+            </a:solidFill>
+            <a:ln>
+              <a:noFill/>
+            </a:ln>
+          </p:spPr>
+          <p:style>
+            <a:lnRef idx="0">
+              <a:scrgbClr r="0" g="0" b="0"/>
+            </a:lnRef>
+            <a:fillRef idx="0">
+              <a:scrgbClr r="0" g="0" b="0"/>
+            </a:fillRef>
+            <a:effectRef idx="0">
+              <a:scrgbClr r="0" g="0" b="0"/>
+            </a:effectRef>
+            <a:fontRef idx="minor">
+              <a:schemeClr val="lt1"/>
+            </a:fontRef>
+          </p:style>
+          <p:txBody>
+            <a:bodyPr rtlCol="0" anchor="ctr"/>
+            <a:lstStyle/>
+            <a:p>
+              <a:pPr algn="ctr"/>
+              <a:endParaRPr lang="fr-FR"/>
+            </a:p>
+          </p:txBody>
+        </p:sp>
+        <p:sp>
+          <p:nvSpPr>
+            <p:cNvPr id="11" name="Ellipse 10">
+              <a:extLst>
+                <a:ext uri="{FF2B5EF4-FFF2-40B4-BE49-F238E27FC236}">
+                  <a16:creationId xmlns:a16="http://schemas.microsoft.com/office/drawing/2014/main" id="{A71D5382-C7E5-422E-B6C9-F613EE647AA6}"/>
+                </a:ext>
+              </a:extLst>
+            </p:cNvPr>
+            <p:cNvSpPr/>
+            <p:nvPr/>
+          </p:nvSpPr>
+          <p:spPr>
+            <a:xfrm>
+              <a:off x="2540670" y="2545658"/>
+              <a:ext cx="308343" cy="305119"/>
+            </a:xfrm>
+            <a:prstGeom prst="ellipse">
+              <a:avLst/>
+            </a:prstGeom>
+            <a:solidFill>
+              <a:schemeClr val="accent4">
+                <a:alpha val="50000"/>
+              </a:schemeClr>
+            </a:solidFill>
+            <a:ln>
+              <a:noFill/>
+            </a:ln>
+          </p:spPr>
+          <p:style>
+            <a:lnRef idx="0">
+              <a:scrgbClr r="0" g="0" b="0"/>
+            </a:lnRef>
+            <a:fillRef idx="0">
+              <a:scrgbClr r="0" g="0" b="0"/>
+            </a:fillRef>
+            <a:effectRef idx="0">
+              <a:scrgbClr r="0" g="0" b="0"/>
+            </a:effectRef>
+            <a:fontRef idx="minor">
+              <a:schemeClr val="lt1"/>
+            </a:fontRef>
+          </p:style>
+          <p:txBody>
+            <a:bodyPr rtlCol="0" anchor="ctr"/>
+            <a:lstStyle/>
+            <a:p>
+              <a:pPr algn="ctr"/>
+              <a:endParaRPr lang="fr-FR"/>
+            </a:p>
+          </p:txBody>
+        </p:sp>
+        <p:sp>
+          <p:nvSpPr>
+            <p:cNvPr id="12" name="Ellipse 11">
+              <a:extLst>
+                <a:ext uri="{FF2B5EF4-FFF2-40B4-BE49-F238E27FC236}">
+                  <a16:creationId xmlns:a16="http://schemas.microsoft.com/office/drawing/2014/main" id="{48FC8A53-4C9C-4915-935B-780D0193E821}"/>
+                </a:ext>
+              </a:extLst>
+            </p:cNvPr>
+            <p:cNvSpPr/>
+            <p:nvPr/>
+          </p:nvSpPr>
+          <p:spPr>
+            <a:xfrm>
+              <a:off x="5411139" y="3007339"/>
+              <a:ext cx="308343" cy="305119"/>
+            </a:xfrm>
+            <a:prstGeom prst="ellipse">
+              <a:avLst/>
+            </a:prstGeom>
+            <a:solidFill>
+              <a:schemeClr val="accent4">
+                <a:alpha val="50000"/>
+              </a:schemeClr>
+            </a:solidFill>
+            <a:ln>
+              <a:noFill/>
+            </a:ln>
+          </p:spPr>
+          <p:style>
+            <a:lnRef idx="0">
+              <a:scrgbClr r="0" g="0" b="0"/>
+            </a:lnRef>
+            <a:fillRef idx="0">
+              <a:scrgbClr r="0" g="0" b="0"/>
+            </a:fillRef>
+            <a:effectRef idx="0">
+              <a:scrgbClr r="0" g="0" b="0"/>
+            </a:effectRef>
+            <a:fontRef idx="minor">
+              <a:schemeClr val="lt1"/>
+            </a:fontRef>
+          </p:style>
+          <p:txBody>
+            <a:bodyPr rtlCol="0" anchor="ctr"/>
+            <a:lstStyle/>
+            <a:p>
+              <a:pPr algn="ctr"/>
+              <a:endParaRPr lang="fr-FR"/>
+            </a:p>
+          </p:txBody>
+        </p:sp>
+        <p:sp>
+          <p:nvSpPr>
+            <p:cNvPr id="13" name="Ellipse 12">
+              <a:extLst>
+                <a:ext uri="{FF2B5EF4-FFF2-40B4-BE49-F238E27FC236}">
+                  <a16:creationId xmlns:a16="http://schemas.microsoft.com/office/drawing/2014/main" id="{5A32034A-E9D9-4C79-9CC9-6865A91D3F34}"/>
+                </a:ext>
+              </a:extLst>
+            </p:cNvPr>
+            <p:cNvSpPr/>
+            <p:nvPr/>
+          </p:nvSpPr>
+          <p:spPr>
+            <a:xfrm>
+              <a:off x="7114435" y="3007339"/>
+              <a:ext cx="308343" cy="305119"/>
+            </a:xfrm>
+            <a:prstGeom prst="ellipse">
+              <a:avLst/>
+            </a:prstGeom>
+            <a:solidFill>
+              <a:schemeClr val="accent4">
+                <a:alpha val="50000"/>
+              </a:schemeClr>
+            </a:solidFill>
+            <a:ln>
+              <a:noFill/>
+            </a:ln>
+          </p:spPr>
+          <p:style>
+            <a:lnRef idx="0">
+              <a:scrgbClr r="0" g="0" b="0"/>
+            </a:lnRef>
+            <a:fillRef idx="0">
+              <a:scrgbClr r="0" g="0" b="0"/>
+            </a:fillRef>
+            <a:effectRef idx="0">
+              <a:scrgbClr r="0" g="0" b="0"/>
+            </a:effectRef>
+            <a:fontRef idx="minor">
+              <a:schemeClr val="lt1"/>
+            </a:fontRef>
+          </p:style>
+          <p:txBody>
+            <a:bodyPr rtlCol="0" anchor="ctr"/>
+            <a:lstStyle/>
+            <a:p>
+              <a:pPr algn="ctr"/>
+              <a:endParaRPr lang="fr-FR"/>
+            </a:p>
+          </p:txBody>
+        </p:sp>
+        <p:sp>
+          <p:nvSpPr>
+            <p:cNvPr id="14" name="Ellipse 13">
+              <a:extLst>
+                <a:ext uri="{FF2B5EF4-FFF2-40B4-BE49-F238E27FC236}">
+                  <a16:creationId xmlns:a16="http://schemas.microsoft.com/office/drawing/2014/main" id="{2F9B95AA-009E-4C62-AE58-525DC317042F}"/>
+                </a:ext>
+              </a:extLst>
+            </p:cNvPr>
+            <p:cNvSpPr/>
+            <p:nvPr/>
+          </p:nvSpPr>
+          <p:spPr>
+            <a:xfrm>
+              <a:off x="8693985" y="2550139"/>
+              <a:ext cx="308343" cy="305119"/>
+            </a:xfrm>
+            <a:prstGeom prst="ellipse">
+              <a:avLst/>
+            </a:prstGeom>
+            <a:solidFill>
+              <a:schemeClr val="accent4">
+                <a:alpha val="50000"/>
+              </a:schemeClr>
+            </a:solidFill>
+            <a:ln>
+              <a:noFill/>
+            </a:ln>
+          </p:spPr>
+          <p:style>
+            <a:lnRef idx="0">
+              <a:scrgbClr r="0" g="0" b="0"/>
+            </a:lnRef>
+            <a:fillRef idx="0">
+              <a:scrgbClr r="0" g="0" b="0"/>
+            </a:fillRef>
+            <a:effectRef idx="0">
+              <a:scrgbClr r="0" g="0" b="0"/>
+            </a:effectRef>
+            <a:fontRef idx="minor">
+              <a:schemeClr val="lt1"/>
+            </a:fontRef>
+          </p:style>
+          <p:txBody>
+            <a:bodyPr rtlCol="0" anchor="ctr"/>
+            <a:lstStyle/>
+            <a:p>
+              <a:pPr algn="ctr"/>
+              <a:endParaRPr lang="fr-FR"/>
+            </a:p>
+          </p:txBody>
+        </p:sp>
+        <p:sp>
+          <p:nvSpPr>
+            <p:cNvPr id="15" name="Ellipse 14">
+              <a:extLst>
+                <a:ext uri="{FF2B5EF4-FFF2-40B4-BE49-F238E27FC236}">
+                  <a16:creationId xmlns:a16="http://schemas.microsoft.com/office/drawing/2014/main" id="{17F234B2-CE47-428D-9896-4ECCC938FBA3}"/>
+                </a:ext>
+              </a:extLst>
+            </p:cNvPr>
+            <p:cNvSpPr/>
+            <p:nvPr/>
+          </p:nvSpPr>
+          <p:spPr>
+            <a:xfrm>
+              <a:off x="9599304" y="2447043"/>
+              <a:ext cx="1020311" cy="467833"/>
+            </a:xfrm>
+            <a:prstGeom prst="ellipse">
+              <a:avLst/>
+            </a:prstGeom>
+            <a:solidFill>
+              <a:schemeClr val="accent6">
+                <a:alpha val="50000"/>
+              </a:schemeClr>
+            </a:solidFill>
+            <a:ln>
+              <a:noFill/>
+            </a:ln>
+          </p:spPr>
+          <p:style>
+            <a:lnRef idx="0">
+              <a:scrgbClr r="0" g="0" b="0"/>
+            </a:lnRef>
+            <a:fillRef idx="0">
+              <a:scrgbClr r="0" g="0" b="0"/>
+            </a:fillRef>
+            <a:effectRef idx="0">
+              <a:scrgbClr r="0" g="0" b="0"/>
+            </a:effectRef>
+            <a:fontRef idx="minor">
+              <a:schemeClr val="lt1"/>
+            </a:fontRef>
+          </p:style>
+          <p:txBody>
+            <a:bodyPr rtlCol="0" anchor="ctr"/>
+            <a:lstStyle/>
+            <a:p>
+              <a:pPr algn="ctr"/>
+              <a:endParaRPr lang="fr-FR"/>
+            </a:p>
+          </p:txBody>
+        </p:sp>
+        <p:sp>
+          <p:nvSpPr>
+            <p:cNvPr id="16" name="Ellipse 15">
+              <a:extLst>
+                <a:ext uri="{FF2B5EF4-FFF2-40B4-BE49-F238E27FC236}">
+                  <a16:creationId xmlns:a16="http://schemas.microsoft.com/office/drawing/2014/main" id="{26C0F083-1513-40C7-B34C-F27B384CAF21}"/>
+                </a:ext>
+              </a:extLst>
+            </p:cNvPr>
+            <p:cNvSpPr/>
+            <p:nvPr/>
+          </p:nvSpPr>
+          <p:spPr>
+            <a:xfrm>
+              <a:off x="8306726" y="2473784"/>
+              <a:ext cx="227676" cy="224594"/>
+            </a:xfrm>
+            <a:prstGeom prst="ellipse">
+              <a:avLst/>
+            </a:prstGeom>
+            <a:solidFill>
+              <a:schemeClr val="accent6">
+                <a:alpha val="50000"/>
+              </a:schemeClr>
+            </a:solidFill>
+            <a:ln>
+              <a:noFill/>
+            </a:ln>
+          </p:spPr>
+          <p:style>
+            <a:lnRef idx="0">
+              <a:scrgbClr r="0" g="0" b="0"/>
+            </a:lnRef>
+            <a:fillRef idx="0">
+              <a:scrgbClr r="0" g="0" b="0"/>
+            </a:fillRef>
+            <a:effectRef idx="0">
+              <a:scrgbClr r="0" g="0" b="0"/>
+            </a:effectRef>
+            <a:fontRef idx="minor">
+              <a:schemeClr val="lt1"/>
+            </a:fontRef>
+          </p:style>
+          <p:txBody>
+            <a:bodyPr rtlCol="0" anchor="ctr"/>
+            <a:lstStyle/>
+            <a:p>
+              <a:pPr algn="ctr"/>
+              <a:endParaRPr lang="fr-FR"/>
+            </a:p>
+          </p:txBody>
+        </p:sp>
+        <p:sp>
+          <p:nvSpPr>
+            <p:cNvPr id="17" name="Ellipse 16">
+              <a:extLst>
+                <a:ext uri="{FF2B5EF4-FFF2-40B4-BE49-F238E27FC236}">
+                  <a16:creationId xmlns:a16="http://schemas.microsoft.com/office/drawing/2014/main" id="{A643C868-CD0C-46AA-8A1B-28F5C0D419A8}"/>
+                </a:ext>
+              </a:extLst>
+            </p:cNvPr>
+            <p:cNvSpPr/>
+            <p:nvPr/>
+          </p:nvSpPr>
+          <p:spPr>
+            <a:xfrm>
+              <a:off x="6680578" y="2922075"/>
+              <a:ext cx="415927" cy="408313"/>
+            </a:xfrm>
+            <a:prstGeom prst="ellipse">
+              <a:avLst/>
+            </a:prstGeom>
+            <a:solidFill>
+              <a:schemeClr val="accent3">
+                <a:alpha val="50000"/>
+              </a:schemeClr>
+            </a:solidFill>
+            <a:ln>
+              <a:noFill/>
+            </a:ln>
+          </p:spPr>
+          <p:style>
+            <a:lnRef idx="0">
+              <a:scrgbClr r="0" g="0" b="0"/>
+            </a:lnRef>
+            <a:fillRef idx="0">
+              <a:scrgbClr r="0" g="0" b="0"/>
+            </a:fillRef>
+            <a:effectRef idx="0">
+              <a:scrgbClr r="0" g="0" b="0"/>
+            </a:effectRef>
+            <a:fontRef idx="minor">
+              <a:schemeClr val="lt1"/>
+            </a:fontRef>
+          </p:style>
+          <p:txBody>
+            <a:bodyPr rtlCol="0" anchor="ctr"/>
+            <a:lstStyle/>
+            <a:p>
+              <a:pPr algn="ctr"/>
+              <a:endParaRPr lang="fr-FR"/>
+            </a:p>
+          </p:txBody>
+        </p:sp>
+        <p:sp>
+          <p:nvSpPr>
+            <p:cNvPr id="18" name="Ellipse 17">
+              <a:extLst>
+                <a:ext uri="{FF2B5EF4-FFF2-40B4-BE49-F238E27FC236}">
+                  <a16:creationId xmlns:a16="http://schemas.microsoft.com/office/drawing/2014/main" id="{250E2EDF-27FF-4FFD-A0D7-88D3FE103E9D}"/>
+                </a:ext>
+              </a:extLst>
+            </p:cNvPr>
+            <p:cNvSpPr/>
+            <p:nvPr/>
+          </p:nvSpPr>
+          <p:spPr>
+            <a:xfrm>
+              <a:off x="7173581" y="2446945"/>
+              <a:ext cx="415927" cy="408313"/>
+            </a:xfrm>
+            <a:prstGeom prst="ellipse">
+              <a:avLst/>
+            </a:prstGeom>
+            <a:solidFill>
+              <a:schemeClr val="accent3">
+                <a:alpha val="50000"/>
+              </a:schemeClr>
+            </a:solidFill>
+            <a:ln>
+              <a:noFill/>
+            </a:ln>
+          </p:spPr>
+          <p:style>
+            <a:lnRef idx="0">
+              <a:scrgbClr r="0" g="0" b="0"/>
+            </a:lnRef>
+            <a:fillRef idx="0">
+              <a:scrgbClr r="0" g="0" b="0"/>
+            </a:fillRef>
+            <a:effectRef idx="0">
+              <a:scrgbClr r="0" g="0" b="0"/>
+            </a:effectRef>
+            <a:fontRef idx="minor">
+              <a:schemeClr val="lt1"/>
+            </a:fontRef>
+          </p:style>
+          <p:txBody>
+            <a:bodyPr rtlCol="0" anchor="ctr"/>
+            <a:lstStyle/>
+            <a:p>
+              <a:pPr algn="ctr"/>
+              <a:endParaRPr lang="fr-FR"/>
+            </a:p>
+          </p:txBody>
+        </p:sp>
+        <p:sp>
+          <p:nvSpPr>
+            <p:cNvPr id="19" name="Ellipse 18">
+              <a:extLst>
+                <a:ext uri="{FF2B5EF4-FFF2-40B4-BE49-F238E27FC236}">
+                  <a16:creationId xmlns:a16="http://schemas.microsoft.com/office/drawing/2014/main" id="{6AFB1C8C-A79A-4FB6-AE5F-930AC8311973}"/>
+                </a:ext>
+              </a:extLst>
+            </p:cNvPr>
+            <p:cNvSpPr/>
+            <p:nvPr/>
+          </p:nvSpPr>
+          <p:spPr>
+            <a:xfrm>
+              <a:off x="6512958" y="2454193"/>
+              <a:ext cx="415927" cy="408313"/>
+            </a:xfrm>
+            <a:prstGeom prst="ellipse">
+              <a:avLst/>
+            </a:prstGeom>
+            <a:solidFill>
+              <a:schemeClr val="accent2">
+                <a:alpha val="50000"/>
+              </a:schemeClr>
+            </a:solidFill>
+            <a:ln>
+              <a:noFill/>
+            </a:ln>
+          </p:spPr>
+          <p:style>
+            <a:lnRef idx="0">
+              <a:scrgbClr r="0" g="0" b="0"/>
+            </a:lnRef>
+            <a:fillRef idx="0">
+              <a:scrgbClr r="0" g="0" b="0"/>
+            </a:fillRef>
+            <a:effectRef idx="0">
+              <a:scrgbClr r="0" g="0" b="0"/>
+            </a:effectRef>
+            <a:fontRef idx="minor">
+              <a:schemeClr val="lt1"/>
+            </a:fontRef>
+          </p:style>
+          <p:txBody>
+            <a:bodyPr rtlCol="0" anchor="ctr"/>
+            <a:lstStyle/>
+            <a:p>
+              <a:pPr algn="ctr"/>
+              <a:endParaRPr lang="fr-FR"/>
+            </a:p>
+          </p:txBody>
+        </p:sp>
+        <p:sp>
+          <p:nvSpPr>
+            <p:cNvPr id="20" name="Ellipse 19">
+              <a:extLst>
+                <a:ext uri="{FF2B5EF4-FFF2-40B4-BE49-F238E27FC236}">
+                  <a16:creationId xmlns:a16="http://schemas.microsoft.com/office/drawing/2014/main" id="{9C1D0F7B-C72C-4024-B9BF-BCF692E03745}"/>
+                </a:ext>
+              </a:extLst>
+            </p:cNvPr>
+            <p:cNvSpPr/>
+            <p:nvPr/>
+          </p:nvSpPr>
+          <p:spPr>
+            <a:xfrm>
+              <a:off x="3843179" y="2480256"/>
+              <a:ext cx="389079" cy="382250"/>
+            </a:xfrm>
+            <a:prstGeom prst="ellipse">
+              <a:avLst/>
+            </a:prstGeom>
+            <a:solidFill>
+              <a:schemeClr val="accent2">
+                <a:alpha val="50000"/>
+              </a:schemeClr>
+            </a:solidFill>
+            <a:ln>
+              <a:noFill/>
+            </a:ln>
+          </p:spPr>
+          <p:style>
+            <a:lnRef idx="0">
+              <a:scrgbClr r="0" g="0" b="0"/>
+            </a:lnRef>
+            <a:fillRef idx="0">
+              <a:scrgbClr r="0" g="0" b="0"/>
+            </a:fillRef>
+            <a:effectRef idx="0">
+              <a:scrgbClr r="0" g="0" b="0"/>
+            </a:effectRef>
+            <a:fontRef idx="minor">
+              <a:schemeClr val="lt1"/>
+            </a:fontRef>
+          </p:style>
+          <p:txBody>
+            <a:bodyPr rtlCol="0" anchor="ctr"/>
+            <a:lstStyle/>
+            <a:p>
+              <a:pPr algn="ctr"/>
+              <a:endParaRPr lang="fr-FR"/>
+            </a:p>
+          </p:txBody>
+        </p:sp>
+        <p:sp>
+          <p:nvSpPr>
+            <p:cNvPr id="21" name="Ellipse 20">
+              <a:extLst>
+                <a:ext uri="{FF2B5EF4-FFF2-40B4-BE49-F238E27FC236}">
+                  <a16:creationId xmlns:a16="http://schemas.microsoft.com/office/drawing/2014/main" id="{5158E3D7-57EB-4D3B-9969-AA0257AAA55A}"/>
+                </a:ext>
+              </a:extLst>
+            </p:cNvPr>
+            <p:cNvSpPr/>
+            <p:nvPr/>
+          </p:nvSpPr>
+          <p:spPr>
+            <a:xfrm>
+              <a:off x="4935173" y="2944440"/>
+              <a:ext cx="308343" cy="385948"/>
+            </a:xfrm>
+            <a:prstGeom prst="ellipse">
+              <a:avLst/>
+            </a:prstGeom>
+            <a:solidFill>
+              <a:schemeClr val="accent5">
+                <a:alpha val="50000"/>
+              </a:schemeClr>
+            </a:solidFill>
+            <a:ln>
+              <a:noFill/>
+            </a:ln>
+          </p:spPr>
+          <p:style>
+            <a:lnRef idx="0">
+              <a:scrgbClr r="0" g="0" b="0"/>
+            </a:lnRef>
+            <a:fillRef idx="0">
+              <a:scrgbClr r="0" g="0" b="0"/>
+            </a:fillRef>
+            <a:effectRef idx="0">
+              <a:scrgbClr r="0" g="0" b="0"/>
+            </a:effectRef>
+            <a:fontRef idx="minor">
+              <a:schemeClr val="lt1"/>
+            </a:fontRef>
+          </p:style>
+          <p:txBody>
+            <a:bodyPr rtlCol="0" anchor="ctr"/>
+            <a:lstStyle/>
+            <a:p>
+              <a:pPr algn="ctr"/>
+              <a:endParaRPr lang="fr-FR"/>
+            </a:p>
+          </p:txBody>
+        </p:sp>
+        <p:sp>
+          <p:nvSpPr>
+            <p:cNvPr id="22" name="Ellipse 21">
+              <a:extLst>
+                <a:ext uri="{FF2B5EF4-FFF2-40B4-BE49-F238E27FC236}">
+                  <a16:creationId xmlns:a16="http://schemas.microsoft.com/office/drawing/2014/main" id="{A02DBC2B-B7E0-47FA-8837-CB3A0303347C}"/>
+                </a:ext>
+              </a:extLst>
+            </p:cNvPr>
+            <p:cNvSpPr/>
+            <p:nvPr/>
+          </p:nvSpPr>
+          <p:spPr>
+            <a:xfrm>
+              <a:off x="2073647" y="2478267"/>
+              <a:ext cx="308343" cy="425877"/>
+            </a:xfrm>
+            <a:prstGeom prst="ellipse">
+              <a:avLst/>
+            </a:prstGeom>
+            <a:solidFill>
+              <a:schemeClr val="accent5">
+                <a:alpha val="50000"/>
+              </a:schemeClr>
+            </a:solidFill>
+            <a:ln>
+              <a:noFill/>
+            </a:ln>
+          </p:spPr>
+          <p:style>
+            <a:lnRef idx="0">
+              <a:scrgbClr r="0" g="0" b="0"/>
+            </a:lnRef>
+            <a:fillRef idx="0">
+              <a:scrgbClr r="0" g="0" b="0"/>
+            </a:fillRef>
+            <a:effectRef idx="0">
+              <a:scrgbClr r="0" g="0" b="0"/>
+            </a:effectRef>
+            <a:fontRef idx="minor">
+              <a:schemeClr val="lt1"/>
+            </a:fontRef>
+          </p:style>
+          <p:txBody>
+            <a:bodyPr rtlCol="0" anchor="ctr"/>
+            <a:lstStyle/>
+            <a:p>
+              <a:pPr algn="ctr"/>
+              <a:endParaRPr lang="fr-FR"/>
+            </a:p>
+          </p:txBody>
+        </p:sp>
+        <p:sp>
+          <p:nvSpPr>
+            <p:cNvPr id="23" name="Ellipse 22">
+              <a:extLst>
+                <a:ext uri="{FF2B5EF4-FFF2-40B4-BE49-F238E27FC236}">
+                  <a16:creationId xmlns:a16="http://schemas.microsoft.com/office/drawing/2014/main" id="{F5652D72-BE6F-486A-B450-3C8B426A92B0}"/>
+                </a:ext>
+              </a:extLst>
+            </p:cNvPr>
+            <p:cNvSpPr/>
+            <p:nvPr/>
+          </p:nvSpPr>
+          <p:spPr>
+            <a:xfrm>
+              <a:off x="3017680" y="2468020"/>
+              <a:ext cx="308343" cy="425877"/>
+            </a:xfrm>
+            <a:prstGeom prst="ellipse">
+              <a:avLst/>
+            </a:prstGeom>
+            <a:solidFill>
+              <a:schemeClr val="accent1">
+                <a:alpha val="50000"/>
+              </a:schemeClr>
+            </a:solidFill>
+            <a:ln>
+              <a:noFill/>
+            </a:ln>
+          </p:spPr>
+          <p:style>
+            <a:lnRef idx="0">
+              <a:scrgbClr r="0" g="0" b="0"/>
+            </a:lnRef>
+            <a:fillRef idx="0">
+              <a:scrgbClr r="0" g="0" b="0"/>
+            </a:fillRef>
+            <a:effectRef idx="0">
+              <a:scrgbClr r="0" g="0" b="0"/>
+            </a:effectRef>
+            <a:fontRef idx="minor">
+              <a:schemeClr val="lt1"/>
+            </a:fontRef>
+          </p:style>
+          <p:txBody>
+            <a:bodyPr rtlCol="0" anchor="ctr"/>
+            <a:lstStyle/>
+            <a:p>
+              <a:pPr algn="ctr"/>
+              <a:endParaRPr lang="fr-FR"/>
+            </a:p>
+          </p:txBody>
+        </p:sp>
+        <p:sp>
+          <p:nvSpPr>
+            <p:cNvPr id="24" name="Ellipse 23">
+              <a:extLst>
+                <a:ext uri="{FF2B5EF4-FFF2-40B4-BE49-F238E27FC236}">
+                  <a16:creationId xmlns:a16="http://schemas.microsoft.com/office/drawing/2014/main" id="{CFFCD328-3802-4AA4-B1A5-79FF3DE7E3BC}"/>
+                </a:ext>
+              </a:extLst>
+            </p:cNvPr>
+            <p:cNvSpPr/>
+            <p:nvPr/>
+          </p:nvSpPr>
+          <p:spPr>
+            <a:xfrm>
+              <a:off x="5839174" y="2946959"/>
+              <a:ext cx="308343" cy="425877"/>
+            </a:xfrm>
+            <a:prstGeom prst="ellipse">
+              <a:avLst/>
+            </a:prstGeom>
+            <a:solidFill>
+              <a:schemeClr val="accent1">
+                <a:alpha val="50000"/>
+              </a:schemeClr>
+            </a:solidFill>
+            <a:ln>
+              <a:noFill/>
+            </a:ln>
+          </p:spPr>
+          <p:style>
+            <a:lnRef idx="0">
+              <a:scrgbClr r="0" g="0" b="0"/>
+            </a:lnRef>
+            <a:fillRef idx="0">
+              <a:scrgbClr r="0" g="0" b="0"/>
+            </a:fillRef>
+            <a:effectRef idx="0">
+              <a:scrgbClr r="0" g="0" b="0"/>
+            </a:effectRef>
+            <a:fontRef idx="minor">
+              <a:schemeClr val="lt1"/>
+            </a:fontRef>
+          </p:style>
+          <p:txBody>
+            <a:bodyPr rtlCol="0" anchor="ctr"/>
+            <a:lstStyle/>
+            <a:p>
+              <a:pPr algn="ctr"/>
+              <a:endParaRPr lang="fr-FR"/>
+            </a:p>
+          </p:txBody>
+        </p:sp>
+        <p:sp>
+          <p:nvSpPr>
+            <p:cNvPr id="25" name="Ellipse 24">
+              <a:extLst>
+                <a:ext uri="{FF2B5EF4-FFF2-40B4-BE49-F238E27FC236}">
+                  <a16:creationId xmlns:a16="http://schemas.microsoft.com/office/drawing/2014/main" id="{799F56E3-6F85-436C-998F-5356F674EE3A}"/>
+                </a:ext>
+              </a:extLst>
+            </p:cNvPr>
+            <p:cNvSpPr/>
+            <p:nvPr/>
+          </p:nvSpPr>
+          <p:spPr>
+            <a:xfrm>
+              <a:off x="4320249" y="2983723"/>
+              <a:ext cx="308344" cy="346665"/>
+            </a:xfrm>
+            <a:prstGeom prst="ellipse">
+              <a:avLst/>
+            </a:prstGeom>
+            <a:solidFill>
+              <a:schemeClr val="dk1">
+                <a:alpha val="50000"/>
+              </a:schemeClr>
+            </a:solidFill>
+            <a:ln>
+              <a:noFill/>
+            </a:ln>
+          </p:spPr>
+          <p:style>
+            <a:lnRef idx="0">
+              <a:scrgbClr r="0" g="0" b="0"/>
+            </a:lnRef>
+            <a:fillRef idx="0">
+              <a:scrgbClr r="0" g="0" b="0"/>
+            </a:fillRef>
+            <a:effectRef idx="0">
+              <a:scrgbClr r="0" g="0" b="0"/>
+            </a:effectRef>
+            <a:fontRef idx="minor">
+              <a:schemeClr val="lt1"/>
+            </a:fontRef>
+          </p:style>
+          <p:txBody>
+            <a:bodyPr rtlCol="0" anchor="ctr"/>
+            <a:lstStyle/>
+            <a:p>
+              <a:pPr algn="ctr"/>
+              <a:endParaRPr lang="fr-FR"/>
+            </a:p>
+          </p:txBody>
+        </p:sp>
+        <p:sp>
+          <p:nvSpPr>
+            <p:cNvPr id="26" name="Ellipse 25">
+              <a:extLst>
+                <a:ext uri="{FF2B5EF4-FFF2-40B4-BE49-F238E27FC236}">
+                  <a16:creationId xmlns:a16="http://schemas.microsoft.com/office/drawing/2014/main" id="{F9CDDE49-E46B-4171-A20A-81BBE2904AA3}"/>
+                </a:ext>
+              </a:extLst>
+            </p:cNvPr>
+            <p:cNvSpPr/>
+            <p:nvPr/>
+          </p:nvSpPr>
+          <p:spPr>
+            <a:xfrm>
+              <a:off x="1273006" y="2517872"/>
+              <a:ext cx="308344" cy="346665"/>
+            </a:xfrm>
+            <a:prstGeom prst="ellipse">
+              <a:avLst/>
+            </a:prstGeom>
+            <a:solidFill>
+              <a:schemeClr val="dk1">
+                <a:alpha val="50000"/>
+              </a:schemeClr>
+            </a:solidFill>
+            <a:ln>
+              <a:noFill/>
+            </a:ln>
+          </p:spPr>
+          <p:style>
+            <a:lnRef idx="0">
+              <a:scrgbClr r="0" g="0" b="0"/>
+            </a:lnRef>
+            <a:fillRef idx="0">
+              <a:scrgbClr r="0" g="0" b="0"/>
+            </a:fillRef>
+            <a:effectRef idx="0">
+              <a:scrgbClr r="0" g="0" b="0"/>
+            </a:effectRef>
+            <a:fontRef idx="minor">
+              <a:schemeClr val="lt1"/>
+            </a:fontRef>
+          </p:style>
+          <p:txBody>
+            <a:bodyPr rtlCol="0" anchor="ctr"/>
+            <a:lstStyle/>
+            <a:p>
+              <a:pPr algn="ctr"/>
+              <a:endParaRPr lang="fr-FR"/>
+            </a:p>
+          </p:txBody>
+        </p:sp>
+        <p:sp>
+          <p:nvSpPr>
+            <p:cNvPr id="29" name="Ellipse 28">
+              <a:extLst>
+                <a:ext uri="{FF2B5EF4-FFF2-40B4-BE49-F238E27FC236}">
+                  <a16:creationId xmlns:a16="http://schemas.microsoft.com/office/drawing/2014/main" id="{677E57D9-8C23-4BCF-B74A-A9E25E085491}"/>
+                </a:ext>
+              </a:extLst>
+            </p:cNvPr>
+            <p:cNvSpPr/>
+            <p:nvPr/>
+          </p:nvSpPr>
+          <p:spPr>
+            <a:xfrm>
+              <a:off x="8042370" y="2479621"/>
+              <a:ext cx="308343" cy="385948"/>
+            </a:xfrm>
+            <a:prstGeom prst="ellipse">
+              <a:avLst/>
+            </a:prstGeom>
+            <a:solidFill>
+              <a:schemeClr val="accent5">
+                <a:alpha val="50000"/>
+              </a:schemeClr>
+            </a:solidFill>
+            <a:ln>
+              <a:noFill/>
+            </a:ln>
+          </p:spPr>
+          <p:style>
+            <a:lnRef idx="0">
+              <a:scrgbClr r="0" g="0" b="0"/>
+            </a:lnRef>
+            <a:fillRef idx="0">
+              <a:scrgbClr r="0" g="0" b="0"/>
+            </a:fillRef>
+            <a:effectRef idx="0">
+              <a:scrgbClr r="0" g="0" b="0"/>
+            </a:effectRef>
+            <a:fontRef idx="minor">
+              <a:schemeClr val="lt1"/>
+            </a:fontRef>
+          </p:style>
+          <p:txBody>
+            <a:bodyPr rtlCol="0" anchor="ctr"/>
+            <a:lstStyle/>
+            <a:p>
+              <a:pPr algn="ctr"/>
+              <a:endParaRPr lang="fr-FR"/>
+            </a:p>
+          </p:txBody>
+        </p:sp>
+      </p:grpSp>
     </p:spTree>
     <p:extLst>
       <p:ext uri="{BB962C8B-B14F-4D97-AF65-F5344CB8AC3E}">
-        <p14:creationId xmlns:p14="http://schemas.microsoft.com/office/powerpoint/2010/main" val="3474775812"/>
+        <p14:creationId xmlns:p14="http://schemas.microsoft.com/office/powerpoint/2010/main" val="1532733884"/>
       </p:ext>
     </p:extLst>
   </p:cSld>
@@ -7949,7 +9814,7 @@
           <p:cNvPr id="2" name="Titre 1">
             <a:extLst>
               <a:ext uri="{FF2B5EF4-FFF2-40B4-BE49-F238E27FC236}">
-                <a16:creationId xmlns:a16="http://schemas.microsoft.com/office/drawing/2014/main" id="{FF2431B5-E12C-4157-AB5A-9FBA3E893B77}"/>
+                <a16:creationId xmlns:a16="http://schemas.microsoft.com/office/drawing/2014/main" id="{138003C6-757B-423E-984C-BF82D2C516A7}"/>
               </a:ext>
             </a:extLst>
           </p:cNvPr>
@@ -7974,7 +9839,7 @@
             </a:br>
             <a:r>
               <a:rPr lang="fr-FR" dirty="0"/>
-              <a:t>- solution proposée -</a:t>
+              <a:t>- implémentation -</a:t>
             </a:r>
           </a:p>
         </p:txBody>
@@ -7984,7 +9849,7 @@
           <p:cNvPr id="3" name="Espace réservé du contenu 2">
             <a:extLst>
               <a:ext uri="{FF2B5EF4-FFF2-40B4-BE49-F238E27FC236}">
-                <a16:creationId xmlns:a16="http://schemas.microsoft.com/office/drawing/2014/main" id="{0A6B29EF-C4B7-4A30-8B26-355BB1697843}"/>
+                <a16:creationId xmlns:a16="http://schemas.microsoft.com/office/drawing/2014/main" id="{A64B92B3-66B5-43FC-B931-EB542CF38CA8}"/>
               </a:ext>
             </a:extLst>
           </p:cNvPr>
@@ -7995,111 +9860,91 @@
             <p:ph idx="1"/>
           </p:nvPr>
         </p:nvSpPr>
-        <p:spPr/>
+        <p:spPr>
+          <a:xfrm>
+            <a:off x="304801" y="2366790"/>
+            <a:ext cx="11797552" cy="4195481"/>
+          </a:xfrm>
+        </p:spPr>
         <p:txBody>
           <a:bodyPr/>
           <a:lstStyle/>
           <a:p>
             <a:r>
               <a:rPr lang="fr-FR" dirty="0"/>
-              <a:t>On connaît  </a:t>
-            </a:r>
-            <a:r>
-              <a:rPr lang="el-GR" dirty="0"/>
-              <a:t>Δ</a:t>
+              <a:t>On a réalisé une implémentation de la fonction </a:t>
+            </a:r>
+            <a:r>
+              <a:rPr lang="fr-FR" i="1" dirty="0"/>
+              <a:t>type</a:t>
             </a:r>
             <a:r>
               <a:rPr lang="fr-FR" dirty="0"/>
-              <a:t> et on a une formule </a:t>
-            </a:r>
-            <a:r>
-              <a:rPr lang="el-GR" dirty="0">
-                <a:latin typeface="Times New Roman" panose="02020603050405020304" pitchFamily="18" charset="0"/>
-                <a:cs typeface="Times New Roman" panose="02020603050405020304" pitchFamily="18" charset="0"/>
-              </a:rPr>
-              <a:t>Φ</a:t>
-            </a:r>
-            <a:r>
-              <a:rPr lang="fr-FR" dirty="0">
-                <a:latin typeface="+mn-lt"/>
-                <a:cs typeface="Times New Roman" panose="02020603050405020304" pitchFamily="18" charset="0"/>
-              </a:rPr>
-              <a:t>, on cherche à compléter </a:t>
-            </a:r>
-            <a:r>
-              <a:rPr lang="el-GR" dirty="0"/>
-              <a:t>Δ</a:t>
+              <a:t>(.) en </a:t>
+            </a:r>
+            <a:r>
+              <a:rPr lang="fr-FR" dirty="0" err="1"/>
+              <a:t>OCaml</a:t>
             </a:r>
             <a:r>
               <a:rPr lang="fr-FR" dirty="0"/>
-              <a:t> avec les variances pour obtenir Γ. On cherche aussi le type de </a:t>
-            </a:r>
-            <a:r>
-              <a:rPr lang="el-GR" dirty="0">
-                <a:latin typeface="Times New Roman" panose="02020603050405020304" pitchFamily="18" charset="0"/>
-                <a:cs typeface="Times New Roman" panose="02020603050405020304" pitchFamily="18" charset="0"/>
-              </a:rPr>
-              <a:t>Φ</a:t>
-            </a:r>
-            <a:r>
-              <a:rPr lang="fr-FR" dirty="0">
-                <a:latin typeface="Times New Roman" panose="02020603050405020304" pitchFamily="18" charset="0"/>
-                <a:cs typeface="Times New Roman" panose="02020603050405020304" pitchFamily="18" charset="0"/>
-              </a:rPr>
-              <a:t>.</a:t>
-            </a:r>
+              <a:t> (langage appris pour l’occasion). </a:t>
+            </a:r>
+          </a:p>
+          <a:p>
+            <a:pPr lvl="1"/>
+            <a:r>
+              <a:rPr lang="fr-FR" dirty="0"/>
+              <a:t>utilisation des listes associatives ;</a:t>
+            </a:r>
+          </a:p>
+          <a:p>
+            <a:pPr lvl="1"/>
+            <a:r>
+              <a:rPr lang="fr-FR" dirty="0"/>
+              <a:t>utilisation de la récurrence ;</a:t>
+            </a:r>
+          </a:p>
+          <a:p>
+            <a:pPr lvl="1"/>
+            <a:r>
+              <a:rPr lang="fr-FR" dirty="0"/>
+              <a:t>code structuré en plusieurs modules (variance, </a:t>
+            </a:r>
+            <a:r>
+              <a:rPr lang="fr-FR" dirty="0" err="1"/>
+              <a:t>variance_syntaxe</a:t>
+            </a:r>
+            <a:r>
+              <a:rPr lang="fr-FR" dirty="0"/>
+              <a:t>, mu-calcul, mu-</a:t>
+            </a:r>
+            <a:r>
+              <a:rPr lang="fr-FR" dirty="0" err="1"/>
+              <a:t>calcul_syntaxe</a:t>
+            </a:r>
+            <a:r>
+              <a:rPr lang="fr-FR" dirty="0"/>
+              <a:t>) ;</a:t>
+            </a:r>
+          </a:p>
+          <a:p>
+            <a:pPr lvl="1"/>
+            <a:r>
+              <a:rPr lang="fr-FR" dirty="0"/>
+              <a:t>détection et localisation des échecs de typage ;</a:t>
+            </a:r>
+          </a:p>
+          <a:p>
+            <a:pPr lvl="1"/>
+            <a:r>
+              <a:rPr lang="fr-FR" dirty="0"/>
+              <a:t>résultats de tous les tests obtenus immédiatement. </a:t>
+            </a:r>
+          </a:p>
+          <a:p>
+            <a:pPr lvl="1"/>
             <a:endParaRPr lang="fr-FR" dirty="0"/>
-          </a:p>
-          <a:p>
-            <a:endParaRPr lang="fr-FR" dirty="0"/>
-          </a:p>
-          <a:p>
-            <a:r>
-              <a:rPr lang="fr-FR" dirty="0"/>
-              <a:t>On définit une fonction récursive type(</a:t>
-            </a:r>
-            <a:r>
-              <a:rPr lang="el-GR" dirty="0">
-                <a:latin typeface="Times New Roman" panose="02020603050405020304" pitchFamily="18" charset="0"/>
-                <a:cs typeface="Times New Roman" panose="02020603050405020304" pitchFamily="18" charset="0"/>
-              </a:rPr>
-              <a:t>Φ</a:t>
-            </a:r>
-            <a:r>
-              <a:rPr lang="fr-FR" dirty="0">
-                <a:latin typeface="+mn-lt"/>
-                <a:cs typeface="Times New Roman" panose="02020603050405020304" pitchFamily="18" charset="0"/>
-              </a:rPr>
-              <a:t>, </a:t>
-            </a:r>
-            <a:r>
-              <a:rPr lang="el-GR" dirty="0"/>
-              <a:t>Δ</a:t>
-            </a:r>
-            <a:r>
-              <a:rPr lang="fr-FR" dirty="0"/>
-              <a:t>) = (Γ, </a:t>
-            </a:r>
-            <a:r>
-              <a:rPr lang="fr-FR" dirty="0">
-                <a:latin typeface="Times New Roman" panose="02020603050405020304" pitchFamily="18" charset="0"/>
-                <a:cs typeface="Times New Roman" panose="02020603050405020304" pitchFamily="18" charset="0"/>
-              </a:rPr>
-              <a:t>τ</a:t>
-            </a:r>
-            <a:r>
-              <a:rPr lang="fr-FR" dirty="0"/>
-              <a:t>) qui prend en entrée la formule et les couples (variable, type) et renvoi les triplets (variables, variance, type) ainsi que le type de la formule.</a:t>
-            </a:r>
-          </a:p>
-          <a:p>
-            <a:endParaRPr lang="fr-FR" dirty="0"/>
-          </a:p>
-          <a:p>
-            <a:r>
-              <a:rPr lang="fr-FR" dirty="0"/>
-              <a:t>On définit type(.) à l’aide de règles d’inférence. </a:t>
-            </a:r>
           </a:p>
         </p:txBody>
       </p:sp>
@@ -8108,7 +9953,7 @@
           <p:cNvPr id="4" name="Espace réservé du numéro de diapositive 3">
             <a:extLst>
               <a:ext uri="{FF2B5EF4-FFF2-40B4-BE49-F238E27FC236}">
-                <a16:creationId xmlns:a16="http://schemas.microsoft.com/office/drawing/2014/main" id="{41585CF6-B21F-44BC-8D53-C445704540AC}"/>
+                <a16:creationId xmlns:a16="http://schemas.microsoft.com/office/drawing/2014/main" id="{7246FDCF-09FC-41B9-A5D1-B03A4B5F25F2}"/>
               </a:ext>
             </a:extLst>
           </p:cNvPr>
@@ -8135,7 +9980,7 @@
     </p:spTree>
     <p:extLst>
       <p:ext uri="{BB962C8B-B14F-4D97-AF65-F5344CB8AC3E}">
-        <p14:creationId xmlns:p14="http://schemas.microsoft.com/office/powerpoint/2010/main" val="2416958918"/>
+        <p14:creationId xmlns:p14="http://schemas.microsoft.com/office/powerpoint/2010/main" val="1793687905"/>
       </p:ext>
     </p:extLst>
   </p:cSld>
@@ -8167,7 +10012,7 @@
           <p:cNvPr id="2" name="Titre 1">
             <a:extLst>
               <a:ext uri="{FF2B5EF4-FFF2-40B4-BE49-F238E27FC236}">
-                <a16:creationId xmlns:a16="http://schemas.microsoft.com/office/drawing/2014/main" id="{44370FB2-5086-4F34-B530-457626B74C4A}"/>
+                <a16:creationId xmlns:a16="http://schemas.microsoft.com/office/drawing/2014/main" id="{D0B0B75B-6105-4EAA-9351-CD2D6FD3152C}"/>
               </a:ext>
             </a:extLst>
           </p:cNvPr>
@@ -8180,7 +10025,7 @@
         </p:nvSpPr>
         <p:spPr>
           <a:xfrm>
-            <a:off x="633919" y="295729"/>
+            <a:off x="646111" y="228600"/>
             <a:ext cx="9404723" cy="1400530"/>
           </a:xfrm>
         </p:spPr>
@@ -8197,7 +10042,7 @@
             </a:br>
             <a:r>
               <a:rPr lang="fr-FR" dirty="0"/>
-              <a:t>- règles d’inférence de variances -</a:t>
+              <a:t>- résultats de l’implémentation -</a:t>
             </a:r>
           </a:p>
         </p:txBody>
@@ -8207,7 +10052,7 @@
           <p:cNvPr id="6" name="Espace réservé du contenu 5">
             <a:extLst>
               <a:ext uri="{FF2B5EF4-FFF2-40B4-BE49-F238E27FC236}">
-                <a16:creationId xmlns:a16="http://schemas.microsoft.com/office/drawing/2014/main" id="{1025376E-AF67-483E-850E-95C8E9ED5A87}"/>
+                <a16:creationId xmlns:a16="http://schemas.microsoft.com/office/drawing/2014/main" id="{775EBD3E-FB97-489E-A20A-60D0768FFD9B}"/>
               </a:ext>
             </a:extLst>
           </p:cNvPr>
@@ -8226,8 +10071,8 @@
         </p:blipFill>
         <p:spPr>
           <a:xfrm>
-            <a:off x="1753698" y="1853248"/>
-            <a:ext cx="7439069" cy="4663297"/>
+            <a:off x="3048654" y="2846800"/>
+            <a:ext cx="8947150" cy="3223286"/>
           </a:xfrm>
         </p:spPr>
       </p:pic>
@@ -8236,7 +10081,7 @@
           <p:cNvPr id="4" name="Espace réservé du numéro de diapositive 3">
             <a:extLst>
               <a:ext uri="{FF2B5EF4-FFF2-40B4-BE49-F238E27FC236}">
-                <a16:creationId xmlns:a16="http://schemas.microsoft.com/office/drawing/2014/main" id="{B2A1BAE4-1701-4655-A70F-8BF5ECA38EBC}"/>
+                <a16:creationId xmlns:a16="http://schemas.microsoft.com/office/drawing/2014/main" id="{7460AFE4-44A3-4F55-8A32-29493C69E91D}"/>
               </a:ext>
             </a:extLst>
           </p:cNvPr>
@@ -8260,10 +10105,324 @@
           </a:p>
         </p:txBody>
       </p:sp>
+      <p:pic>
+        <p:nvPicPr>
+          <p:cNvPr id="8" name="Image 7">
+            <a:extLst>
+              <a:ext uri="{FF2B5EF4-FFF2-40B4-BE49-F238E27FC236}">
+                <a16:creationId xmlns:a16="http://schemas.microsoft.com/office/drawing/2014/main" id="{07F264B4-9A51-4133-846F-863CFF0B571F}"/>
+              </a:ext>
+            </a:extLst>
+          </p:cNvPr>
+          <p:cNvPicPr>
+            <a:picLocks noChangeAspect="1"/>
+          </p:cNvPicPr>
+          <p:nvPr/>
+        </p:nvPicPr>
+        <p:blipFill>
+          <a:blip r:embed="rId3"/>
+          <a:stretch>
+            <a:fillRect/>
+          </a:stretch>
+        </p:blipFill>
+        <p:spPr>
+          <a:xfrm>
+            <a:off x="3062624" y="2238029"/>
+            <a:ext cx="8912647" cy="526424"/>
+          </a:xfrm>
+          <a:prstGeom prst="rect">
+            <a:avLst/>
+          </a:prstGeom>
+        </p:spPr>
+      </p:pic>
+      <p:sp>
+        <p:nvSpPr>
+          <p:cNvPr id="9" name="Espace réservé du contenu 2">
+            <a:extLst>
+              <a:ext uri="{FF2B5EF4-FFF2-40B4-BE49-F238E27FC236}">
+                <a16:creationId xmlns:a16="http://schemas.microsoft.com/office/drawing/2014/main" id="{F7D596C7-17CE-42E5-98A5-01B527B4F8CF}"/>
+              </a:ext>
+            </a:extLst>
+          </p:cNvPr>
+          <p:cNvSpPr txBox="1">
+            <a:spLocks/>
+          </p:cNvSpPr>
+          <p:nvPr/>
+        </p:nvSpPr>
+        <p:spPr>
+          <a:xfrm>
+            <a:off x="-263936" y="2590909"/>
+            <a:ext cx="3326560" cy="3594738"/>
+          </a:xfrm>
+          <a:prstGeom prst="rect">
+            <a:avLst/>
+          </a:prstGeom>
+        </p:spPr>
+        <p:txBody>
+          <a:bodyPr vert="horz" lIns="91440" tIns="45720" rIns="91440" bIns="45720" rtlCol="0">
+            <a:normAutofit/>
+          </a:bodyPr>
+          <a:lstStyle>
+            <a:lvl1pPr marL="342900" indent="-342900" algn="l" defTabSz="457200" rtl="0" eaLnBrk="1" latinLnBrk="0" hangingPunct="1">
+              <a:spcBef>
+                <a:spcPts val="1000"/>
+              </a:spcBef>
+              <a:spcAft>
+                <a:spcPts val="0"/>
+              </a:spcAft>
+              <a:buClr>
+                <a:schemeClr val="bg2">
+                  <a:lumMod val="40000"/>
+                  <a:lumOff val="60000"/>
+                </a:schemeClr>
+              </a:buClr>
+              <a:buSzPct val="80000"/>
+              <a:buFont typeface="Wingdings 3" charset="2"/>
+              <a:buChar char=""/>
+              <a:defRPr sz="2000" b="0" i="0" kern="1200">
+                <a:solidFill>
+                  <a:schemeClr val="tx1"/>
+                </a:solidFill>
+                <a:latin typeface="+mj-lt"/>
+                <a:ea typeface="+mj-ea"/>
+                <a:cs typeface="+mj-cs"/>
+              </a:defRPr>
+            </a:lvl1pPr>
+            <a:lvl2pPr marL="742950" indent="-285750" algn="l" defTabSz="457200" rtl="0" eaLnBrk="1" latinLnBrk="0" hangingPunct="1">
+              <a:spcBef>
+                <a:spcPts val="1000"/>
+              </a:spcBef>
+              <a:spcAft>
+                <a:spcPts val="0"/>
+              </a:spcAft>
+              <a:buClr>
+                <a:schemeClr val="bg2">
+                  <a:lumMod val="40000"/>
+                  <a:lumOff val="60000"/>
+                </a:schemeClr>
+              </a:buClr>
+              <a:buSzPct val="80000"/>
+              <a:buFont typeface="Wingdings 3" charset="2"/>
+              <a:buChar char=""/>
+              <a:defRPr sz="1800" b="0" i="0" kern="1200">
+                <a:solidFill>
+                  <a:schemeClr val="tx1"/>
+                </a:solidFill>
+                <a:latin typeface="+mj-lt"/>
+                <a:ea typeface="+mj-ea"/>
+                <a:cs typeface="+mj-cs"/>
+              </a:defRPr>
+            </a:lvl2pPr>
+            <a:lvl3pPr marL="1143000" indent="-228600" algn="l" defTabSz="457200" rtl="0" eaLnBrk="1" latinLnBrk="0" hangingPunct="1">
+              <a:spcBef>
+                <a:spcPts val="1000"/>
+              </a:spcBef>
+              <a:spcAft>
+                <a:spcPts val="0"/>
+              </a:spcAft>
+              <a:buClr>
+                <a:schemeClr val="bg2">
+                  <a:lumMod val="40000"/>
+                  <a:lumOff val="60000"/>
+                </a:schemeClr>
+              </a:buClr>
+              <a:buSzPct val="80000"/>
+              <a:buFont typeface="Wingdings 3" charset="2"/>
+              <a:buChar char=""/>
+              <a:defRPr sz="1600" b="0" i="0" kern="1200">
+                <a:solidFill>
+                  <a:schemeClr val="tx1"/>
+                </a:solidFill>
+                <a:latin typeface="+mj-lt"/>
+                <a:ea typeface="+mj-ea"/>
+                <a:cs typeface="+mj-cs"/>
+              </a:defRPr>
+            </a:lvl3pPr>
+            <a:lvl4pPr marL="1600200" indent="-228600" algn="l" defTabSz="457200" rtl="0" eaLnBrk="1" latinLnBrk="0" hangingPunct="1">
+              <a:spcBef>
+                <a:spcPts val="1000"/>
+              </a:spcBef>
+              <a:spcAft>
+                <a:spcPts val="0"/>
+              </a:spcAft>
+              <a:buClr>
+                <a:schemeClr val="bg2">
+                  <a:lumMod val="40000"/>
+                  <a:lumOff val="60000"/>
+                </a:schemeClr>
+              </a:buClr>
+              <a:buSzPct val="80000"/>
+              <a:buFont typeface="Wingdings 3" charset="2"/>
+              <a:buChar char=""/>
+              <a:defRPr sz="1400" b="0" i="0" kern="1200">
+                <a:solidFill>
+                  <a:schemeClr val="tx1"/>
+                </a:solidFill>
+                <a:latin typeface="+mj-lt"/>
+                <a:ea typeface="+mj-ea"/>
+                <a:cs typeface="+mj-cs"/>
+              </a:defRPr>
+            </a:lvl4pPr>
+            <a:lvl5pPr marL="2057400" indent="-228600" algn="l" defTabSz="457200" rtl="0" eaLnBrk="1" latinLnBrk="0" hangingPunct="1">
+              <a:spcBef>
+                <a:spcPts val="1000"/>
+              </a:spcBef>
+              <a:spcAft>
+                <a:spcPts val="0"/>
+              </a:spcAft>
+              <a:buClr>
+                <a:schemeClr val="bg2">
+                  <a:lumMod val="40000"/>
+                  <a:lumOff val="60000"/>
+                </a:schemeClr>
+              </a:buClr>
+              <a:buSzPct val="80000"/>
+              <a:buFont typeface="Wingdings 3" charset="2"/>
+              <a:buChar char=""/>
+              <a:defRPr sz="1400" b="0" i="0" kern="1200">
+                <a:solidFill>
+                  <a:schemeClr val="tx1"/>
+                </a:solidFill>
+                <a:latin typeface="+mj-lt"/>
+                <a:ea typeface="+mj-ea"/>
+                <a:cs typeface="+mj-cs"/>
+              </a:defRPr>
+            </a:lvl5pPr>
+            <a:lvl6pPr marL="2506000" indent="-228600" algn="l" defTabSz="457200" rtl="0" eaLnBrk="1" latinLnBrk="0" hangingPunct="1">
+              <a:spcBef>
+                <a:spcPts val="1000"/>
+              </a:spcBef>
+              <a:spcAft>
+                <a:spcPts val="0"/>
+              </a:spcAft>
+              <a:buClr>
+                <a:schemeClr val="bg2">
+                  <a:lumMod val="40000"/>
+                  <a:lumOff val="60000"/>
+                </a:schemeClr>
+              </a:buClr>
+              <a:buSzPct val="80000"/>
+              <a:buFont typeface="Wingdings 3" charset="2"/>
+              <a:buChar char=""/>
+              <a:defRPr sz="1400" b="0" i="0" kern="1200">
+                <a:solidFill>
+                  <a:schemeClr val="tx1"/>
+                </a:solidFill>
+                <a:latin typeface="+mj-lt"/>
+                <a:ea typeface="+mj-ea"/>
+                <a:cs typeface="+mj-cs"/>
+              </a:defRPr>
+            </a:lvl6pPr>
+            <a:lvl7pPr marL="2971800" indent="-228600" algn="l" defTabSz="457200" rtl="0" eaLnBrk="1" latinLnBrk="0" hangingPunct="1">
+              <a:spcBef>
+                <a:spcPts val="1000"/>
+              </a:spcBef>
+              <a:spcAft>
+                <a:spcPts val="0"/>
+              </a:spcAft>
+              <a:buClr>
+                <a:schemeClr val="bg2">
+                  <a:lumMod val="40000"/>
+                  <a:lumOff val="60000"/>
+                </a:schemeClr>
+              </a:buClr>
+              <a:buSzPct val="80000"/>
+              <a:buFont typeface="Wingdings 3" charset="2"/>
+              <a:buChar char=""/>
+              <a:defRPr sz="1400" b="0" i="0" kern="1200">
+                <a:solidFill>
+                  <a:schemeClr val="tx1"/>
+                </a:solidFill>
+                <a:latin typeface="+mj-lt"/>
+                <a:ea typeface="+mj-ea"/>
+                <a:cs typeface="+mj-cs"/>
+              </a:defRPr>
+            </a:lvl7pPr>
+            <a:lvl8pPr marL="3429000" indent="-228600" algn="l" defTabSz="457200" rtl="0" eaLnBrk="1" latinLnBrk="0" hangingPunct="1">
+              <a:spcBef>
+                <a:spcPts val="1000"/>
+              </a:spcBef>
+              <a:spcAft>
+                <a:spcPts val="0"/>
+              </a:spcAft>
+              <a:buClr>
+                <a:schemeClr val="bg2">
+                  <a:lumMod val="40000"/>
+                  <a:lumOff val="60000"/>
+                </a:schemeClr>
+              </a:buClr>
+              <a:buSzPct val="80000"/>
+              <a:buFont typeface="Wingdings 3" charset="2"/>
+              <a:buChar char=""/>
+              <a:defRPr sz="1400" b="0" i="0" kern="1200">
+                <a:solidFill>
+                  <a:schemeClr val="tx1"/>
+                </a:solidFill>
+                <a:latin typeface="+mj-lt"/>
+                <a:ea typeface="+mj-ea"/>
+                <a:cs typeface="+mj-cs"/>
+              </a:defRPr>
+            </a:lvl8pPr>
+            <a:lvl9pPr marL="3886200" indent="-228600" algn="l" defTabSz="457200" rtl="0" eaLnBrk="1" latinLnBrk="0" hangingPunct="1">
+              <a:spcBef>
+                <a:spcPts val="1000"/>
+              </a:spcBef>
+              <a:spcAft>
+                <a:spcPts val="0"/>
+              </a:spcAft>
+              <a:buClr>
+                <a:schemeClr val="bg2">
+                  <a:lumMod val="40000"/>
+                  <a:lumOff val="60000"/>
+                </a:schemeClr>
+              </a:buClr>
+              <a:buSzPct val="80000"/>
+              <a:buFont typeface="Wingdings 3" charset="2"/>
+              <a:buChar char=""/>
+              <a:defRPr sz="1400" b="0" i="0" kern="1200">
+                <a:solidFill>
+                  <a:schemeClr val="tx1"/>
+                </a:solidFill>
+                <a:latin typeface="+mj-lt"/>
+                <a:ea typeface="+mj-ea"/>
+                <a:cs typeface="+mj-cs"/>
+              </a:defRPr>
+            </a:lvl9pPr>
+          </a:lstStyle>
+          <a:p>
+            <a:pPr lvl="1"/>
+            <a:r>
+              <a:rPr lang="fr-FR" dirty="0"/>
+              <a:t>Extrait des résultats des tests (28 formules testées) :</a:t>
+            </a:r>
+          </a:p>
+          <a:p>
+            <a:pPr lvl="2"/>
+            <a:r>
+              <a:rPr lang="fr-FR" dirty="0"/>
+              <a:t>cas de bases ;</a:t>
+            </a:r>
+          </a:p>
+          <a:p>
+            <a:pPr lvl="2"/>
+            <a:r>
+              <a:rPr lang="fr-FR" dirty="0"/>
+              <a:t>quelques formules plus compliquées.</a:t>
+            </a:r>
+          </a:p>
+          <a:p>
+            <a:pPr lvl="1"/>
+            <a:r>
+              <a:rPr lang="fr-FR" dirty="0"/>
+              <a:t>Tests de cas positifs et négatifs.</a:t>
+            </a:r>
+          </a:p>
+        </p:txBody>
+      </p:sp>
     </p:spTree>
     <p:extLst>
       <p:ext uri="{BB962C8B-B14F-4D97-AF65-F5344CB8AC3E}">
-        <p14:creationId xmlns:p14="http://schemas.microsoft.com/office/powerpoint/2010/main" val="1148125134"/>
+        <p14:creationId xmlns:p14="http://schemas.microsoft.com/office/powerpoint/2010/main" val="2324658143"/>
       </p:ext>
     </p:extLst>
   </p:cSld>
@@ -8295,7 +10454,7 @@
           <p:cNvPr id="2" name="Titre 1">
             <a:extLst>
               <a:ext uri="{FF2B5EF4-FFF2-40B4-BE49-F238E27FC236}">
-                <a16:creationId xmlns:a16="http://schemas.microsoft.com/office/drawing/2014/main" id="{08A9B401-23B5-45E4-81B6-A5859AE8F293}"/>
+                <a16:creationId xmlns:a16="http://schemas.microsoft.com/office/drawing/2014/main" id="{1D837738-7FF0-4A5A-8063-98D8B8FF279E}"/>
               </a:ext>
             </a:extLst>
           </p:cNvPr>
@@ -8308,7 +10467,7 @@
         </p:nvSpPr>
         <p:spPr>
           <a:xfrm>
-            <a:off x="645130" y="368882"/>
+            <a:off x="645130" y="489294"/>
             <a:ext cx="9404723" cy="1400530"/>
           </a:xfrm>
         </p:spPr>
@@ -8318,14 +10477,81 @@
           <a:p>
             <a:r>
               <a:rPr lang="fr-FR" dirty="0"/>
-              <a:t>Inférence de variances</a:t>
+              <a:t>Conclusion</a:t>
             </a:r>
             <a:br>
               <a:rPr lang="fr-FR" dirty="0"/>
             </a:br>
             <a:r>
               <a:rPr lang="fr-FR" dirty="0"/>
-              <a:t>- exemple 1-</a:t>
+              <a:t>- résumé -</a:t>
+            </a:r>
+          </a:p>
+        </p:txBody>
+      </p:sp>
+      <p:sp>
+        <p:nvSpPr>
+          <p:cNvPr id="3" name="Espace réservé du contenu 2">
+            <a:extLst>
+              <a:ext uri="{FF2B5EF4-FFF2-40B4-BE49-F238E27FC236}">
+                <a16:creationId xmlns:a16="http://schemas.microsoft.com/office/drawing/2014/main" id="{87FA356F-4DD8-44BA-AF46-3DBE58442694}"/>
+              </a:ext>
+            </a:extLst>
+          </p:cNvPr>
+          <p:cNvSpPr>
+            <a:spLocks noGrp="1"/>
+          </p:cNvSpPr>
+          <p:nvPr>
+            <p:ph idx="1"/>
+          </p:nvPr>
+        </p:nvSpPr>
+        <p:spPr>
+          <a:xfrm>
+            <a:off x="963168" y="2206753"/>
+            <a:ext cx="9220797" cy="4651247"/>
+          </a:xfrm>
+        </p:spPr>
+        <p:txBody>
+          <a:bodyPr/>
+          <a:lstStyle/>
+          <a:p>
+            <a:r>
+              <a:rPr lang="fr-FR" dirty="0"/>
+              <a:t>TER basé un article de Lange, Lozes et Guzmán de 2014, « Model-checking process </a:t>
+            </a:r>
+            <a:r>
+              <a:rPr lang="fr-FR" dirty="0" err="1"/>
+              <a:t>equivalences</a:t>
+            </a:r>
+            <a:r>
+              <a:rPr lang="fr-FR" dirty="0"/>
+              <a:t> ».</a:t>
+            </a:r>
+          </a:p>
+          <a:p>
+            <a:r>
+              <a:rPr lang="fr-FR" dirty="0"/>
+              <a:t>But : résoudre un sous problème de l’inférence de types, l’inférence de variances.</a:t>
+            </a:r>
+          </a:p>
+          <a:p>
+            <a:r>
+              <a:rPr lang="fr-FR" dirty="0"/>
+              <a:t>Solution : une fonction récursive, type(.) définie par des règles d’inférence.</a:t>
+            </a:r>
+          </a:p>
+          <a:p>
+            <a:r>
+              <a:rPr lang="fr-FR" dirty="0"/>
+              <a:t>Inconvénient de la solution : la présence d’indications de variances dans les types des variables présentes dans </a:t>
+            </a:r>
+            <a:r>
+              <a:rPr lang="el-GR" dirty="0"/>
+              <a:t>Δ</a:t>
+            </a:r>
+            <a:r>
+              <a:rPr lang="fr-FR" dirty="0"/>
+              <a:t>.</a:t>
             </a:r>
           </a:p>
         </p:txBody>
@@ -8335,7 +10561,7 @@
           <p:cNvPr id="4" name="Espace réservé du numéro de diapositive 3">
             <a:extLst>
               <a:ext uri="{FF2B5EF4-FFF2-40B4-BE49-F238E27FC236}">
-                <a16:creationId xmlns:a16="http://schemas.microsoft.com/office/drawing/2014/main" id="{7BAD29CF-DEC7-49BC-B9C8-91E1BAB63254}"/>
+                <a16:creationId xmlns:a16="http://schemas.microsoft.com/office/drawing/2014/main" id="{5EA9BCE2-F553-4988-8DBA-0DC15BFDE905}"/>
               </a:ext>
             </a:extLst>
           </p:cNvPr>
@@ -8359,39 +10585,10 @@
           </a:p>
         </p:txBody>
       </p:sp>
-      <p:pic>
-        <p:nvPicPr>
-          <p:cNvPr id="10" name="Espace réservé du contenu 9">
-            <a:extLst>
-              <a:ext uri="{FF2B5EF4-FFF2-40B4-BE49-F238E27FC236}">
-                <a16:creationId xmlns:a16="http://schemas.microsoft.com/office/drawing/2014/main" id="{3526D460-B77B-49F7-8381-DD067671AF78}"/>
-              </a:ext>
-            </a:extLst>
-          </p:cNvPr>
-          <p:cNvPicPr>
-            <a:picLocks noGrp="1" noChangeAspect="1"/>
-          </p:cNvPicPr>
-          <p:nvPr>
-            <p:ph idx="1"/>
-          </p:nvPr>
-        </p:nvPicPr>
-        <p:blipFill>
-          <a:blip r:embed="rId2"/>
-          <a:stretch>
-            <a:fillRect/>
-          </a:stretch>
-        </p:blipFill>
-        <p:spPr>
-          <a:xfrm>
-            <a:off x="158251" y="2644404"/>
-            <a:ext cx="11875497" cy="2321664"/>
-          </a:xfrm>
-        </p:spPr>
-      </p:pic>
     </p:spTree>
     <p:extLst>
       <p:ext uri="{BB962C8B-B14F-4D97-AF65-F5344CB8AC3E}">
-        <p14:creationId xmlns:p14="http://schemas.microsoft.com/office/powerpoint/2010/main" val="3605462769"/>
+        <p14:creationId xmlns:p14="http://schemas.microsoft.com/office/powerpoint/2010/main" val="1564262349"/>
       </p:ext>
     </p:extLst>
   </p:cSld>
@@ -8423,7 +10620,7 @@
           <p:cNvPr id="2" name="Titre 1">
             <a:extLst>
               <a:ext uri="{FF2B5EF4-FFF2-40B4-BE49-F238E27FC236}">
-                <a16:creationId xmlns:a16="http://schemas.microsoft.com/office/drawing/2014/main" id="{B79EBDE2-5138-4695-8A26-85E0C0059454}"/>
+                <a16:creationId xmlns:a16="http://schemas.microsoft.com/office/drawing/2014/main" id="{86A20F0F-B993-43B3-914E-D07FBEE7F095}"/>
               </a:ext>
             </a:extLst>
           </p:cNvPr>
@@ -8441,15 +10638,88 @@
           <a:p>
             <a:r>
               <a:rPr lang="fr-FR" dirty="0"/>
-              <a:t>Inférence de variances</a:t>
+              <a:t>Conclusion</a:t>
             </a:r>
             <a:br>
               <a:rPr lang="fr-FR" dirty="0"/>
             </a:br>
             <a:r>
               <a:rPr lang="fr-FR" dirty="0"/>
-              <a:t>- exemple 2-</a:t>
-            </a:r>
+              <a:t>- améliorations possibles -</a:t>
+            </a:r>
+          </a:p>
+        </p:txBody>
+      </p:sp>
+      <p:sp>
+        <p:nvSpPr>
+          <p:cNvPr id="3" name="Espace réservé du contenu 2">
+            <a:extLst>
+              <a:ext uri="{FF2B5EF4-FFF2-40B4-BE49-F238E27FC236}">
+                <a16:creationId xmlns:a16="http://schemas.microsoft.com/office/drawing/2014/main" id="{5641F254-55AB-43AA-B8BA-5AC8B4F73AC6}"/>
+              </a:ext>
+            </a:extLst>
+          </p:cNvPr>
+          <p:cNvSpPr>
+            <a:spLocks noGrp="1"/>
+          </p:cNvSpPr>
+          <p:nvPr>
+            <p:ph idx="1"/>
+          </p:nvPr>
+        </p:nvSpPr>
+        <p:spPr>
+          <a:xfrm>
+            <a:off x="1103312" y="2577174"/>
+            <a:ext cx="10087427" cy="4509353"/>
+          </a:xfrm>
+        </p:spPr>
+        <p:txBody>
+          <a:bodyPr/>
+          <a:lstStyle/>
+          <a:p>
+            <a:r>
+              <a:rPr lang="fr-FR" dirty="0"/>
+              <a:t>Améliorations possibles de la solution proposée: </a:t>
+            </a:r>
+          </a:p>
+          <a:p>
+            <a:pPr lvl="1"/>
+            <a:r>
+              <a:rPr lang="fr-FR" dirty="0"/>
+              <a:t>supprimer ces d’indications de variances ;</a:t>
+            </a:r>
+          </a:p>
+          <a:p>
+            <a:pPr lvl="1"/>
+            <a:r>
+              <a:rPr lang="fr-FR" dirty="0"/>
+              <a:t>supprimer </a:t>
+            </a:r>
+            <a:r>
+              <a:rPr lang="el-GR" dirty="0"/>
+              <a:t>Δ</a:t>
+            </a:r>
+            <a:r>
+              <a:rPr lang="fr-FR" dirty="0"/>
+              <a:t> et résoudre le problème d’inférence de types ;</a:t>
+            </a:r>
+          </a:p>
+          <a:p>
+            <a:pPr lvl="1"/>
+            <a:r>
+              <a:rPr lang="fr-FR" dirty="0"/>
+              <a:t>rajouter l’aspect polyadique (permet la manipulations de </a:t>
+            </a:r>
+            <a:r>
+              <a:rPr lang="fr-FR" dirty="0" err="1"/>
+              <a:t>tupples</a:t>
+            </a:r>
+            <a:r>
+              <a:rPr lang="fr-FR" dirty="0"/>
+              <a:t> d’états).</a:t>
+            </a:r>
+          </a:p>
+          <a:p>
+            <a:endParaRPr lang="fr-FR" dirty="0"/>
           </a:p>
         </p:txBody>
       </p:sp>
@@ -8458,7 +10728,7 @@
           <p:cNvPr id="4" name="Espace réservé du numéro de diapositive 3">
             <a:extLst>
               <a:ext uri="{FF2B5EF4-FFF2-40B4-BE49-F238E27FC236}">
-                <a16:creationId xmlns:a16="http://schemas.microsoft.com/office/drawing/2014/main" id="{1E49409F-F898-4C03-934E-95E2DFCAB1E7}"/>
+                <a16:creationId xmlns:a16="http://schemas.microsoft.com/office/drawing/2014/main" id="{53FDEC64-7905-4E7C-ACD8-6F7281E972E7}"/>
               </a:ext>
             </a:extLst>
           </p:cNvPr>
@@ -8482,39 +10752,10 @@
           </a:p>
         </p:txBody>
       </p:sp>
-      <p:pic>
-        <p:nvPicPr>
-          <p:cNvPr id="14" name="Espace réservé du contenu 13">
-            <a:extLst>
-              <a:ext uri="{FF2B5EF4-FFF2-40B4-BE49-F238E27FC236}">
-                <a16:creationId xmlns:a16="http://schemas.microsoft.com/office/drawing/2014/main" id="{AEE4B8B6-00C3-4143-A0F2-4557AEDAA51B}"/>
-              </a:ext>
-            </a:extLst>
-          </p:cNvPr>
-          <p:cNvPicPr>
-            <a:picLocks noGrp="1" noChangeAspect="1"/>
-          </p:cNvPicPr>
-          <p:nvPr>
-            <p:ph idx="1"/>
-          </p:nvPr>
-        </p:nvPicPr>
-        <p:blipFill>
-          <a:blip r:embed="rId2"/>
-          <a:stretch>
-            <a:fillRect/>
-          </a:stretch>
-        </p:blipFill>
-        <p:spPr>
-          <a:xfrm>
-            <a:off x="989828" y="1853247"/>
-            <a:ext cx="9578525" cy="4797075"/>
-          </a:xfrm>
-        </p:spPr>
-      </p:pic>
     </p:spTree>
     <p:extLst>
       <p:ext uri="{BB962C8B-B14F-4D97-AF65-F5344CB8AC3E}">
-        <p14:creationId xmlns:p14="http://schemas.microsoft.com/office/powerpoint/2010/main" val="2973897123"/>
+        <p14:creationId xmlns:p14="http://schemas.microsoft.com/office/powerpoint/2010/main" val="1923158066"/>
       </p:ext>
     </p:extLst>
   </p:cSld>
@@ -8546,7 +10787,7 @@
           <p:cNvPr id="2" name="Titre 1">
             <a:extLst>
               <a:ext uri="{FF2B5EF4-FFF2-40B4-BE49-F238E27FC236}">
-                <a16:creationId xmlns:a16="http://schemas.microsoft.com/office/drawing/2014/main" id="{B5652BF8-E9BF-46A3-AA09-92E297E381D9}"/>
+                <a16:creationId xmlns:a16="http://schemas.microsoft.com/office/drawing/2014/main" id="{2935976C-FB0D-4055-8FD1-EFE887B841A7}"/>
               </a:ext>
             </a:extLst>
           </p:cNvPr>
@@ -8557,32 +10798,29 @@
             <p:ph type="title"/>
           </p:nvPr>
         </p:nvSpPr>
-        <p:spPr/>
+        <p:spPr>
+          <a:xfrm>
+            <a:off x="2221756" y="2010087"/>
+            <a:ext cx="8825657" cy="1915647"/>
+          </a:xfrm>
+        </p:spPr>
         <p:txBody>
           <a:bodyPr/>
           <a:lstStyle/>
           <a:p>
             <a:r>
-              <a:rPr lang="fr-FR" dirty="0"/>
-              <a:t>Bref historique du </a:t>
-            </a:r>
-            <a:r>
-              <a:rPr lang="el-GR" dirty="0"/>
-              <a:t>μ</a:t>
-            </a:r>
-            <a:r>
-              <a:rPr lang="fr-FR" dirty="0"/>
-              <a:t>-calcul</a:t>
-            </a:r>
-          </a:p>
-        </p:txBody>
-      </p:sp>
-      <p:sp>
-        <p:nvSpPr>
-          <p:cNvPr id="3" name="Espace réservé du contenu 2">
+              <a:rPr lang="fr-FR" sz="9600" dirty="0"/>
+              <a:t>CONTEXTE</a:t>
+            </a:r>
+          </a:p>
+        </p:txBody>
+      </p:sp>
+      <p:sp>
+        <p:nvSpPr>
+          <p:cNvPr id="3" name="Espace réservé du texte 2">
             <a:extLst>
               <a:ext uri="{FF2B5EF4-FFF2-40B4-BE49-F238E27FC236}">
-                <a16:creationId xmlns:a16="http://schemas.microsoft.com/office/drawing/2014/main" id="{15C53EEF-839C-412B-8640-74A3E5CAB6AF}"/>
+                <a16:creationId xmlns:a16="http://schemas.microsoft.com/office/drawing/2014/main" id="{EDFFA103-D93E-4AE9-ABF6-3FE5D82003D1}"/>
               </a:ext>
             </a:extLst>
           </p:cNvPr>
@@ -8590,99 +10828,15 @@
             <a:spLocks noGrp="1"/>
           </p:cNvSpPr>
           <p:nvPr>
-            <p:ph idx="1"/>
-          </p:nvPr>
-        </p:nvSpPr>
-        <p:spPr>
-          <a:xfrm>
-            <a:off x="1104293" y="1853248"/>
-            <a:ext cx="8946541" cy="4195481"/>
-          </a:xfrm>
-        </p:spPr>
+            <p:ph type="body" idx="1"/>
+          </p:nvPr>
+        </p:nvSpPr>
+        <p:spPr/>
         <p:txBody>
           <a:bodyPr/>
           <a:lstStyle/>
           <a:p>
-            <a:r>
-              <a:rPr lang="fr-FR" dirty="0"/>
-              <a:t>Introduit par Scott et de Bakker en 1969</a:t>
-            </a:r>
-          </a:p>
-          <a:p>
-            <a:r>
-              <a:rPr lang="fr-FR" dirty="0"/>
-              <a:t>Etendu par </a:t>
-            </a:r>
-            <a:r>
-              <a:rPr lang="fr-FR" dirty="0" err="1"/>
-              <a:t>Kozen</a:t>
-            </a:r>
-            <a:r>
-              <a:rPr lang="fr-FR" dirty="0"/>
-              <a:t> en 1983 (forme actuelle)</a:t>
-            </a:r>
-          </a:p>
-          <a:p>
-            <a:endParaRPr lang="fr-FR" dirty="0"/>
-          </a:p>
-          <a:p>
-            <a:r>
-              <a:rPr lang="fr-FR" dirty="0"/>
-              <a:t>Plusieurs extensions :</a:t>
-            </a:r>
-          </a:p>
-          <a:p>
-            <a:pPr lvl="1"/>
-            <a:r>
-              <a:rPr lang="fr-FR" dirty="0"/>
-              <a:t>polyadique (f(a</a:t>
-            </a:r>
-            <a:r>
-              <a:rPr lang="fr-FR" baseline="-25000" dirty="0"/>
-              <a:t>1</a:t>
-            </a:r>
-            <a:r>
-              <a:rPr lang="fr-FR" dirty="0"/>
-              <a:t>, …, a</a:t>
-            </a:r>
-            <a:r>
-              <a:rPr lang="fr-FR" baseline="-25000" dirty="0"/>
-              <a:t>n</a:t>
-            </a:r>
-            <a:r>
-              <a:rPr lang="fr-FR" dirty="0"/>
-              <a:t>)) par Andersen en 1994 </a:t>
-            </a:r>
-          </a:p>
-          <a:p>
-            <a:pPr lvl="1"/>
-            <a:r>
-              <a:rPr lang="fr-FR" dirty="0"/>
-              <a:t>ordre supérieur (f(f’(f’’(a))) par </a:t>
-            </a:r>
-            <a:r>
-              <a:rPr lang="fr-FR" dirty="0" err="1"/>
-              <a:t>Viswanathan</a:t>
-            </a:r>
-            <a:r>
-              <a:rPr lang="fr-FR" dirty="0"/>
-              <a:t> et </a:t>
-            </a:r>
-            <a:r>
-              <a:rPr lang="fr-FR" dirty="0" err="1"/>
-              <a:t>Viswanathan</a:t>
-            </a:r>
-            <a:r>
-              <a:rPr lang="fr-FR" dirty="0"/>
-              <a:t> en 2004</a:t>
-            </a:r>
-          </a:p>
-          <a:p>
-            <a:pPr lvl="1"/>
-            <a:r>
-              <a:rPr lang="fr-FR" dirty="0"/>
-              <a:t>polyadique + ordre supérieur (f(f’(f’’(a1, …, an))) par Lange, Lozes et Guzmán en 2014</a:t>
-            </a:r>
+            <a:endParaRPr lang="fr-FR"/>
           </a:p>
         </p:txBody>
       </p:sp>
@@ -8691,7 +10845,7 @@
           <p:cNvPr id="4" name="Espace réservé du numéro de diapositive 3">
             <a:extLst>
               <a:ext uri="{FF2B5EF4-FFF2-40B4-BE49-F238E27FC236}">
-                <a16:creationId xmlns:a16="http://schemas.microsoft.com/office/drawing/2014/main" id="{D0E87A6B-31A0-4B15-BB36-45DE3C4C5FAA}"/>
+                <a16:creationId xmlns:a16="http://schemas.microsoft.com/office/drawing/2014/main" id="{B28C6D48-849D-49D7-B6F3-3AB37691D3A2}"/>
               </a:ext>
             </a:extLst>
           </p:cNvPr>
@@ -8718,587 +10872,7 @@
     </p:spTree>
     <p:extLst>
       <p:ext uri="{BB962C8B-B14F-4D97-AF65-F5344CB8AC3E}">
-        <p14:creationId xmlns:p14="http://schemas.microsoft.com/office/powerpoint/2010/main" val="759222870"/>
-      </p:ext>
-    </p:extLst>
-  </p:cSld>
-  <p:clrMapOvr>
-    <a:masterClrMapping/>
-  </p:clrMapOvr>
-</p:sld>
-</file>
-
-<file path=ppt/slides/slide20.xml><?xml version="1.0" encoding="utf-8"?>
-<p:sld xmlns:a="http://schemas.openxmlformats.org/drawingml/2006/main" xmlns:r="http://schemas.openxmlformats.org/officeDocument/2006/relationships" xmlns:p="http://schemas.openxmlformats.org/presentationml/2006/main">
-  <p:cSld>
-    <p:spTree>
-      <p:nvGrpSpPr>
-        <p:cNvPr id="1" name=""/>
-        <p:cNvGrpSpPr/>
-        <p:nvPr/>
-      </p:nvGrpSpPr>
-      <p:grpSpPr>
-        <a:xfrm>
-          <a:off x="0" y="0"/>
-          <a:ext cx="0" cy="0"/>
-          <a:chOff x="0" y="0"/>
-          <a:chExt cx="0" cy="0"/>
-        </a:xfrm>
-      </p:grpSpPr>
-      <p:sp>
-        <p:nvSpPr>
-          <p:cNvPr id="2" name="Titre 1">
-            <a:extLst>
-              <a:ext uri="{FF2B5EF4-FFF2-40B4-BE49-F238E27FC236}">
-                <a16:creationId xmlns:a16="http://schemas.microsoft.com/office/drawing/2014/main" id="{2703B65B-5A2E-4F30-87E1-8CE8A6AA12BD}"/>
-              </a:ext>
-            </a:extLst>
-          </p:cNvPr>
-          <p:cNvSpPr>
-            <a:spLocks noGrp="1"/>
-          </p:cNvSpPr>
-          <p:nvPr>
-            <p:ph type="title"/>
-          </p:nvPr>
-        </p:nvSpPr>
-        <p:spPr>
-          <a:xfrm>
-            <a:off x="645130" y="123534"/>
-            <a:ext cx="9404723" cy="1400530"/>
-          </a:xfrm>
-        </p:spPr>
-        <p:txBody>
-          <a:bodyPr/>
-          <a:lstStyle/>
-          <a:p>
-            <a:r>
-              <a:rPr lang="fr-FR" dirty="0"/>
-              <a:t>Plan</a:t>
-            </a:r>
-          </a:p>
-        </p:txBody>
-      </p:sp>
-      <p:sp>
-        <p:nvSpPr>
-          <p:cNvPr id="3" name="Espace réservé du contenu 2">
-            <a:extLst>
-              <a:ext uri="{FF2B5EF4-FFF2-40B4-BE49-F238E27FC236}">
-                <a16:creationId xmlns:a16="http://schemas.microsoft.com/office/drawing/2014/main" id="{3F6C9574-4E08-4365-BD93-AA505F6D4C62}"/>
-              </a:ext>
-            </a:extLst>
-          </p:cNvPr>
-          <p:cNvSpPr>
-            <a:spLocks noGrp="1"/>
-          </p:cNvSpPr>
-          <p:nvPr>
-            <p:ph idx="1"/>
-          </p:nvPr>
-        </p:nvSpPr>
-        <p:spPr>
-          <a:xfrm>
-            <a:off x="1103312" y="853440"/>
-            <a:ext cx="8946541" cy="6004560"/>
-          </a:xfrm>
-        </p:spPr>
-        <p:txBody>
-          <a:bodyPr>
-            <a:normAutofit fontScale="85000" lnSpcReduction="20000"/>
-          </a:bodyPr>
-          <a:lstStyle/>
-          <a:p>
-            <a:r>
-              <a:rPr lang="fr-FR" dirty="0"/>
-              <a:t>Le </a:t>
-            </a:r>
-            <a:r>
-              <a:rPr lang="el-GR" dirty="0"/>
-              <a:t>μ</a:t>
-            </a:r>
-            <a:r>
-              <a:rPr lang="fr-FR" dirty="0"/>
-              <a:t>-calcul d’ordre supérieur</a:t>
-            </a:r>
-          </a:p>
-          <a:p>
-            <a:pPr lvl="1"/>
-            <a:r>
-              <a:rPr lang="fr-FR" dirty="0"/>
-              <a:t>propriétés</a:t>
-            </a:r>
-          </a:p>
-          <a:p>
-            <a:pPr lvl="1"/>
-            <a:r>
-              <a:rPr lang="fr-FR" dirty="0"/>
-              <a:t>système de transitions labélisé</a:t>
-            </a:r>
-          </a:p>
-          <a:p>
-            <a:pPr lvl="1"/>
-            <a:r>
-              <a:rPr lang="fr-FR" dirty="0"/>
-              <a:t>syntaxe</a:t>
-            </a:r>
-          </a:p>
-          <a:p>
-            <a:pPr lvl="1"/>
-            <a:r>
-              <a:rPr lang="fr-FR" dirty="0"/>
-              <a:t>sens des opérateurs</a:t>
-            </a:r>
-          </a:p>
-          <a:p>
-            <a:r>
-              <a:rPr lang="fr-FR" dirty="0"/>
-              <a:t>Variances</a:t>
-            </a:r>
-          </a:p>
-          <a:p>
-            <a:pPr lvl="1"/>
-            <a:r>
-              <a:rPr lang="fr-FR" dirty="0"/>
-              <a:t>variance d’une fonction</a:t>
-            </a:r>
-          </a:p>
-          <a:p>
-            <a:pPr lvl="1"/>
-            <a:r>
-              <a:rPr lang="fr-FR" dirty="0"/>
-              <a:t>treillis des variances</a:t>
-            </a:r>
-          </a:p>
-          <a:p>
-            <a:pPr lvl="1"/>
-            <a:r>
-              <a:rPr lang="fr-FR" dirty="0"/>
-              <a:t>opérations</a:t>
-            </a:r>
-          </a:p>
-          <a:p>
-            <a:r>
-              <a:rPr lang="fr-FR" dirty="0"/>
-              <a:t>Inférence de variances</a:t>
-            </a:r>
-          </a:p>
-          <a:p>
-            <a:pPr lvl="1"/>
-            <a:r>
-              <a:rPr lang="fr-FR" dirty="0"/>
-              <a:t>notations</a:t>
-            </a:r>
-          </a:p>
-          <a:p>
-            <a:pPr lvl="1"/>
-            <a:r>
-              <a:rPr lang="fr-FR" dirty="0"/>
-              <a:t>solution proposée</a:t>
-            </a:r>
-          </a:p>
-          <a:p>
-            <a:pPr lvl="1"/>
-            <a:r>
-              <a:rPr lang="fr-FR" dirty="0"/>
-              <a:t>règles d’inférence de variances</a:t>
-            </a:r>
-          </a:p>
-          <a:p>
-            <a:pPr lvl="1"/>
-            <a:r>
-              <a:rPr lang="fr-FR" dirty="0"/>
-              <a:t>exemple 1</a:t>
-            </a:r>
-          </a:p>
-          <a:p>
-            <a:pPr lvl="1"/>
-            <a:r>
-              <a:rPr lang="fr-FR" dirty="0"/>
-              <a:t>exemple 2</a:t>
-            </a:r>
-          </a:p>
-          <a:p>
-            <a:r>
-              <a:rPr lang="fr-FR" dirty="0"/>
-              <a:t>Conclusion</a:t>
-            </a:r>
-          </a:p>
-          <a:p>
-            <a:pPr lvl="1"/>
-            <a:r>
-              <a:rPr lang="fr-FR" dirty="0"/>
-              <a:t>résumé</a:t>
-            </a:r>
-          </a:p>
-          <a:p>
-            <a:pPr lvl="1"/>
-            <a:r>
-              <a:rPr lang="fr-FR" dirty="0"/>
-              <a:t>améliorations possibles</a:t>
-            </a:r>
-          </a:p>
-        </p:txBody>
-      </p:sp>
-      <p:sp>
-        <p:nvSpPr>
-          <p:cNvPr id="4" name="Espace réservé du numéro de diapositive 3">
-            <a:extLst>
-              <a:ext uri="{FF2B5EF4-FFF2-40B4-BE49-F238E27FC236}">
-                <a16:creationId xmlns:a16="http://schemas.microsoft.com/office/drawing/2014/main" id="{9273ECC2-879F-4B45-9ABB-C4AD1FE330A6}"/>
-              </a:ext>
-            </a:extLst>
-          </p:cNvPr>
-          <p:cNvSpPr>
-            <a:spLocks noGrp="1"/>
-          </p:cNvSpPr>
-          <p:nvPr>
-            <p:ph type="sldNum" sz="quarter" idx="12"/>
-          </p:nvPr>
-        </p:nvSpPr>
-        <p:spPr/>
-        <p:txBody>
-          <a:bodyPr/>
-          <a:lstStyle/>
-          <a:p>
-            <a:fld id="{D3D5BDEF-692F-49E3-8524-28D088251AFF}" type="slidenum">
-              <a:rPr lang="fr-FR" smtClean="0"/>
-              <a:t>20</a:t>
-            </a:fld>
-            <a:endParaRPr lang="fr-FR"/>
-          </a:p>
-        </p:txBody>
-      </p:sp>
-    </p:spTree>
-    <p:extLst>
-      <p:ext uri="{BB962C8B-B14F-4D97-AF65-F5344CB8AC3E}">
-        <p14:creationId xmlns:p14="http://schemas.microsoft.com/office/powerpoint/2010/main" val="1151273577"/>
-      </p:ext>
-    </p:extLst>
-  </p:cSld>
-  <p:clrMapOvr>
-    <a:masterClrMapping/>
-  </p:clrMapOvr>
-</p:sld>
-</file>
-
-<file path=ppt/slides/slide21.xml><?xml version="1.0" encoding="utf-8"?>
-<p:sld xmlns:a="http://schemas.openxmlformats.org/drawingml/2006/main" xmlns:r="http://schemas.openxmlformats.org/officeDocument/2006/relationships" xmlns:p="http://schemas.openxmlformats.org/presentationml/2006/main">
-  <p:cSld>
-    <p:spTree>
-      <p:nvGrpSpPr>
-        <p:cNvPr id="1" name=""/>
-        <p:cNvGrpSpPr/>
-        <p:nvPr/>
-      </p:nvGrpSpPr>
-      <p:grpSpPr>
-        <a:xfrm>
-          <a:off x="0" y="0"/>
-          <a:ext cx="0" cy="0"/>
-          <a:chOff x="0" y="0"/>
-          <a:chExt cx="0" cy="0"/>
-        </a:xfrm>
-      </p:grpSpPr>
-      <p:sp>
-        <p:nvSpPr>
-          <p:cNvPr id="2" name="Titre 1">
-            <a:extLst>
-              <a:ext uri="{FF2B5EF4-FFF2-40B4-BE49-F238E27FC236}">
-                <a16:creationId xmlns:a16="http://schemas.microsoft.com/office/drawing/2014/main" id="{1D837738-7FF0-4A5A-8063-98D8B8FF279E}"/>
-              </a:ext>
-            </a:extLst>
-          </p:cNvPr>
-          <p:cNvSpPr>
-            <a:spLocks noGrp="1"/>
-          </p:cNvSpPr>
-          <p:nvPr>
-            <p:ph type="title"/>
-          </p:nvPr>
-        </p:nvSpPr>
-        <p:spPr>
-          <a:xfrm>
-            <a:off x="645130" y="489294"/>
-            <a:ext cx="9404723" cy="1400530"/>
-          </a:xfrm>
-        </p:spPr>
-        <p:txBody>
-          <a:bodyPr/>
-          <a:lstStyle/>
-          <a:p>
-            <a:r>
-              <a:rPr lang="fr-FR" dirty="0"/>
-              <a:t>Conclusion</a:t>
-            </a:r>
-            <a:br>
-              <a:rPr lang="fr-FR" dirty="0"/>
-            </a:br>
-            <a:r>
-              <a:rPr lang="fr-FR" dirty="0"/>
-              <a:t>- résumé -</a:t>
-            </a:r>
-          </a:p>
-        </p:txBody>
-      </p:sp>
-      <p:sp>
-        <p:nvSpPr>
-          <p:cNvPr id="3" name="Espace réservé du contenu 2">
-            <a:extLst>
-              <a:ext uri="{FF2B5EF4-FFF2-40B4-BE49-F238E27FC236}">
-                <a16:creationId xmlns:a16="http://schemas.microsoft.com/office/drawing/2014/main" id="{87FA356F-4DD8-44BA-AF46-3DBE58442694}"/>
-              </a:ext>
-            </a:extLst>
-          </p:cNvPr>
-          <p:cNvSpPr>
-            <a:spLocks noGrp="1"/>
-          </p:cNvSpPr>
-          <p:nvPr>
-            <p:ph idx="1"/>
-          </p:nvPr>
-        </p:nvSpPr>
-        <p:spPr>
-          <a:xfrm>
-            <a:off x="963168" y="2206753"/>
-            <a:ext cx="9220797" cy="4651247"/>
-          </a:xfrm>
-        </p:spPr>
-        <p:txBody>
-          <a:bodyPr/>
-          <a:lstStyle/>
-          <a:p>
-            <a:r>
-              <a:rPr lang="fr-FR" dirty="0"/>
-              <a:t>TER basé un article de Lange, Lozes et Guzmán de 2014, « Model-checking process </a:t>
-            </a:r>
-            <a:r>
-              <a:rPr lang="fr-FR" dirty="0" err="1"/>
-              <a:t>equivalences</a:t>
-            </a:r>
-            <a:r>
-              <a:rPr lang="fr-FR" dirty="0"/>
-              <a:t> »</a:t>
-            </a:r>
-          </a:p>
-          <a:p>
-            <a:r>
-              <a:rPr lang="fr-FR" dirty="0"/>
-              <a:t>But : résoudre un sous problème de l’inférence de types, l’inférence de variances</a:t>
-            </a:r>
-          </a:p>
-          <a:p>
-            <a:r>
-              <a:rPr lang="fr-FR" dirty="0"/>
-              <a:t>Solution : une fonction récursive, type(.) définie par des règles d’inférence</a:t>
-            </a:r>
-          </a:p>
-          <a:p>
-            <a:r>
-              <a:rPr lang="fr-FR" dirty="0"/>
-              <a:t>Inconvénient de la solution : la présence d’indications de variances dans les types des variables présentes dans </a:t>
-            </a:r>
-            <a:r>
-              <a:rPr lang="el-GR" dirty="0"/>
-              <a:t>Δ</a:t>
-            </a:r>
-            <a:endParaRPr lang="fr-FR" dirty="0"/>
-          </a:p>
-        </p:txBody>
-      </p:sp>
-      <p:sp>
-        <p:nvSpPr>
-          <p:cNvPr id="4" name="Espace réservé du numéro de diapositive 3">
-            <a:extLst>
-              <a:ext uri="{FF2B5EF4-FFF2-40B4-BE49-F238E27FC236}">
-                <a16:creationId xmlns:a16="http://schemas.microsoft.com/office/drawing/2014/main" id="{5EA9BCE2-F553-4988-8DBA-0DC15BFDE905}"/>
-              </a:ext>
-            </a:extLst>
-          </p:cNvPr>
-          <p:cNvSpPr>
-            <a:spLocks noGrp="1"/>
-          </p:cNvSpPr>
-          <p:nvPr>
-            <p:ph type="sldNum" sz="quarter" idx="12"/>
-          </p:nvPr>
-        </p:nvSpPr>
-        <p:spPr/>
-        <p:txBody>
-          <a:bodyPr/>
-          <a:lstStyle/>
-          <a:p>
-            <a:fld id="{D3D5BDEF-692F-49E3-8524-28D088251AFF}" type="slidenum">
-              <a:rPr lang="fr-FR" smtClean="0"/>
-              <a:t>21</a:t>
-            </a:fld>
-            <a:endParaRPr lang="fr-FR"/>
-          </a:p>
-        </p:txBody>
-      </p:sp>
-    </p:spTree>
-    <p:extLst>
-      <p:ext uri="{BB962C8B-B14F-4D97-AF65-F5344CB8AC3E}">
-        <p14:creationId xmlns:p14="http://schemas.microsoft.com/office/powerpoint/2010/main" val="1564262349"/>
-      </p:ext>
-    </p:extLst>
-  </p:cSld>
-  <p:clrMapOvr>
-    <a:masterClrMapping/>
-  </p:clrMapOvr>
-</p:sld>
-</file>
-
-<file path=ppt/slides/slide22.xml><?xml version="1.0" encoding="utf-8"?>
-<p:sld xmlns:a="http://schemas.openxmlformats.org/drawingml/2006/main" xmlns:r="http://schemas.openxmlformats.org/officeDocument/2006/relationships" xmlns:p="http://schemas.openxmlformats.org/presentationml/2006/main">
-  <p:cSld>
-    <p:spTree>
-      <p:nvGrpSpPr>
-        <p:cNvPr id="1" name=""/>
-        <p:cNvGrpSpPr/>
-        <p:nvPr/>
-      </p:nvGrpSpPr>
-      <p:grpSpPr>
-        <a:xfrm>
-          <a:off x="0" y="0"/>
-          <a:ext cx="0" cy="0"/>
-          <a:chOff x="0" y="0"/>
-          <a:chExt cx="0" cy="0"/>
-        </a:xfrm>
-      </p:grpSpPr>
-      <p:sp>
-        <p:nvSpPr>
-          <p:cNvPr id="2" name="Titre 1">
-            <a:extLst>
-              <a:ext uri="{FF2B5EF4-FFF2-40B4-BE49-F238E27FC236}">
-                <a16:creationId xmlns:a16="http://schemas.microsoft.com/office/drawing/2014/main" id="{86A20F0F-B993-43B3-914E-D07FBEE7F095}"/>
-              </a:ext>
-            </a:extLst>
-          </p:cNvPr>
-          <p:cNvSpPr>
-            <a:spLocks noGrp="1"/>
-          </p:cNvSpPr>
-          <p:nvPr>
-            <p:ph type="title"/>
-          </p:nvPr>
-        </p:nvSpPr>
-        <p:spPr/>
-        <p:txBody>
-          <a:bodyPr/>
-          <a:lstStyle/>
-          <a:p>
-            <a:r>
-              <a:rPr lang="fr-FR" dirty="0"/>
-              <a:t>Conclusion</a:t>
-            </a:r>
-            <a:br>
-              <a:rPr lang="fr-FR" dirty="0"/>
-            </a:br>
-            <a:r>
-              <a:rPr lang="fr-FR" dirty="0"/>
-              <a:t>- améliorations possibles -</a:t>
-            </a:r>
-          </a:p>
-        </p:txBody>
-      </p:sp>
-      <p:sp>
-        <p:nvSpPr>
-          <p:cNvPr id="3" name="Espace réservé du contenu 2">
-            <a:extLst>
-              <a:ext uri="{FF2B5EF4-FFF2-40B4-BE49-F238E27FC236}">
-                <a16:creationId xmlns:a16="http://schemas.microsoft.com/office/drawing/2014/main" id="{5641F254-55AB-43AA-B8BA-5AC8B4F73AC6}"/>
-              </a:ext>
-            </a:extLst>
-          </p:cNvPr>
-          <p:cNvSpPr>
-            <a:spLocks noGrp="1"/>
-          </p:cNvSpPr>
-          <p:nvPr>
-            <p:ph idx="1"/>
-          </p:nvPr>
-        </p:nvSpPr>
-        <p:spPr>
-          <a:xfrm>
-            <a:off x="1103312" y="2577174"/>
-            <a:ext cx="10087427" cy="4509353"/>
-          </a:xfrm>
-        </p:spPr>
-        <p:txBody>
-          <a:bodyPr/>
-          <a:lstStyle/>
-          <a:p>
-            <a:r>
-              <a:rPr lang="fr-FR" dirty="0"/>
-              <a:t>Améliorations possibles de la solution proposée: </a:t>
-            </a:r>
-          </a:p>
-          <a:p>
-            <a:pPr lvl="1"/>
-            <a:r>
-              <a:rPr lang="fr-FR" dirty="0"/>
-              <a:t>supprimer ces d’indications de variances</a:t>
-            </a:r>
-          </a:p>
-          <a:p>
-            <a:pPr lvl="1"/>
-            <a:r>
-              <a:rPr lang="fr-FR" dirty="0"/>
-              <a:t>supprimer </a:t>
-            </a:r>
-            <a:r>
-              <a:rPr lang="el-GR" dirty="0"/>
-              <a:t>Δ</a:t>
-            </a:r>
-            <a:r>
-              <a:rPr lang="fr-FR" dirty="0"/>
-              <a:t> et résoudre le problème d’inférence ce types</a:t>
-            </a:r>
-          </a:p>
-          <a:p>
-            <a:pPr lvl="1"/>
-            <a:r>
-              <a:rPr lang="fr-FR" dirty="0"/>
-              <a:t>rajouter l’aspect polyadique</a:t>
-            </a:r>
-          </a:p>
-          <a:p>
-            <a:pPr lvl="1"/>
-            <a:r>
-              <a:rPr lang="fr-FR" dirty="0"/>
-              <a:t>…</a:t>
-            </a:r>
-          </a:p>
-          <a:p>
-            <a:endParaRPr lang="fr-FR" dirty="0"/>
-          </a:p>
-        </p:txBody>
-      </p:sp>
-      <p:sp>
-        <p:nvSpPr>
-          <p:cNvPr id="4" name="Espace réservé du numéro de diapositive 3">
-            <a:extLst>
-              <a:ext uri="{FF2B5EF4-FFF2-40B4-BE49-F238E27FC236}">
-                <a16:creationId xmlns:a16="http://schemas.microsoft.com/office/drawing/2014/main" id="{53FDEC64-7905-4E7C-ACD8-6F7281E972E7}"/>
-              </a:ext>
-            </a:extLst>
-          </p:cNvPr>
-          <p:cNvSpPr>
-            <a:spLocks noGrp="1"/>
-          </p:cNvSpPr>
-          <p:nvPr>
-            <p:ph type="sldNum" sz="quarter" idx="12"/>
-          </p:nvPr>
-        </p:nvSpPr>
-        <p:spPr/>
-        <p:txBody>
-          <a:bodyPr/>
-          <a:lstStyle/>
-          <a:p>
-            <a:fld id="{D3D5BDEF-692F-49E3-8524-28D088251AFF}" type="slidenum">
-              <a:rPr lang="fr-FR" smtClean="0"/>
-              <a:t>22</a:t>
-            </a:fld>
-            <a:endParaRPr lang="fr-FR"/>
-          </a:p>
-        </p:txBody>
-      </p:sp>
-    </p:spTree>
-    <p:extLst>
-      <p:ext uri="{BB962C8B-B14F-4D97-AF65-F5344CB8AC3E}">
-        <p14:creationId xmlns:p14="http://schemas.microsoft.com/office/powerpoint/2010/main" val="1923158066"/>
+        <p14:creationId xmlns:p14="http://schemas.microsoft.com/office/powerpoint/2010/main" val="2057816419"/>
       </p:ext>
     </p:extLst>
   </p:cSld>
@@ -9330,7 +10904,7 @@
           <p:cNvPr id="2" name="Titre 1">
             <a:extLst>
               <a:ext uri="{FF2B5EF4-FFF2-40B4-BE49-F238E27FC236}">
-                <a16:creationId xmlns:a16="http://schemas.microsoft.com/office/drawing/2014/main" id="{860C1972-99D4-4A1C-8626-8F619D8FFEFD}"/>
+                <a16:creationId xmlns:a16="http://schemas.microsoft.com/office/drawing/2014/main" id="{B5652BF8-E9BF-46A3-AA09-92E297E381D9}"/>
               </a:ext>
             </a:extLst>
           </p:cNvPr>
@@ -9341,14 +10915,19 @@
             <p:ph type="title"/>
           </p:nvPr>
         </p:nvSpPr>
-        <p:spPr/>
+        <p:spPr>
+          <a:xfrm>
+            <a:off x="646111" y="452718"/>
+            <a:ext cx="9404723" cy="1065364"/>
+          </a:xfrm>
+        </p:spPr>
         <p:txBody>
           <a:bodyPr/>
           <a:lstStyle/>
           <a:p>
             <a:r>
               <a:rPr lang="fr-FR" dirty="0"/>
-              <a:t>Intérêt du </a:t>
+              <a:t>Le </a:t>
             </a:r>
             <a:r>
               <a:rPr lang="el-GR" dirty="0"/>
@@ -9356,7 +10935,7 @@
             </a:r>
             <a:r>
               <a:rPr lang="fr-FR" dirty="0"/>
-              <a:t>-calcul polyadique d’ordre supérieur </a:t>
+              <a:t>-calcul</a:t>
             </a:r>
           </a:p>
         </p:txBody>
@@ -9366,7 +10945,7 @@
           <p:cNvPr id="3" name="Espace réservé du contenu 2">
             <a:extLst>
               <a:ext uri="{FF2B5EF4-FFF2-40B4-BE49-F238E27FC236}">
-                <a16:creationId xmlns:a16="http://schemas.microsoft.com/office/drawing/2014/main" id="{776A09D7-F4F0-4DA6-B2BE-82D66D180F61}"/>
+                <a16:creationId xmlns:a16="http://schemas.microsoft.com/office/drawing/2014/main" id="{15C53EEF-839C-412B-8640-74A3E5CAB6AF}"/>
               </a:ext>
             </a:extLst>
           </p:cNvPr>
@@ -9377,14 +10956,33 @@
             <p:ph idx="1"/>
           </p:nvPr>
         </p:nvSpPr>
-        <p:spPr/>
+        <p:spPr>
+          <a:xfrm>
+            <a:off x="1202905" y="1942895"/>
+            <a:ext cx="8946541" cy="4195481"/>
+          </a:xfrm>
+        </p:spPr>
         <p:txBody>
           <a:bodyPr/>
           <a:lstStyle/>
           <a:p>
             <a:r>
               <a:rPr lang="fr-FR" dirty="0"/>
-              <a:t>Exprime une grande variété de formules (ex : automates)</a:t>
+              <a:t>Logique introduite par Scott et de Bakker en 1969.</a:t>
+            </a:r>
+          </a:p>
+          <a:p>
+            <a:r>
+              <a:rPr lang="fr-FR" dirty="0"/>
+              <a:t>Etendue par </a:t>
+            </a:r>
+            <a:r>
+              <a:rPr lang="fr-FR" dirty="0" err="1"/>
+              <a:t>Kozen</a:t>
+            </a:r>
+            <a:r>
+              <a:rPr lang="fr-FR" dirty="0"/>
+              <a:t> en 1983 (forme actuelle).</a:t>
             </a:r>
           </a:p>
           <a:p>
@@ -9393,46 +10991,17 @@
           <a:p>
             <a:r>
               <a:rPr lang="fr-FR" dirty="0"/>
-              <a:t>Opérateur de point fixe (</a:t>
-            </a:r>
-            <a:r>
-              <a:rPr lang="el-GR" dirty="0"/>
-              <a:t>μ</a:t>
-            </a:r>
+              <a:t>Sert à faire de la vérification de programmes.</a:t>
+            </a:r>
+          </a:p>
+          <a:p>
+            <a:endParaRPr lang="fr-FR" dirty="0"/>
+          </a:p>
+          <a:p>
             <a:r>
               <a:rPr lang="fr-FR" dirty="0"/>
-              <a:t>) -&gt; représente suite infinies d’états</a:t>
-            </a:r>
-          </a:p>
-          <a:p>
-            <a:endParaRPr lang="fr-FR" dirty="0"/>
-          </a:p>
-          <a:p>
-            <a:r>
-              <a:rPr lang="fr-FR" dirty="0"/>
-              <a:t>Exprime un grand nombre de relations d’équivalence entre des processus (utile en modèle-checking)</a:t>
-            </a:r>
-          </a:p>
-          <a:p>
-            <a:endParaRPr lang="fr-FR" dirty="0"/>
-          </a:p>
-          <a:p>
-            <a:r>
-              <a:rPr lang="fr-FR" dirty="0"/>
-              <a:t>Présence de variances</a:t>
-            </a:r>
-          </a:p>
-          <a:p>
-            <a:pPr marL="0" indent="0">
-              <a:buNone/>
-            </a:pPr>
-            <a:endParaRPr lang="fr-FR" dirty="0"/>
-          </a:p>
-          <a:p>
-            <a:endParaRPr lang="fr-FR" dirty="0"/>
-          </a:p>
-          <a:p>
-            <a:endParaRPr lang="fr-FR" dirty="0"/>
+              <a:t>Permet d’exprimer d’autres logiques temporelles comme LTL ou CTL.</a:t>
+            </a:r>
           </a:p>
         </p:txBody>
       </p:sp>
@@ -9441,7 +11010,7 @@
           <p:cNvPr id="4" name="Espace réservé du numéro de diapositive 3">
             <a:extLst>
               <a:ext uri="{FF2B5EF4-FFF2-40B4-BE49-F238E27FC236}">
-                <a16:creationId xmlns:a16="http://schemas.microsoft.com/office/drawing/2014/main" id="{14978F44-70E6-4F49-8DE5-504AF70E4F27}"/>
+                <a16:creationId xmlns:a16="http://schemas.microsoft.com/office/drawing/2014/main" id="{D0E87A6B-31A0-4B15-BB36-45DE3C4C5FAA}"/>
               </a:ext>
             </a:extLst>
           </p:cNvPr>
@@ -9468,7 +11037,7 @@
     </p:spTree>
     <p:extLst>
       <p:ext uri="{BB962C8B-B14F-4D97-AF65-F5344CB8AC3E}">
-        <p14:creationId xmlns:p14="http://schemas.microsoft.com/office/powerpoint/2010/main" val="3728107142"/>
+        <p14:creationId xmlns:p14="http://schemas.microsoft.com/office/powerpoint/2010/main" val="759222870"/>
       </p:ext>
     </p:extLst>
   </p:cSld>
@@ -9500,7 +11069,7 @@
           <p:cNvPr id="2" name="Titre 1">
             <a:extLst>
               <a:ext uri="{FF2B5EF4-FFF2-40B4-BE49-F238E27FC236}">
-                <a16:creationId xmlns:a16="http://schemas.microsoft.com/office/drawing/2014/main" id="{7764F375-FE7F-46A5-8CA7-6DD7F2383911}"/>
+                <a16:creationId xmlns:a16="http://schemas.microsoft.com/office/drawing/2014/main" id="{860C1972-99D4-4A1C-8626-8F619D8FFEFD}"/>
               </a:ext>
             </a:extLst>
           </p:cNvPr>
@@ -9511,15 +11080,25 @@
             <p:ph type="title"/>
           </p:nvPr>
         </p:nvSpPr>
-        <p:spPr/>
+        <p:spPr>
+          <a:xfrm>
+            <a:off x="646111" y="452718"/>
+            <a:ext cx="9706429" cy="900953"/>
+          </a:xfrm>
+        </p:spPr>
         <p:txBody>
           <a:bodyPr/>
           <a:lstStyle/>
           <a:p>
             <a:r>
               <a:rPr lang="fr-FR" dirty="0"/>
-              <a:t>Objectif du TER</a:t>
-            </a:r>
+              <a:t>Opérateur de point fixe </a:t>
+            </a:r>
+            <a:r>
+              <a:rPr lang="el-GR" dirty="0"/>
+              <a:t>μ</a:t>
+            </a:r>
+            <a:endParaRPr lang="fr-FR" dirty="0"/>
           </a:p>
         </p:txBody>
       </p:sp>
@@ -9528,7 +11107,7 @@
           <p:cNvPr id="3" name="Espace réservé du contenu 2">
             <a:extLst>
               <a:ext uri="{FF2B5EF4-FFF2-40B4-BE49-F238E27FC236}">
-                <a16:creationId xmlns:a16="http://schemas.microsoft.com/office/drawing/2014/main" id="{6565520A-6068-41AF-97B2-AD572F529825}"/>
+                <a16:creationId xmlns:a16="http://schemas.microsoft.com/office/drawing/2014/main" id="{776A09D7-F4F0-4DA6-B2BE-82D66D180F61}"/>
               </a:ext>
             </a:extLst>
           </p:cNvPr>
@@ -9541,8 +11120,8 @@
         </p:nvSpPr>
         <p:spPr>
           <a:xfrm>
-            <a:off x="1103312" y="1853248"/>
-            <a:ext cx="8946541" cy="4395152"/>
+            <a:off x="1215860" y="1510661"/>
+            <a:ext cx="8946541" cy="4894622"/>
           </a:xfrm>
         </p:spPr>
         <p:txBody>
@@ -9551,7 +11130,7 @@
           <a:p>
             <a:r>
               <a:rPr lang="fr-FR" dirty="0"/>
-              <a:t>On se concentre sur le </a:t>
+              <a:t>Le nom de </a:t>
             </a:r>
             <a:r>
               <a:rPr lang="el-GR" dirty="0"/>
@@ -9559,7 +11138,15 @@
             </a:r>
             <a:r>
               <a:rPr lang="fr-FR" dirty="0"/>
-              <a:t>-calcul d’ordre supérieur en mettant de côté l’aspect polyadique</a:t>
+              <a:t>-calcul vient de l’opérateur de point fixe </a:t>
+            </a:r>
+            <a:r>
+              <a:rPr lang="el-GR" dirty="0"/>
+              <a:t>μ</a:t>
+            </a:r>
+            <a:r>
+              <a:rPr lang="fr-FR" dirty="0"/>
+              <a:t>.</a:t>
             </a:r>
           </a:p>
           <a:p>
@@ -9568,7 +11155,7 @@
           <a:p>
             <a:r>
               <a:rPr lang="fr-FR" dirty="0"/>
-              <a:t>Une variable = un type et une variance</a:t>
+              <a:t>Point fixe de g : x tel que x = g(x)</a:t>
             </a:r>
           </a:p>
           <a:p>
@@ -9577,22 +11164,58 @@
           <a:p>
             <a:r>
               <a:rPr lang="fr-FR" dirty="0"/>
-              <a:t>Inférence de types = trouver le type et la variance des variables libres</a:t>
+              <a:t>Théorème de point fixe de </a:t>
+            </a:r>
+            <a:r>
+              <a:rPr lang="fr-FR" dirty="0" err="1"/>
+              <a:t>Knaster</a:t>
+            </a:r>
+            <a:r>
+              <a:rPr lang="fr-FR" dirty="0"/>
+              <a:t>-Tarski : « Soit f une fonction </a:t>
+            </a:r>
+            <a:r>
+              <a:rPr lang="fr-FR" b="1" dirty="0"/>
+              <a:t>croissante</a:t>
+            </a:r>
+            <a:r>
+              <a:rPr lang="fr-FR" dirty="0"/>
+              <a:t> d’un treillis complet dans un treillis complet, alors f a un plus petit point fixe »</a:t>
             </a:r>
           </a:p>
           <a:p>
             <a:pPr lvl="1"/>
             <a:r>
               <a:rPr lang="fr-FR" dirty="0"/>
-              <a:t>=&gt; Inférence de variances, on connaît le type, on cherche la variance des variables</a:t>
+              <a:t>Ne fonctionne qu’avec les fonctions </a:t>
+            </a:r>
+            <a:r>
+              <a:rPr lang="fr-FR" b="1" dirty="0"/>
+              <a:t>croissantes</a:t>
+            </a:r>
+            <a:r>
+              <a:rPr lang="fr-FR" dirty="0"/>
+              <a:t>, toutes les formules du </a:t>
+            </a:r>
+            <a:r>
+              <a:rPr lang="el-GR" dirty="0"/>
+              <a:t>μ</a:t>
+            </a:r>
+            <a:r>
+              <a:rPr lang="fr-FR" dirty="0"/>
+              <a:t>-calcul n’ont pas forcement de sens.</a:t>
+            </a:r>
+          </a:p>
+          <a:p>
+            <a:pPr lvl="2"/>
+            <a:r>
+              <a:rPr lang="fr-FR" dirty="0"/>
+              <a:t>Il faut trier ces formules.</a:t>
             </a:r>
           </a:p>
           <a:p>
             <a:pPr lvl="1"/>
-            <a:r>
-              <a:rPr lang="fr-FR" dirty="0"/>
-              <a:t>Dans les deux problèmes, on cherche aussi le type de la formule</a:t>
-            </a:r>
+            <a:endParaRPr lang="fr-FR" dirty="0"/>
           </a:p>
         </p:txBody>
       </p:sp>
@@ -9601,7 +11224,7 @@
           <p:cNvPr id="4" name="Espace réservé du numéro de diapositive 3">
             <a:extLst>
               <a:ext uri="{FF2B5EF4-FFF2-40B4-BE49-F238E27FC236}">
-                <a16:creationId xmlns:a16="http://schemas.microsoft.com/office/drawing/2014/main" id="{ECB77085-6D7C-453E-97D5-94E40C4E5450}"/>
+                <a16:creationId xmlns:a16="http://schemas.microsoft.com/office/drawing/2014/main" id="{14978F44-70E6-4F49-8DE5-504AF70E4F27}"/>
               </a:ext>
             </a:extLst>
           </p:cNvPr>
@@ -9628,7 +11251,7 @@
     </p:spTree>
     <p:extLst>
       <p:ext uri="{BB962C8B-B14F-4D97-AF65-F5344CB8AC3E}">
-        <p14:creationId xmlns:p14="http://schemas.microsoft.com/office/powerpoint/2010/main" val="4266394629"/>
+        <p14:creationId xmlns:p14="http://schemas.microsoft.com/office/powerpoint/2010/main" val="3728107142"/>
       </p:ext>
     </p:extLst>
   </p:cSld>
@@ -9660,7 +11283,7 @@
           <p:cNvPr id="2" name="Titre 1">
             <a:extLst>
               <a:ext uri="{FF2B5EF4-FFF2-40B4-BE49-F238E27FC236}">
-                <a16:creationId xmlns:a16="http://schemas.microsoft.com/office/drawing/2014/main" id="{2703B65B-5A2E-4F30-87E1-8CE8A6AA12BD}"/>
+                <a16:creationId xmlns:a16="http://schemas.microsoft.com/office/drawing/2014/main" id="{18C0C5C4-5916-4D02-B8FF-BA92D34E1B44}"/>
               </a:ext>
             </a:extLst>
           </p:cNvPr>
@@ -9671,188 +11294,181 @@
             <p:ph type="title"/>
           </p:nvPr>
         </p:nvSpPr>
-        <p:spPr>
-          <a:xfrm>
-            <a:off x="645130" y="123534"/>
-            <a:ext cx="9404723" cy="1400530"/>
-          </a:xfrm>
-        </p:spPr>
+        <p:spPr/>
         <p:txBody>
           <a:bodyPr/>
           <a:lstStyle/>
           <a:p>
             <a:r>
               <a:rPr lang="fr-FR" dirty="0"/>
-              <a:t>Plan</a:t>
-            </a:r>
-          </a:p>
-        </p:txBody>
-      </p:sp>
-      <p:sp>
-        <p:nvSpPr>
-          <p:cNvPr id="3" name="Espace réservé du contenu 2">
-            <a:extLst>
-              <a:ext uri="{FF2B5EF4-FFF2-40B4-BE49-F238E27FC236}">
-                <a16:creationId xmlns:a16="http://schemas.microsoft.com/office/drawing/2014/main" id="{3F6C9574-4E08-4365-BD93-AA505F6D4C62}"/>
-              </a:ext>
-            </a:extLst>
-          </p:cNvPr>
-          <p:cNvSpPr>
-            <a:spLocks noGrp="1"/>
-          </p:cNvSpPr>
-          <p:nvPr>
-            <p:ph idx="1"/>
-          </p:nvPr>
-        </p:nvSpPr>
-        <p:spPr>
-          <a:xfrm>
-            <a:off x="1103312" y="853440"/>
-            <a:ext cx="8946541" cy="6004560"/>
-          </a:xfrm>
-        </p:spPr>
-        <p:txBody>
-          <a:bodyPr>
-            <a:normAutofit fontScale="85000" lnSpcReduction="20000"/>
-          </a:bodyPr>
-          <a:lstStyle/>
-          <a:p>
-            <a:r>
-              <a:rPr lang="fr-FR" dirty="0"/>
-              <a:t>Le </a:t>
-            </a:r>
-            <a:r>
-              <a:rPr lang="el-GR" dirty="0"/>
-              <a:t>μ</a:t>
-            </a:r>
-            <a:r>
-              <a:rPr lang="fr-FR" dirty="0"/>
-              <a:t>-calcul d’ordre supérieur</a:t>
-            </a:r>
-          </a:p>
-          <a:p>
-            <a:pPr lvl="1"/>
-            <a:r>
-              <a:rPr lang="fr-FR" dirty="0"/>
-              <a:t>propriétés</a:t>
-            </a:r>
-          </a:p>
-          <a:p>
-            <a:pPr lvl="1"/>
-            <a:r>
-              <a:rPr lang="fr-FR" dirty="0"/>
-              <a:t>système de transitions labélisé</a:t>
-            </a:r>
-          </a:p>
-          <a:p>
-            <a:pPr lvl="1"/>
-            <a:r>
-              <a:rPr lang="fr-FR" dirty="0"/>
-              <a:t>syntaxe</a:t>
-            </a:r>
-          </a:p>
-          <a:p>
-            <a:pPr lvl="1"/>
-            <a:r>
-              <a:rPr lang="fr-FR" dirty="0"/>
-              <a:t>sens des opérateurs</a:t>
-            </a:r>
-          </a:p>
-          <a:p>
-            <a:r>
-              <a:rPr lang="fr-FR" dirty="0"/>
-              <a:t>Variances</a:t>
-            </a:r>
-          </a:p>
-          <a:p>
-            <a:pPr lvl="1"/>
-            <a:r>
-              <a:rPr lang="fr-FR" dirty="0"/>
-              <a:t>variance d’une fonction</a:t>
-            </a:r>
-          </a:p>
-          <a:p>
-            <a:pPr lvl="1"/>
-            <a:r>
-              <a:rPr lang="fr-FR" dirty="0"/>
-              <a:t>treillis des variances</a:t>
-            </a:r>
-          </a:p>
-          <a:p>
-            <a:pPr lvl="1"/>
-            <a:r>
-              <a:rPr lang="fr-FR" dirty="0"/>
-              <a:t>opérations</a:t>
-            </a:r>
-          </a:p>
-          <a:p>
-            <a:r>
-              <a:rPr lang="fr-FR" dirty="0"/>
-              <a:t>Inférence de variances</a:t>
-            </a:r>
-          </a:p>
-          <a:p>
-            <a:pPr lvl="1"/>
-            <a:r>
-              <a:rPr lang="fr-FR" dirty="0"/>
-              <a:t>notations</a:t>
-            </a:r>
-          </a:p>
-          <a:p>
-            <a:pPr lvl="1"/>
-            <a:r>
-              <a:rPr lang="fr-FR" dirty="0"/>
-              <a:t>solution proposée</a:t>
-            </a:r>
-          </a:p>
-          <a:p>
-            <a:pPr lvl="1"/>
-            <a:r>
-              <a:rPr lang="fr-FR" dirty="0"/>
-              <a:t>règles d’inférence de variances</a:t>
-            </a:r>
-          </a:p>
-          <a:p>
-            <a:pPr lvl="1"/>
-            <a:r>
-              <a:rPr lang="fr-FR" dirty="0"/>
-              <a:t>exemple 1</a:t>
-            </a:r>
-          </a:p>
-          <a:p>
-            <a:pPr lvl="1"/>
-            <a:r>
-              <a:rPr lang="fr-FR" dirty="0"/>
-              <a:t>exemple 2</a:t>
-            </a:r>
-          </a:p>
-          <a:p>
-            <a:r>
-              <a:rPr lang="fr-FR" dirty="0"/>
-              <a:t>Conclusion</a:t>
-            </a:r>
-          </a:p>
-          <a:p>
-            <a:pPr lvl="1"/>
-            <a:r>
-              <a:rPr lang="fr-FR" dirty="0"/>
-              <a:t>résumé</a:t>
-            </a:r>
-          </a:p>
-          <a:p>
-            <a:pPr lvl="1"/>
-            <a:r>
-              <a:rPr lang="fr-FR" dirty="0"/>
-              <a:t>améliorations possibles</a:t>
-            </a:r>
-          </a:p>
-        </p:txBody>
-      </p:sp>
+              <a:t>Ordre supérieur</a:t>
+            </a:r>
+          </a:p>
+        </p:txBody>
+      </p:sp>
+      <mc:AlternateContent xmlns:mc="http://schemas.openxmlformats.org/markup-compatibility/2006">
+        <mc:Choice xmlns:a14="http://schemas.microsoft.com/office/drawing/2010/main" Requires="a14">
+          <p:sp>
+            <p:nvSpPr>
+              <p:cNvPr id="3" name="Espace réservé du contenu 2">
+                <a:extLst>
+                  <a:ext uri="{FF2B5EF4-FFF2-40B4-BE49-F238E27FC236}">
+                    <a16:creationId xmlns:a16="http://schemas.microsoft.com/office/drawing/2014/main" id="{CB1F3ECA-C8E2-40D6-9F94-C4D3B215F2EA}"/>
+                  </a:ext>
+                </a:extLst>
+              </p:cNvPr>
+              <p:cNvSpPr>
+                <a:spLocks noGrp="1"/>
+              </p:cNvSpPr>
+              <p:nvPr>
+                <p:ph idx="1"/>
+              </p:nvPr>
+            </p:nvSpPr>
+            <p:spPr>
+              <a:xfrm>
+                <a:off x="1103312" y="1604682"/>
+                <a:ext cx="8946541" cy="4643717"/>
+              </a:xfrm>
+            </p:spPr>
+            <p:txBody>
+              <a:bodyPr/>
+              <a:lstStyle/>
+              <a:p>
+                <a:r>
+                  <a:rPr lang="fr-FR" dirty="0"/>
+                  <a:t>Variables et formules peuvent être :  </a:t>
+                </a:r>
+              </a:p>
+              <a:p>
+                <a:pPr lvl="1"/>
+                <a:r>
+                  <a:rPr lang="fr-FR" dirty="0"/>
+                  <a:t>prédicat (•) </a:t>
+                </a:r>
+              </a:p>
+              <a:p>
+                <a:pPr lvl="1"/>
+                <a:r>
+                  <a:rPr lang="fr-FR" dirty="0"/>
+                  <a:t>• → • (fonction)</a:t>
+                </a:r>
+              </a:p>
+              <a:p>
+                <a:pPr lvl="1"/>
+                <a:r>
+                  <a:rPr lang="fr-FR" dirty="0"/>
+                  <a:t>(• → •) → •</a:t>
+                </a:r>
+              </a:p>
+              <a:p>
+                <a:pPr lvl="1"/>
+                <a:r>
+                  <a:rPr lang="fr-FR" dirty="0"/>
+                  <a:t>• → (• → •) </a:t>
+                </a:r>
+              </a:p>
+              <a:p>
+                <a:pPr lvl="1"/>
+                <a:r>
+                  <a:rPr lang="fr-FR" dirty="0"/>
+                  <a:t>(• → •) → (• → •) </a:t>
+                </a:r>
+              </a:p>
+              <a:p>
+                <a:pPr lvl="1"/>
+                <a:r>
+                  <a:rPr lang="fr-FR" dirty="0"/>
+                  <a:t>. . . </a:t>
+                </a:r>
+              </a:p>
+              <a:p>
+                <a14:m>
+                  <m:oMath xmlns:m="http://schemas.openxmlformats.org/officeDocument/2006/math">
+                    <m:r>
+                      <a:rPr lang="fr-FR" i="1" smtClean="0">
+                        <a:latin typeface="Cambria Math" panose="02040503050406030204" pitchFamily="18" charset="0"/>
+                      </a:rPr>
+                      <m:t>⇒</m:t>
+                    </m:r>
+                  </m:oMath>
+                </a14:m>
+                <a:r>
+                  <a:rPr lang="fr-FR" dirty="0"/>
+                  <a:t> Toutes les variables et formules n’ont pas le même type.</a:t>
+                </a:r>
+              </a:p>
+              <a:p>
+                <a:pPr lvl="1"/>
+                <a:r>
+                  <a:rPr lang="fr-FR" dirty="0"/>
+                  <a:t>Trier les formules en fonctions des compatibilités entre les types de leurs variables via un système de typage. </a:t>
+                </a:r>
+              </a:p>
+              <a:p>
+                <a:pPr lvl="1"/>
+                <a:endParaRPr lang="fr-FR" dirty="0"/>
+              </a:p>
+              <a:p>
+                <a:pPr lvl="1"/>
+                <a:endParaRPr lang="fr-FR" dirty="0"/>
+              </a:p>
+              <a:p>
+                <a:pPr lvl="1"/>
+                <a:endParaRPr lang="fr-FR" dirty="0"/>
+              </a:p>
+            </p:txBody>
+          </p:sp>
+        </mc:Choice>
+        <mc:Fallback>
+          <p:sp>
+            <p:nvSpPr>
+              <p:cNvPr id="3" name="Espace réservé du contenu 2">
+                <a:extLst>
+                  <a:ext uri="{FF2B5EF4-FFF2-40B4-BE49-F238E27FC236}">
+                    <a16:creationId xmlns:a16="http://schemas.microsoft.com/office/drawing/2014/main" id="{CB1F3ECA-C8E2-40D6-9F94-C4D3B215F2EA}"/>
+                  </a:ext>
+                </a:extLst>
+              </p:cNvPr>
+              <p:cNvSpPr>
+                <a:spLocks noGrp="1" noRot="1" noChangeAspect="1" noMove="1" noResize="1" noEditPoints="1" noAdjustHandles="1" noChangeArrowheads="1" noChangeShapeType="1" noTextEdit="1"/>
+              </p:cNvSpPr>
+              <p:nvPr>
+                <p:ph idx="1"/>
+              </p:nvPr>
+            </p:nvSpPr>
+            <p:spPr>
+              <a:xfrm>
+                <a:off x="1103312" y="1604682"/>
+                <a:ext cx="8946541" cy="4643717"/>
+              </a:xfrm>
+              <a:blipFill>
+                <a:blip r:embed="rId2"/>
+                <a:stretch>
+                  <a:fillRect l="-341" t="-656"/>
+                </a:stretch>
+              </a:blipFill>
+            </p:spPr>
+            <p:txBody>
+              <a:bodyPr/>
+              <a:lstStyle/>
+              <a:p>
+                <a:r>
+                  <a:rPr lang="fr-FR">
+                    <a:noFill/>
+                  </a:rPr>
+                  <a:t> </a:t>
+                </a:r>
+              </a:p>
+            </p:txBody>
+          </p:sp>
+        </mc:Fallback>
+      </mc:AlternateContent>
       <p:sp>
         <p:nvSpPr>
           <p:cNvPr id="4" name="Espace réservé du numéro de diapositive 3">
             <a:extLst>
               <a:ext uri="{FF2B5EF4-FFF2-40B4-BE49-F238E27FC236}">
-                <a16:creationId xmlns:a16="http://schemas.microsoft.com/office/drawing/2014/main" id="{9273ECC2-879F-4B45-9ABB-C4AD1FE330A6}"/>
+                <a16:creationId xmlns:a16="http://schemas.microsoft.com/office/drawing/2014/main" id="{6A84338F-B75C-4043-9276-419A6A32B0A9}"/>
               </a:ext>
             </a:extLst>
           </p:cNvPr>
@@ -9879,7 +11495,7 @@
     </p:spTree>
     <p:extLst>
       <p:ext uri="{BB962C8B-B14F-4D97-AF65-F5344CB8AC3E}">
-        <p14:creationId xmlns:p14="http://schemas.microsoft.com/office/powerpoint/2010/main" val="2232113639"/>
+        <p14:creationId xmlns:p14="http://schemas.microsoft.com/office/powerpoint/2010/main" val="1667690339"/>
       </p:ext>
     </p:extLst>
   </p:cSld>
@@ -9911,7 +11527,7 @@
           <p:cNvPr id="2" name="Titre 1">
             <a:extLst>
               <a:ext uri="{FF2B5EF4-FFF2-40B4-BE49-F238E27FC236}">
-                <a16:creationId xmlns:a16="http://schemas.microsoft.com/office/drawing/2014/main" id="{7D14BB57-6CD2-424C-B872-8359921B15AB}"/>
+                <a16:creationId xmlns:a16="http://schemas.microsoft.com/office/drawing/2014/main" id="{7764F375-FE7F-46A5-8CA7-6DD7F2383911}"/>
               </a:ext>
             </a:extLst>
           </p:cNvPr>
@@ -9929,22 +11545,7 @@
           <a:p>
             <a:r>
               <a:rPr lang="fr-FR" dirty="0"/>
-              <a:t>Le </a:t>
-            </a:r>
-            <a:r>
-              <a:rPr lang="el-GR" dirty="0"/>
-              <a:t>μ</a:t>
-            </a:r>
-            <a:r>
-              <a:rPr lang="fr-FR" dirty="0"/>
-              <a:t>-calcul d’ordre supérieur</a:t>
-            </a:r>
-            <a:br>
-              <a:rPr lang="fr-FR" dirty="0"/>
-            </a:br>
-            <a:r>
-              <a:rPr lang="fr-FR" dirty="0"/>
-              <a:t>- propriétés -</a:t>
+              <a:t>Objectif du TER</a:t>
             </a:r>
           </a:p>
         </p:txBody>
@@ -9954,7 +11555,7 @@
           <p:cNvPr id="3" name="Espace réservé du contenu 2">
             <a:extLst>
               <a:ext uri="{FF2B5EF4-FFF2-40B4-BE49-F238E27FC236}">
-                <a16:creationId xmlns:a16="http://schemas.microsoft.com/office/drawing/2014/main" id="{DAEEB0B7-C975-427E-902A-79C1AF5D80D2}"/>
+                <a16:creationId xmlns:a16="http://schemas.microsoft.com/office/drawing/2014/main" id="{6565520A-6068-41AF-97B2-AD572F529825}"/>
               </a:ext>
             </a:extLst>
           </p:cNvPr>
@@ -9965,91 +11566,107 @@
             <p:ph idx="1"/>
           </p:nvPr>
         </p:nvSpPr>
-        <p:spPr/>
+        <p:spPr>
+          <a:xfrm>
+            <a:off x="646111" y="1755593"/>
+            <a:ext cx="9706429" cy="4395152"/>
+          </a:xfrm>
+        </p:spPr>
         <p:txBody>
           <a:bodyPr/>
           <a:lstStyle/>
           <a:p>
             <a:r>
               <a:rPr lang="fr-FR" dirty="0"/>
-              <a:t>Logique modale : le vrai possède des modalités :</a:t>
-            </a:r>
-          </a:p>
-          <a:p>
-            <a:pPr lvl="1"/>
-            <a:r>
-              <a:rPr lang="fr-FR" dirty="0"/>
-              <a:t>"nécessaire" (qui ne peut pas ne pas être vrai, noté □)</a:t>
-            </a:r>
-          </a:p>
-          <a:p>
-            <a:pPr lvl="1"/>
-            <a:r>
-              <a:rPr lang="fr-FR" dirty="0"/>
-              <a:t>"contingent" (qui peut être faux, noté ¬ □) </a:t>
-            </a:r>
-          </a:p>
-          <a:p>
-            <a:pPr lvl="1"/>
-            <a:r>
-              <a:rPr lang="fr-FR" dirty="0"/>
-              <a:t>"possible" (qui peut être vrai, noté ◊) </a:t>
-            </a:r>
-          </a:p>
-          <a:p>
-            <a:pPr lvl="1"/>
-            <a:r>
-              <a:rPr lang="fr-FR" dirty="0"/>
-              <a:t>"impossible" (qui ne peut pas ne pas être faux, noté ¬ ◊)</a:t>
-            </a:r>
-          </a:p>
-          <a:p>
-            <a:pPr lvl="1"/>
-            <a:r>
-              <a:rPr lang="fr-FR" dirty="0"/>
-              <a:t>opérateurs de point fixe (</a:t>
-            </a:r>
-            <a:r>
-              <a:rPr lang="fr-FR" dirty="0">
-                <a:latin typeface="Times New Roman" panose="02020603050405020304" pitchFamily="18" charset="0"/>
-                <a:cs typeface="Times New Roman" panose="02020603050405020304" pitchFamily="18" charset="0"/>
-              </a:rPr>
-              <a:t>μ </a:t>
-            </a:r>
-            <a:r>
-              <a:rPr lang="fr-FR" dirty="0">
-                <a:latin typeface="+mn-lt"/>
-                <a:cs typeface="Times New Roman" panose="02020603050405020304" pitchFamily="18" charset="0"/>
-              </a:rPr>
-              <a:t>et </a:t>
-            </a:r>
+              <a:t>Trier les formules via le typage.</a:t>
+            </a:r>
+          </a:p>
+          <a:p>
+            <a:endParaRPr lang="fr-FR" dirty="0"/>
+          </a:p>
+          <a:p>
             <a:r>
               <a:rPr lang="el-GR" dirty="0">
                 <a:latin typeface="Times New Roman" panose="02020603050405020304" pitchFamily="18" charset="0"/>
                 <a:cs typeface="Times New Roman" panose="02020603050405020304" pitchFamily="18" charset="0"/>
               </a:rPr>
-              <a:t>ν</a:t>
-            </a:r>
-            <a:r>
-              <a:rPr lang="fr-FR" dirty="0">
+              <a:t>Γ</a:t>
+            </a:r>
+            <a:r>
+              <a:rPr lang="fr-FR" dirty="0"/>
+              <a:t> = ensemble des triplets (variable libre, type, variance)</a:t>
+            </a:r>
+          </a:p>
+          <a:p>
+            <a:pPr marL="0" indent="0">
+              <a:buNone/>
+            </a:pPr>
+            <a:endParaRPr lang="fr-FR" dirty="0"/>
+          </a:p>
+          <a:p>
+            <a:r>
+              <a:rPr lang="fr-FR" dirty="0"/>
+              <a:t>On cherche </a:t>
+            </a:r>
+            <a:r>
+              <a:rPr lang="el-GR" dirty="0">
+                <a:latin typeface="Times New Roman" panose="02020603050405020304" pitchFamily="18" charset="0"/>
                 <a:cs typeface="Times New Roman" panose="02020603050405020304" pitchFamily="18" charset="0"/>
               </a:rPr>
-              <a:t>)</a:t>
-            </a:r>
-          </a:p>
-          <a:p>
-            <a:pPr lvl="1"/>
-            <a:endParaRPr lang="fr-FR" dirty="0">
-              <a:cs typeface="Times New Roman" panose="02020603050405020304" pitchFamily="18" charset="0"/>
-            </a:endParaRPr>
-          </a:p>
-          <a:p>
-            <a:r>
-              <a:rPr lang="fr-FR" dirty="0">
-                <a:latin typeface="+mn-lt"/>
+              <a:t>Γ</a:t>
+            </a:r>
+            <a:r>
+              <a:rPr lang="fr-FR" dirty="0"/>
+              <a:t> et le type de la formule (inférence de types).</a:t>
+            </a:r>
+          </a:p>
+          <a:p>
+            <a:endParaRPr lang="fr-FR" dirty="0"/>
+          </a:p>
+          <a:p>
+            <a:r>
+              <a:rPr lang="fr-FR" dirty="0"/>
+              <a:t>Ici on a déjà </a:t>
+            </a:r>
+            <a:r>
+              <a:rPr lang="el-GR" dirty="0">
+                <a:latin typeface="Times New Roman" panose="02020603050405020304" pitchFamily="18" charset="0"/>
                 <a:cs typeface="Times New Roman" panose="02020603050405020304" pitchFamily="18" charset="0"/>
               </a:rPr>
-              <a:t>Logique d’ordre supérieur :  les variables peuvent être des formules ou des fonctions et plus seulement des états </a:t>
+              <a:t>Δ</a:t>
+            </a:r>
+            <a:r>
+              <a:rPr lang="fr-FR" dirty="0"/>
+              <a:t> = ensemble des couples (variable libre, type).</a:t>
+            </a:r>
+          </a:p>
+          <a:p>
+            <a:pPr lvl="1"/>
+            <a:r>
+              <a:rPr lang="fr-FR" dirty="0"/>
+              <a:t>Pour trouver </a:t>
+            </a:r>
+            <a:r>
+              <a:rPr lang="el-GR" dirty="0">
+                <a:latin typeface="Times New Roman" panose="02020603050405020304" pitchFamily="18" charset="0"/>
+                <a:cs typeface="Times New Roman" panose="02020603050405020304" pitchFamily="18" charset="0"/>
+              </a:rPr>
+              <a:t>Γ</a:t>
+            </a:r>
+            <a:r>
+              <a:rPr lang="fr-FR" dirty="0"/>
+              <a:t>, on va compléter </a:t>
+            </a:r>
+            <a:r>
+              <a:rPr lang="el-GR" dirty="0">
+                <a:latin typeface="Times New Roman" panose="02020603050405020304" pitchFamily="18" charset="0"/>
+                <a:cs typeface="Times New Roman" panose="02020603050405020304" pitchFamily="18" charset="0"/>
+              </a:rPr>
+              <a:t>Δ</a:t>
+            </a:r>
+            <a:r>
+              <a:rPr lang="fr-FR" dirty="0"/>
+              <a:t> avec les variances (inférence de variances). </a:t>
             </a:r>
           </a:p>
         </p:txBody>
@@ -10059,7 +11676,7 @@
           <p:cNvPr id="4" name="Espace réservé du numéro de diapositive 3">
             <a:extLst>
               <a:ext uri="{FF2B5EF4-FFF2-40B4-BE49-F238E27FC236}">
-                <a16:creationId xmlns:a16="http://schemas.microsoft.com/office/drawing/2014/main" id="{5C003251-1E98-4302-82C5-F7E52D813C32}"/>
+                <a16:creationId xmlns:a16="http://schemas.microsoft.com/office/drawing/2014/main" id="{ECB77085-6D7C-453E-97D5-94E40C4E5450}"/>
               </a:ext>
             </a:extLst>
           </p:cNvPr>
@@ -10086,7 +11703,7 @@
     </p:spTree>
     <p:extLst>
       <p:ext uri="{BB962C8B-B14F-4D97-AF65-F5344CB8AC3E}">
-        <p14:creationId xmlns:p14="http://schemas.microsoft.com/office/powerpoint/2010/main" val="1457755988"/>
+        <p14:creationId xmlns:p14="http://schemas.microsoft.com/office/powerpoint/2010/main" val="4266394629"/>
       </p:ext>
     </p:extLst>
   </p:cSld>
@@ -10118,7 +11735,7 @@
           <p:cNvPr id="2" name="Titre 1">
             <a:extLst>
               <a:ext uri="{FF2B5EF4-FFF2-40B4-BE49-F238E27FC236}">
-                <a16:creationId xmlns:a16="http://schemas.microsoft.com/office/drawing/2014/main" id="{1EADCDEC-0C2B-43CD-9033-696E5F62D40E}"/>
+                <a16:creationId xmlns:a16="http://schemas.microsoft.com/office/drawing/2014/main" id="{A698EE5D-3084-46D6-BAE4-C1EDB93AC862}"/>
               </a:ext>
             </a:extLst>
           </p:cNvPr>
@@ -10129,7 +11746,12 @@
             <p:ph type="title"/>
           </p:nvPr>
         </p:nvSpPr>
-        <p:spPr/>
+        <p:spPr>
+          <a:xfrm>
+            <a:off x="723700" y="431919"/>
+            <a:ext cx="9404723" cy="1400530"/>
+          </a:xfrm>
+        </p:spPr>
         <p:txBody>
           <a:bodyPr/>
           <a:lstStyle/>
@@ -10151,193 +11773,17 @@
             </a:br>
             <a:r>
               <a:rPr lang="fr-FR" dirty="0"/>
-              <a:t>- système de transitions labélisé -</a:t>
-            </a:r>
-          </a:p>
-        </p:txBody>
-      </p:sp>
-      <mc:AlternateContent xmlns:mc="http://schemas.openxmlformats.org/markup-compatibility/2006">
-        <mc:Choice xmlns:a14="http://schemas.microsoft.com/office/drawing/2010/main" Requires="a14">
-          <p:sp>
-            <p:nvSpPr>
-              <p:cNvPr id="3" name="Espace réservé du contenu 2">
-                <a:extLst>
-                  <a:ext uri="{FF2B5EF4-FFF2-40B4-BE49-F238E27FC236}">
-                    <a16:creationId xmlns:a16="http://schemas.microsoft.com/office/drawing/2014/main" id="{077FD007-2D21-43A2-9D9F-5E4DDB8CAA3E}"/>
-                  </a:ext>
-                </a:extLst>
-              </p:cNvPr>
-              <p:cNvSpPr>
-                <a:spLocks noGrp="1"/>
-              </p:cNvSpPr>
-              <p:nvPr>
-                <p:ph idx="1"/>
-              </p:nvPr>
-            </p:nvSpPr>
-            <p:spPr/>
-            <p:txBody>
-              <a:bodyPr/>
-              <a:lstStyle/>
-              <a:p>
-                <a:r>
-                  <a:rPr lang="fr-FR" dirty="0"/>
-                  <a:t>Triplet (Pr, </a:t>
-                </a:r>
-                <a:r>
-                  <a:rPr lang="fr-FR" dirty="0" err="1"/>
-                  <a:t>Act</a:t>
-                </a:r>
-                <a:r>
-                  <a:rPr lang="fr-FR" dirty="0"/>
-                  <a:t>, →) avec :</a:t>
-                </a:r>
-              </a:p>
-              <a:p>
-                <a:pPr lvl="1"/>
-                <a:r>
-                  <a:rPr lang="fr-FR" dirty="0"/>
-                  <a:t>Pr : ensemble d’états (ou processus) (P, Q, …)</a:t>
-                </a:r>
-              </a:p>
-              <a:p>
-                <a:pPr lvl="1"/>
-                <a:r>
-                  <a:rPr lang="fr-FR" dirty="0" err="1"/>
-                  <a:t>Act</a:t>
-                </a:r>
-                <a:r>
-                  <a:rPr lang="fr-FR" dirty="0"/>
-                  <a:t> : ensemble d’actions (a, b, …)</a:t>
-                </a:r>
-              </a:p>
-              <a:p>
-                <a:pPr lvl="1"/>
-                <a:r>
-                  <a:rPr lang="fr-FR" dirty="0"/>
-                  <a:t>→</a:t>
-                </a:r>
-                <a14:m>
-                  <m:oMath xmlns:m="http://schemas.openxmlformats.org/officeDocument/2006/math">
-                    <m:r>
-                      <a:rPr lang="fr-FR" b="0" i="0" smtClean="0">
-                        <a:latin typeface="Cambria Math" panose="02040503050406030204" pitchFamily="18" charset="0"/>
-                      </a:rPr>
-                      <m:t> </m:t>
-                    </m:r>
-                    <m:r>
-                      <a:rPr lang="fr-FR" i="1" smtClean="0">
-                        <a:latin typeface="Cambria Math" panose="02040503050406030204" pitchFamily="18" charset="0"/>
-                      </a:rPr>
-                      <m:t>⊆</m:t>
-                    </m:r>
-                  </m:oMath>
-                </a14:m>
-                <a:r>
-                  <a:rPr lang="fr-FR" dirty="0"/>
-                  <a:t> Pr x </a:t>
-                </a:r>
-                <a:r>
-                  <a:rPr lang="fr-FR" dirty="0" err="1"/>
-                  <a:t>Act</a:t>
-                </a:r>
-                <a:r>
-                  <a:rPr lang="fr-FR" dirty="0"/>
-                  <a:t> → Pr : relation de transition (P </a:t>
-                </a:r>
-                <a14:m>
-                  <m:oMath xmlns:m="http://schemas.openxmlformats.org/officeDocument/2006/math">
-                    <m:groupChr>
-                      <m:groupChrPr>
-                        <m:chr m:val="→"/>
-                        <m:vertJc m:val="bot"/>
-                        <m:ctrlPr>
-                          <a:rPr lang="fr-FR" i="1" smtClean="0">
-                            <a:latin typeface="Cambria Math" panose="02040503050406030204" pitchFamily="18" charset="0"/>
-                          </a:rPr>
-                        </m:ctrlPr>
-                      </m:groupChrPr>
-                      <m:e>
-                        <m:r>
-                          <m:rPr>
-                            <m:brk m:alnAt="2"/>
-                          </m:rPr>
-                          <a:rPr lang="fr-FR" b="0" i="1" smtClean="0">
-                            <a:latin typeface="Cambria Math" panose="02040503050406030204" pitchFamily="18" charset="0"/>
-                          </a:rPr>
-                          <m:t>𝑎</m:t>
-                        </m:r>
-                      </m:e>
-                    </m:groupChr>
-                    <m:r>
-                      <a:rPr lang="fr-FR" b="0" i="1" smtClean="0">
-                        <a:latin typeface="Cambria Math" panose="02040503050406030204" pitchFamily="18" charset="0"/>
-                      </a:rPr>
-                      <m:t> </m:t>
-                    </m:r>
-                  </m:oMath>
-                </a14:m>
-                <a:r>
-                  <a:rPr lang="fr-FR" dirty="0"/>
-                  <a:t>Q)</a:t>
-                </a:r>
-              </a:p>
-              <a:p>
-                <a:pPr lvl="1"/>
-                <a:endParaRPr lang="fr-FR" dirty="0"/>
-              </a:p>
-              <a:p>
-                <a:pPr lvl="1"/>
-                <a:endParaRPr lang="fr-FR" dirty="0"/>
-              </a:p>
-            </p:txBody>
-          </p:sp>
-        </mc:Choice>
-        <mc:Fallback>
-          <p:sp>
-            <p:nvSpPr>
-              <p:cNvPr id="3" name="Espace réservé du contenu 2">
-                <a:extLst>
-                  <a:ext uri="{FF2B5EF4-FFF2-40B4-BE49-F238E27FC236}">
-                    <a16:creationId xmlns:a16="http://schemas.microsoft.com/office/drawing/2014/main" id="{077FD007-2D21-43A2-9D9F-5E4DDB8CAA3E}"/>
-                  </a:ext>
-                </a:extLst>
-              </p:cNvPr>
-              <p:cNvSpPr>
-                <a:spLocks noGrp="1" noRot="1" noChangeAspect="1" noMove="1" noResize="1" noEditPoints="1" noAdjustHandles="1" noChangeArrowheads="1" noChangeShapeType="1" noTextEdit="1"/>
-              </p:cNvSpPr>
-              <p:nvPr>
-                <p:ph idx="1"/>
-              </p:nvPr>
-            </p:nvSpPr>
-            <p:spPr>
-              <a:blipFill>
-                <a:blip r:embed="rId2"/>
-                <a:stretch>
-                  <a:fillRect l="-341" t="-872"/>
-                </a:stretch>
-              </a:blipFill>
-            </p:spPr>
-            <p:txBody>
-              <a:bodyPr/>
-              <a:lstStyle/>
-              <a:p>
-                <a:r>
-                  <a:rPr lang="fr-FR">
-                    <a:noFill/>
-                  </a:rPr>
-                  <a:t> </a:t>
-                </a:r>
-              </a:p>
-            </p:txBody>
-          </p:sp>
-        </mc:Fallback>
-      </mc:AlternateContent>
+              <a:t>- opérateurs -</a:t>
+            </a:r>
+          </a:p>
+        </p:txBody>
+      </p:sp>
       <p:sp>
         <p:nvSpPr>
           <p:cNvPr id="4" name="Espace réservé du numéro de diapositive 3">
             <a:extLst>
               <a:ext uri="{FF2B5EF4-FFF2-40B4-BE49-F238E27FC236}">
-                <a16:creationId xmlns:a16="http://schemas.microsoft.com/office/drawing/2014/main" id="{483721F3-36C2-4BC1-AFFF-45BEA51913F6}"/>
+                <a16:creationId xmlns:a16="http://schemas.microsoft.com/office/drawing/2014/main" id="{8BB85D57-68C9-45ED-9A1E-2534829BD472}"/>
               </a:ext>
             </a:extLst>
           </p:cNvPr>
@@ -10361,110 +11807,508 @@
           </a:p>
         </p:txBody>
       </p:sp>
-      <p:pic>
-        <p:nvPicPr>
-          <p:cNvPr id="6" name="Image 5">
+      <p:sp>
+        <p:nvSpPr>
+          <p:cNvPr id="10" name="Espace réservé du contenu 9">
             <a:extLst>
               <a:ext uri="{FF2B5EF4-FFF2-40B4-BE49-F238E27FC236}">
-                <a16:creationId xmlns:a16="http://schemas.microsoft.com/office/drawing/2014/main" id="{0876B638-5FD0-482E-BDB4-8F918B620C82}"/>
+                <a16:creationId xmlns:a16="http://schemas.microsoft.com/office/drawing/2014/main" id="{D27CEC49-9C46-4008-8BF4-7197D344A691}"/>
               </a:ext>
             </a:extLst>
           </p:cNvPr>
-          <p:cNvPicPr>
-            <a:picLocks noChangeAspect="1"/>
-          </p:cNvPicPr>
-          <p:nvPr/>
-        </p:nvPicPr>
-        <p:blipFill>
-          <a:blip r:embed="rId3"/>
-          <a:stretch>
-            <a:fillRect/>
-          </a:stretch>
-        </p:blipFill>
+          <p:cNvSpPr>
+            <a:spLocks noGrp="1"/>
+          </p:cNvSpPr>
+          <p:nvPr>
+            <p:ph idx="1"/>
+          </p:nvPr>
+        </p:nvSpPr>
         <p:spPr>
           <a:xfrm>
-            <a:off x="1700495" y="3989991"/>
-            <a:ext cx="4395505" cy="2336850"/>
+            <a:off x="1304845" y="2209801"/>
+            <a:ext cx="9911529" cy="4195481"/>
           </a:xfrm>
-          <a:prstGeom prst="rect">
-            <a:avLst/>
-          </a:prstGeom>
         </p:spPr>
-      </p:pic>
-      <p:sp>
-        <p:nvSpPr>
-          <p:cNvPr id="7" name="ZoneTexte 6">
+        <p:txBody>
+          <a:bodyPr/>
+          <a:lstStyle/>
+          <a:p>
+            <a:r>
+              <a:rPr lang="fr-FR" dirty="0"/>
+              <a:t>Syntaxe du </a:t>
+            </a:r>
+            <a:r>
+              <a:rPr lang="el-GR" dirty="0"/>
+              <a:t>μ</a:t>
+            </a:r>
+            <a:r>
+              <a:rPr lang="fr-FR" dirty="0"/>
+              <a:t>-calcul d’ordre supérieur :</a:t>
+            </a:r>
+          </a:p>
+          <a:p>
+            <a:pPr marL="0" indent="0">
+              <a:buNone/>
+            </a:pPr>
+            <a:r>
+              <a:rPr lang="fr-FR" dirty="0"/>
+              <a:t>                                                                          avec :</a:t>
+            </a:r>
+          </a:p>
+          <a:p>
+            <a:pPr lvl="1"/>
+            <a:r>
+              <a:rPr lang="fr-FR" dirty="0"/>
+              <a:t>            constante, n’importe quel état ;</a:t>
+            </a:r>
+          </a:p>
+          <a:p>
+            <a:pPr lvl="1"/>
+            <a:r>
+              <a:rPr lang="fr-FR" dirty="0"/>
+              <a:t>                           représente le « et » logique ;</a:t>
+            </a:r>
+          </a:p>
+          <a:p>
+            <a:pPr lvl="1"/>
+            <a:r>
+              <a:rPr lang="fr-FR" dirty="0"/>
+              <a:t>                    négation logique ;</a:t>
+            </a:r>
+          </a:p>
+          <a:p>
+            <a:pPr lvl="1"/>
+            <a:r>
+              <a:rPr lang="fr-FR" dirty="0"/>
+              <a:t>                     « possible », vraie si après une action a, </a:t>
+            </a:r>
+            <a:r>
+              <a:rPr lang="el-GR" dirty="0">
+                <a:latin typeface="Times New Roman" panose="02020603050405020304" pitchFamily="18" charset="0"/>
+                <a:cs typeface="Times New Roman" panose="02020603050405020304" pitchFamily="18" charset="0"/>
+              </a:rPr>
+              <a:t>Φ</a:t>
+            </a:r>
+            <a:r>
+              <a:rPr lang="fr-FR" dirty="0"/>
+              <a:t> devient vraie ;</a:t>
+            </a:r>
+          </a:p>
+          <a:p>
+            <a:pPr lvl="1"/>
+            <a:r>
+              <a:rPr lang="fr-FR" dirty="0">
+                <a:latin typeface="+mn-lt"/>
+                <a:cs typeface="Times New Roman" panose="02020603050405020304" pitchFamily="18" charset="0"/>
+              </a:rPr>
+              <a:t>                                        plus petit point fixe (el tel que el = </a:t>
+            </a:r>
+            <a:r>
+              <a:rPr lang="el-GR" dirty="0">
+                <a:latin typeface="Times New Roman" panose="02020603050405020304" pitchFamily="18" charset="0"/>
+                <a:cs typeface="Times New Roman" panose="02020603050405020304" pitchFamily="18" charset="0"/>
+              </a:rPr>
+              <a:t>Φ</a:t>
+            </a:r>
+            <a:r>
+              <a:rPr lang="fr-FR" dirty="0">
+                <a:latin typeface="+mn-lt"/>
+                <a:cs typeface="Times New Roman" panose="02020603050405020304" pitchFamily="18" charset="0"/>
+              </a:rPr>
+              <a:t>(el)) ;</a:t>
+            </a:r>
+          </a:p>
+          <a:p>
+            <a:pPr lvl="1"/>
+            <a:r>
+              <a:rPr lang="fr-FR" dirty="0">
+                <a:latin typeface="Times New Roman" panose="02020603050405020304" pitchFamily="18" charset="0"/>
+                <a:cs typeface="Times New Roman" panose="02020603050405020304" pitchFamily="18" charset="0"/>
+              </a:rPr>
+              <a:t>                                             </a:t>
+            </a:r>
+            <a:r>
+              <a:rPr lang="fr-FR" dirty="0">
+                <a:latin typeface="+mn-lt"/>
+                <a:cs typeface="Times New Roman" panose="02020603050405020304" pitchFamily="18" charset="0"/>
+              </a:rPr>
+              <a:t>représente les fonctions ;</a:t>
+            </a:r>
+          </a:p>
+          <a:p>
+            <a:pPr lvl="1"/>
+            <a:r>
+              <a:rPr lang="fr-FR" dirty="0">
+                <a:latin typeface="Times New Roman" panose="02020603050405020304" pitchFamily="18" charset="0"/>
+                <a:cs typeface="Times New Roman" panose="02020603050405020304" pitchFamily="18" charset="0"/>
+              </a:rPr>
+              <a:t>                         </a:t>
+            </a:r>
+            <a:r>
+              <a:rPr lang="fr-FR" dirty="0">
+                <a:latin typeface="+mn-lt"/>
+                <a:cs typeface="Times New Roman" panose="02020603050405020304" pitchFamily="18" charset="0"/>
+              </a:rPr>
+              <a:t>application de fonction</a:t>
+            </a:r>
+            <a:r>
+              <a:rPr lang="fr-FR" dirty="0">
+                <a:latin typeface="Times New Roman" panose="02020603050405020304" pitchFamily="18" charset="0"/>
+                <a:cs typeface="Times New Roman" panose="02020603050405020304" pitchFamily="18" charset="0"/>
+              </a:rPr>
+              <a:t>.</a:t>
+            </a:r>
+          </a:p>
+          <a:p>
+            <a:endParaRPr lang="fr-FR" dirty="0"/>
+          </a:p>
+        </p:txBody>
+      </p:sp>
+      <p:grpSp>
+        <p:nvGrpSpPr>
+          <p:cNvPr id="7" name="Groupe 6">
             <a:extLst>
               <a:ext uri="{FF2B5EF4-FFF2-40B4-BE49-F238E27FC236}">
-                <a16:creationId xmlns:a16="http://schemas.microsoft.com/office/drawing/2014/main" id="{2C185453-D7A9-4EDD-8BCC-12B028772A8E}"/>
+                <a16:creationId xmlns:a16="http://schemas.microsoft.com/office/drawing/2014/main" id="{414644F1-1211-4670-8965-EE257C181BE5}"/>
               </a:ext>
             </a:extLst>
           </p:cNvPr>
-          <p:cNvSpPr txBox="1"/>
+          <p:cNvGrpSpPr/>
           <p:nvPr/>
-        </p:nvSpPr>
-        <p:spPr>
+        </p:nvGrpSpPr>
+        <p:grpSpPr>
           <a:xfrm>
-            <a:off x="6567672" y="4681587"/>
-            <a:ext cx="4792717" cy="646331"/>
+            <a:off x="1635793" y="2670916"/>
+            <a:ext cx="4810796" cy="3121773"/>
+            <a:chOff x="1635793" y="2670916"/>
+            <a:chExt cx="4810796" cy="3121773"/>
           </a:xfrm>
-          <a:prstGeom prst="rect">
-            <a:avLst/>
-          </a:prstGeom>
-          <a:noFill/>
-        </p:spPr>
-        <p:txBody>
-          <a:bodyPr wrap="square" rtlCol="0">
-            <a:spAutoFit/>
-          </a:bodyPr>
-          <a:lstStyle/>
-          <a:p>
-            <a:r>
-              <a:rPr lang="fr-FR" dirty="0"/>
-              <a:t>Représentation d’un système de transitions labélisé avec un automate</a:t>
-            </a:r>
-          </a:p>
-        </p:txBody>
-      </p:sp>
-      <p:sp>
-        <p:nvSpPr>
-          <p:cNvPr id="8" name="ZoneTexte 7">
-            <a:extLst>
-              <a:ext uri="{FF2B5EF4-FFF2-40B4-BE49-F238E27FC236}">
-                <a16:creationId xmlns:a16="http://schemas.microsoft.com/office/drawing/2014/main" id="{18226956-1E3A-4E68-B1F8-1C339C7DCB9E}"/>
-              </a:ext>
-            </a:extLst>
-          </p:cNvPr>
-          <p:cNvSpPr txBox="1"/>
-          <p:nvPr/>
-        </p:nvSpPr>
-        <p:spPr>
-          <a:xfrm>
-            <a:off x="2205879" y="6388743"/>
-            <a:ext cx="3142593" cy="261610"/>
-          </a:xfrm>
-          <a:prstGeom prst="rect">
-            <a:avLst/>
-          </a:prstGeom>
-          <a:noFill/>
-        </p:spPr>
-        <p:txBody>
-          <a:bodyPr wrap="square" rtlCol="0">
-            <a:spAutoFit/>
-          </a:bodyPr>
-          <a:lstStyle/>
-          <a:p>
-            <a:r>
-              <a:rPr lang="fr-FR" sz="1100" i="1" dirty="0"/>
-              <a:t>Source : Sandrine Julia, cours M2 RIF, 2019</a:t>
-            </a:r>
-          </a:p>
-        </p:txBody>
-      </p:sp>
+        </p:grpSpPr>
+        <p:pic>
+          <p:nvPicPr>
+            <p:cNvPr id="14" name="Image 13">
+              <a:extLst>
+                <a:ext uri="{FF2B5EF4-FFF2-40B4-BE49-F238E27FC236}">
+                  <a16:creationId xmlns:a16="http://schemas.microsoft.com/office/drawing/2014/main" id="{D01EE989-31B2-489E-A100-D4889BFA24ED}"/>
+                </a:ext>
+              </a:extLst>
+            </p:cNvPr>
+            <p:cNvPicPr>
+              <a:picLocks noChangeAspect="1"/>
+            </p:cNvPicPr>
+            <p:nvPr/>
+          </p:nvPicPr>
+          <p:blipFill>
+            <a:blip r:embed="rId2"/>
+            <a:stretch>
+              <a:fillRect/>
+            </a:stretch>
+          </p:blipFill>
+          <p:spPr>
+            <a:xfrm>
+              <a:off x="2040344" y="3147812"/>
+              <a:ext cx="809738" cy="228632"/>
+            </a:xfrm>
+            <a:prstGeom prst="rect">
+              <a:avLst/>
+            </a:prstGeom>
+            <a:ln>
+              <a:noFill/>
+            </a:ln>
+            <a:effectLst>
+              <a:outerShdw blurRad="190500" algn="tl" rotWithShape="0">
+                <a:srgbClr val="000000">
+                  <a:alpha val="70000"/>
+                </a:srgbClr>
+              </a:outerShdw>
+            </a:effectLst>
+          </p:spPr>
+        </p:pic>
+        <p:pic>
+          <p:nvPicPr>
+            <p:cNvPr id="16" name="Image 15">
+              <a:extLst>
+                <a:ext uri="{FF2B5EF4-FFF2-40B4-BE49-F238E27FC236}">
+                  <a16:creationId xmlns:a16="http://schemas.microsoft.com/office/drawing/2014/main" id="{FB66547F-98F1-4791-9071-18F88E57AB64}"/>
+                </a:ext>
+              </a:extLst>
+            </p:cNvPr>
+            <p:cNvPicPr>
+              <a:picLocks noChangeAspect="1"/>
+            </p:cNvPicPr>
+            <p:nvPr/>
+          </p:nvPicPr>
+          <p:blipFill>
+            <a:blip r:embed="rId3"/>
+            <a:stretch>
+              <a:fillRect/>
+            </a:stretch>
+          </p:blipFill>
+          <p:spPr>
+            <a:xfrm>
+              <a:off x="2040344" y="3505467"/>
+              <a:ext cx="1695687" cy="257211"/>
+            </a:xfrm>
+            <a:prstGeom prst="rect">
+              <a:avLst/>
+            </a:prstGeom>
+            <a:ln>
+              <a:noFill/>
+            </a:ln>
+            <a:effectLst>
+              <a:outerShdw blurRad="190500" algn="tl" rotWithShape="0">
+                <a:srgbClr val="000000">
+                  <a:alpha val="70000"/>
+                </a:srgbClr>
+              </a:outerShdw>
+            </a:effectLst>
+          </p:spPr>
+        </p:pic>
+        <p:pic>
+          <p:nvPicPr>
+            <p:cNvPr id="18" name="Image 17">
+              <a:extLst>
+                <a:ext uri="{FF2B5EF4-FFF2-40B4-BE49-F238E27FC236}">
+                  <a16:creationId xmlns:a16="http://schemas.microsoft.com/office/drawing/2014/main" id="{4920D372-F6B5-46A8-BE80-8A21A5064296}"/>
+                </a:ext>
+              </a:extLst>
+            </p:cNvPr>
+            <p:cNvPicPr>
+              <a:picLocks noChangeAspect="1"/>
+            </p:cNvPicPr>
+            <p:nvPr/>
+          </p:nvPicPr>
+          <p:blipFill>
+            <a:blip r:embed="rId4"/>
+            <a:stretch>
+              <a:fillRect/>
+            </a:stretch>
+          </p:blipFill>
+          <p:spPr>
+            <a:xfrm>
+              <a:off x="2040344" y="3918136"/>
+              <a:ext cx="1267002" cy="266737"/>
+            </a:xfrm>
+            <a:prstGeom prst="rect">
+              <a:avLst/>
+            </a:prstGeom>
+            <a:ln>
+              <a:noFill/>
+            </a:ln>
+            <a:effectLst>
+              <a:outerShdw blurRad="190500" algn="tl" rotWithShape="0">
+                <a:srgbClr val="000000">
+                  <a:alpha val="70000"/>
+                </a:srgbClr>
+              </a:outerShdw>
+            </a:effectLst>
+          </p:spPr>
+        </p:pic>
+        <p:pic>
+          <p:nvPicPr>
+            <p:cNvPr id="20" name="Image 19">
+              <a:extLst>
+                <a:ext uri="{FF2B5EF4-FFF2-40B4-BE49-F238E27FC236}">
+                  <a16:creationId xmlns:a16="http://schemas.microsoft.com/office/drawing/2014/main" id="{2199AA56-3EBD-439E-95FE-E84888F72EBF}"/>
+                </a:ext>
+              </a:extLst>
+            </p:cNvPr>
+            <p:cNvPicPr>
+              <a:picLocks noChangeAspect="1"/>
+            </p:cNvPicPr>
+            <p:nvPr/>
+          </p:nvPicPr>
+          <p:blipFill>
+            <a:blip r:embed="rId5"/>
+            <a:stretch>
+              <a:fillRect/>
+            </a:stretch>
+          </p:blipFill>
+          <p:spPr>
+            <a:xfrm>
+              <a:off x="2040344" y="4324058"/>
+              <a:ext cx="1314633" cy="295316"/>
+            </a:xfrm>
+            <a:prstGeom prst="rect">
+              <a:avLst/>
+            </a:prstGeom>
+            <a:ln>
+              <a:noFill/>
+            </a:ln>
+            <a:effectLst>
+              <a:outerShdw blurRad="190500" algn="tl" rotWithShape="0">
+                <a:srgbClr val="000000">
+                  <a:alpha val="70000"/>
+                </a:srgbClr>
+              </a:outerShdw>
+            </a:effectLst>
+          </p:spPr>
+        </p:pic>
+        <p:pic>
+          <p:nvPicPr>
+            <p:cNvPr id="22" name="Image 21">
+              <a:extLst>
+                <a:ext uri="{FF2B5EF4-FFF2-40B4-BE49-F238E27FC236}">
+                  <a16:creationId xmlns:a16="http://schemas.microsoft.com/office/drawing/2014/main" id="{3740AFF6-3D23-4F18-B0E5-B257FC708760}"/>
+                </a:ext>
+              </a:extLst>
+            </p:cNvPr>
+            <p:cNvPicPr>
+              <a:picLocks noChangeAspect="1"/>
+            </p:cNvPicPr>
+            <p:nvPr/>
+          </p:nvPicPr>
+          <p:blipFill>
+            <a:blip r:embed="rId6"/>
+            <a:stretch>
+              <a:fillRect/>
+            </a:stretch>
+          </p:blipFill>
+          <p:spPr>
+            <a:xfrm>
+              <a:off x="2040344" y="4751746"/>
+              <a:ext cx="2534004" cy="228632"/>
+            </a:xfrm>
+            <a:prstGeom prst="rect">
+              <a:avLst/>
+            </a:prstGeom>
+            <a:ln>
+              <a:noFill/>
+            </a:ln>
+            <a:effectLst>
+              <a:outerShdw blurRad="190500" algn="tl" rotWithShape="0">
+                <a:srgbClr val="000000">
+                  <a:alpha val="70000"/>
+                </a:srgbClr>
+              </a:outerShdw>
+            </a:effectLst>
+          </p:spPr>
+        </p:pic>
+        <p:pic>
+          <p:nvPicPr>
+            <p:cNvPr id="24" name="Image 23">
+              <a:extLst>
+                <a:ext uri="{FF2B5EF4-FFF2-40B4-BE49-F238E27FC236}">
+                  <a16:creationId xmlns:a16="http://schemas.microsoft.com/office/drawing/2014/main" id="{E0D72856-4A60-4C3B-9B52-ABCEBCCA2E96}"/>
+                </a:ext>
+              </a:extLst>
+            </p:cNvPr>
+            <p:cNvPicPr>
+              <a:picLocks noChangeAspect="1"/>
+            </p:cNvPicPr>
+            <p:nvPr/>
+          </p:nvPicPr>
+          <p:blipFill>
+            <a:blip r:embed="rId7"/>
+            <a:stretch>
+              <a:fillRect/>
+            </a:stretch>
+          </p:blipFill>
+          <p:spPr>
+            <a:xfrm>
+              <a:off x="2040344" y="5138231"/>
+              <a:ext cx="2600688" cy="238158"/>
+            </a:xfrm>
+            <a:prstGeom prst="rect">
+              <a:avLst/>
+            </a:prstGeom>
+            <a:ln>
+              <a:noFill/>
+            </a:ln>
+            <a:effectLst>
+              <a:outerShdw blurRad="190500" algn="tl" rotWithShape="0">
+                <a:srgbClr val="000000">
+                  <a:alpha val="70000"/>
+                </a:srgbClr>
+              </a:outerShdw>
+            </a:effectLst>
+          </p:spPr>
+        </p:pic>
+        <p:pic>
+          <p:nvPicPr>
+            <p:cNvPr id="26" name="Image 25">
+              <a:extLst>
+                <a:ext uri="{FF2B5EF4-FFF2-40B4-BE49-F238E27FC236}">
+                  <a16:creationId xmlns:a16="http://schemas.microsoft.com/office/drawing/2014/main" id="{80A7ED62-8C51-46BD-99C6-B56B4A83D9C8}"/>
+                </a:ext>
+              </a:extLst>
+            </p:cNvPr>
+            <p:cNvPicPr>
+              <a:picLocks noChangeAspect="1"/>
+            </p:cNvPicPr>
+            <p:nvPr/>
+          </p:nvPicPr>
+          <p:blipFill>
+            <a:blip r:embed="rId8"/>
+            <a:stretch>
+              <a:fillRect/>
+            </a:stretch>
+          </p:blipFill>
+          <p:spPr>
+            <a:xfrm>
+              <a:off x="2040344" y="5545004"/>
+              <a:ext cx="1457528" cy="247685"/>
+            </a:xfrm>
+            <a:prstGeom prst="rect">
+              <a:avLst/>
+            </a:prstGeom>
+            <a:ln>
+              <a:noFill/>
+            </a:ln>
+            <a:effectLst>
+              <a:outerShdw blurRad="190500" algn="tl" rotWithShape="0">
+                <a:srgbClr val="000000">
+                  <a:alpha val="70000"/>
+                </a:srgbClr>
+              </a:outerShdw>
+            </a:effectLst>
+          </p:spPr>
+        </p:pic>
+        <p:pic>
+          <p:nvPicPr>
+            <p:cNvPr id="6" name="Image 5">
+              <a:extLst>
+                <a:ext uri="{FF2B5EF4-FFF2-40B4-BE49-F238E27FC236}">
+                  <a16:creationId xmlns:a16="http://schemas.microsoft.com/office/drawing/2014/main" id="{AE73584F-F1EC-40B2-9AD4-4243CF296A56}"/>
+                </a:ext>
+              </a:extLst>
+            </p:cNvPr>
+            <p:cNvPicPr>
+              <a:picLocks noChangeAspect="1"/>
+            </p:cNvPicPr>
+            <p:nvPr/>
+          </p:nvPicPr>
+          <p:blipFill>
+            <a:blip r:embed="rId9"/>
+            <a:stretch>
+              <a:fillRect/>
+            </a:stretch>
+          </p:blipFill>
+          <p:spPr>
+            <a:xfrm>
+              <a:off x="1635793" y="2670916"/>
+              <a:ext cx="4810796" cy="314369"/>
+            </a:xfrm>
+            <a:prstGeom prst="rect">
+              <a:avLst/>
+            </a:prstGeom>
+            <a:ln>
+              <a:noFill/>
+            </a:ln>
+            <a:effectLst>
+              <a:outerShdw blurRad="190500" algn="tl" rotWithShape="0">
+                <a:srgbClr val="000000">
+                  <a:alpha val="70000"/>
+                </a:srgbClr>
+              </a:outerShdw>
+            </a:effectLst>
+          </p:spPr>
+        </p:pic>
+      </p:grpSp>
     </p:spTree>
     <p:extLst>
       <p:ext uri="{BB962C8B-B14F-4D97-AF65-F5344CB8AC3E}">
-        <p14:creationId xmlns:p14="http://schemas.microsoft.com/office/powerpoint/2010/main" val="2223085528"/>
+        <p14:creationId xmlns:p14="http://schemas.microsoft.com/office/powerpoint/2010/main" val="2741567660"/>
       </p:ext>
     </p:extLst>
   </p:cSld>
@@ -10496,7 +12340,7 @@
           <p:cNvPr id="2" name="Titre 1">
             <a:extLst>
               <a:ext uri="{FF2B5EF4-FFF2-40B4-BE49-F238E27FC236}">
-                <a16:creationId xmlns:a16="http://schemas.microsoft.com/office/drawing/2014/main" id="{0D33393E-CAC3-449B-BF15-437423E26658}"/>
+                <a16:creationId xmlns:a16="http://schemas.microsoft.com/office/drawing/2014/main" id="{18FA5FAB-2E00-4B60-BD0F-BAF4B478968C}"/>
               </a:ext>
             </a:extLst>
           </p:cNvPr>
@@ -10507,7 +12351,12 @@
             <p:ph type="title"/>
           </p:nvPr>
         </p:nvSpPr>
-        <p:spPr/>
+        <p:spPr>
+          <a:xfrm>
+            <a:off x="594441" y="363151"/>
+            <a:ext cx="9404723" cy="1400530"/>
+          </a:xfrm>
+        </p:spPr>
         <p:txBody>
           <a:bodyPr/>
           <a:lstStyle/>
@@ -10529,7 +12378,7 @@
             </a:br>
             <a:r>
               <a:rPr lang="fr-FR" dirty="0"/>
-              <a:t>- syntaxe -</a:t>
+              <a:t>- exemples de formules -</a:t>
             </a:r>
           </a:p>
         </p:txBody>
@@ -10539,7 +12388,7 @@
           <p:cNvPr id="3" name="Espace réservé du contenu 2">
             <a:extLst>
               <a:ext uri="{FF2B5EF4-FFF2-40B4-BE49-F238E27FC236}">
-                <a16:creationId xmlns:a16="http://schemas.microsoft.com/office/drawing/2014/main" id="{9A3A7916-0DF0-41B0-9A19-EC35FE19BCD2}"/>
+                <a16:creationId xmlns:a16="http://schemas.microsoft.com/office/drawing/2014/main" id="{425656BB-40D7-4BF9-89E5-3DC71B254988}"/>
               </a:ext>
             </a:extLst>
           </p:cNvPr>
@@ -10550,12 +12399,53 @@
             <p:ph idx="1"/>
           </p:nvPr>
         </p:nvSpPr>
-        <p:spPr/>
-        <p:txBody>
-          <a:bodyPr/>
+        <p:spPr>
+          <a:xfrm>
+            <a:off x="566895" y="2970089"/>
+            <a:ext cx="11058209" cy="4195481"/>
+          </a:xfrm>
+        </p:spPr>
+        <p:txBody>
+          <a:bodyPr>
+            <a:normAutofit/>
+          </a:bodyPr>
           <a:lstStyle/>
           <a:p>
-            <a:endParaRPr lang="fr-FR"/>
+            <a:r>
+              <a:rPr lang="fr-FR" dirty="0"/>
+              <a:t>« Le prédicat qui indique qu’après l’action a, la conjonction des prédicats Y et de la négation de X est vraie. »</a:t>
+            </a:r>
+          </a:p>
+          <a:p>
+            <a:endParaRPr lang="fr-FR" dirty="0"/>
+          </a:p>
+          <a:p>
+            <a:endParaRPr lang="fr-FR" dirty="0"/>
+          </a:p>
+          <a:p>
+            <a:r>
+              <a:rPr lang="fr-FR" dirty="0"/>
+              <a:t>« Le plus petit point fixe de f : X → X ^ Y, le plus petit X tel que X = f(X). »</a:t>
+            </a:r>
+          </a:p>
+          <a:p>
+            <a:pPr lvl="1"/>
+            <a:r>
+              <a:rPr lang="fr-FR" dirty="0"/>
+              <a:t>Théorème du point fixe :                              n’est défini que si                                est croissante</a:t>
+            </a:r>
+          </a:p>
+          <a:p>
+            <a:pPr marL="457200" lvl="1" indent="0">
+              <a:buNone/>
+            </a:pPr>
+            <a:r>
+              <a:rPr lang="fr-FR" dirty="0"/>
+              <a:t>=&gt; variances</a:t>
+            </a:r>
+          </a:p>
+          <a:p>
+            <a:endParaRPr lang="fr-FR" dirty="0"/>
           </a:p>
         </p:txBody>
       </p:sp>
@@ -10564,7 +12454,7 @@
           <p:cNvPr id="4" name="Espace réservé du numéro de diapositive 3">
             <a:extLst>
               <a:ext uri="{FF2B5EF4-FFF2-40B4-BE49-F238E27FC236}">
-                <a16:creationId xmlns:a16="http://schemas.microsoft.com/office/drawing/2014/main" id="{89D7A83B-461D-4543-902B-66CE93504314}"/>
+                <a16:creationId xmlns:a16="http://schemas.microsoft.com/office/drawing/2014/main" id="{23A10CD5-0864-4688-83C0-1FA285E99532}"/>
               </a:ext>
             </a:extLst>
           </p:cNvPr>
@@ -10588,40 +12478,212 @@
           </a:p>
         </p:txBody>
       </p:sp>
-      <p:pic>
-        <p:nvPicPr>
-          <p:cNvPr id="6" name="Image 5">
+      <p:grpSp>
+        <p:nvGrpSpPr>
+          <p:cNvPr id="19" name="Groupe 18">
             <a:extLst>
               <a:ext uri="{FF2B5EF4-FFF2-40B4-BE49-F238E27FC236}">
-                <a16:creationId xmlns:a16="http://schemas.microsoft.com/office/drawing/2014/main" id="{CCA7493B-4A16-4E34-8163-D80585EFAEF2}"/>
+                <a16:creationId xmlns:a16="http://schemas.microsoft.com/office/drawing/2014/main" id="{E6443E49-8F28-4CFF-8776-A8397E23A357}"/>
               </a:ext>
             </a:extLst>
           </p:cNvPr>
-          <p:cNvPicPr>
-            <a:picLocks noChangeAspect="1"/>
-          </p:cNvPicPr>
+          <p:cNvGrpSpPr/>
           <p:nvPr/>
-        </p:nvPicPr>
-        <p:blipFill>
-          <a:blip r:embed="rId2"/>
-          <a:stretch>
-            <a:fillRect/>
-          </a:stretch>
-        </p:blipFill>
-        <p:spPr>
+        </p:nvGrpSpPr>
+        <p:grpSpPr>
           <a:xfrm>
-            <a:off x="646111" y="2258707"/>
-            <a:ext cx="9716289" cy="3783902"/>
+            <a:off x="1136664" y="2376842"/>
+            <a:ext cx="8696794" cy="2970684"/>
+            <a:chOff x="1136664" y="2376842"/>
+            <a:chExt cx="8696794" cy="2970684"/>
           </a:xfrm>
-          <a:prstGeom prst="rect">
-            <a:avLst/>
-          </a:prstGeom>
-        </p:spPr>
-      </p:pic>
+        </p:grpSpPr>
+        <p:pic>
+          <p:nvPicPr>
+            <p:cNvPr id="10" name="Image 9">
+              <a:extLst>
+                <a:ext uri="{FF2B5EF4-FFF2-40B4-BE49-F238E27FC236}">
+                  <a16:creationId xmlns:a16="http://schemas.microsoft.com/office/drawing/2014/main" id="{FBD1FE74-47A2-442D-880E-F29C5D89E694}"/>
+                </a:ext>
+              </a:extLst>
+            </p:cNvPr>
+            <p:cNvPicPr>
+              <a:picLocks noChangeAspect="1"/>
+            </p:cNvPicPr>
+            <p:nvPr/>
+          </p:nvPicPr>
+          <p:blipFill>
+            <a:blip r:embed="rId2"/>
+            <a:stretch>
+              <a:fillRect/>
+            </a:stretch>
+          </p:blipFill>
+          <p:spPr>
+            <a:xfrm>
+              <a:off x="1136664" y="2376842"/>
+              <a:ext cx="1800476" cy="504895"/>
+            </a:xfrm>
+            <a:prstGeom prst="rect">
+              <a:avLst/>
+            </a:prstGeom>
+            <a:ln>
+              <a:noFill/>
+            </a:ln>
+            <a:effectLst>
+              <a:outerShdw blurRad="190500" algn="tl" rotWithShape="0">
+                <a:srgbClr val="000000">
+                  <a:alpha val="70000"/>
+                </a:srgbClr>
+              </a:outerShdw>
+            </a:effectLst>
+          </p:spPr>
+        </p:pic>
+        <p:grpSp>
+          <p:nvGrpSpPr>
+            <p:cNvPr id="18" name="Groupe 17">
+              <a:extLst>
+                <a:ext uri="{FF2B5EF4-FFF2-40B4-BE49-F238E27FC236}">
+                  <a16:creationId xmlns:a16="http://schemas.microsoft.com/office/drawing/2014/main" id="{55E12C3B-4055-4639-AD72-2D609BE9ABD9}"/>
+                </a:ext>
+              </a:extLst>
+            </p:cNvPr>
+            <p:cNvGrpSpPr/>
+            <p:nvPr/>
+          </p:nvGrpSpPr>
+          <p:grpSpPr>
+            <a:xfrm>
+              <a:off x="1136664" y="4074461"/>
+              <a:ext cx="8696794" cy="1273065"/>
+              <a:chOff x="1208382" y="2209801"/>
+              <a:chExt cx="8696794" cy="1273065"/>
+            </a:xfrm>
+          </p:grpSpPr>
+          <p:pic>
+            <p:nvPicPr>
+              <p:cNvPr id="14" name="Image 13">
+                <a:extLst>
+                  <a:ext uri="{FF2B5EF4-FFF2-40B4-BE49-F238E27FC236}">
+                    <a16:creationId xmlns:a16="http://schemas.microsoft.com/office/drawing/2014/main" id="{7E0D053B-FB13-4566-8EB8-8CF7BD5DF8C6}"/>
+                  </a:ext>
+                </a:extLst>
+              </p:cNvPr>
+              <p:cNvPicPr>
+                <a:picLocks noChangeAspect="1"/>
+              </p:cNvPicPr>
+              <p:nvPr/>
+            </p:nvPicPr>
+            <p:blipFill>
+              <a:blip r:embed="rId3"/>
+              <a:stretch>
+                <a:fillRect/>
+              </a:stretch>
+            </p:blipFill>
+            <p:spPr>
+              <a:xfrm>
+                <a:off x="1208382" y="2209801"/>
+                <a:ext cx="2147700" cy="417267"/>
+              </a:xfrm>
+              <a:prstGeom prst="rect">
+                <a:avLst/>
+              </a:prstGeom>
+              <a:ln>
+                <a:noFill/>
+              </a:ln>
+              <a:effectLst>
+                <a:outerShdw blurRad="190500" algn="tl" rotWithShape="0">
+                  <a:srgbClr val="000000">
+                    <a:alpha val="70000"/>
+                  </a:srgbClr>
+                </a:outerShdw>
+              </a:effectLst>
+            </p:spPr>
+          </p:pic>
+          <p:pic>
+            <p:nvPicPr>
+              <p:cNvPr id="15" name="Image 14">
+                <a:extLst>
+                  <a:ext uri="{FF2B5EF4-FFF2-40B4-BE49-F238E27FC236}">
+                    <a16:creationId xmlns:a16="http://schemas.microsoft.com/office/drawing/2014/main" id="{2A159A59-01FF-4C94-9A73-830CC8F15AFC}"/>
+                  </a:ext>
+                </a:extLst>
+              </p:cNvPr>
+              <p:cNvPicPr>
+                <a:picLocks noChangeAspect="1"/>
+              </p:cNvPicPr>
+              <p:nvPr/>
+            </p:nvPicPr>
+            <p:blipFill>
+              <a:blip r:embed="rId3"/>
+              <a:stretch>
+                <a:fillRect/>
+              </a:stretch>
+            </p:blipFill>
+            <p:spPr>
+              <a:xfrm>
+                <a:off x="4253106" y="3138449"/>
+                <a:ext cx="1717387" cy="333663"/>
+              </a:xfrm>
+              <a:prstGeom prst="rect">
+                <a:avLst/>
+              </a:prstGeom>
+              <a:ln>
+                <a:noFill/>
+              </a:ln>
+              <a:effectLst>
+                <a:outerShdw blurRad="190500" algn="tl" rotWithShape="0">
+                  <a:srgbClr val="000000">
+                    <a:alpha val="70000"/>
+                  </a:srgbClr>
+                </a:outerShdw>
+              </a:effectLst>
+            </p:spPr>
+          </p:pic>
+          <p:pic>
+            <p:nvPicPr>
+              <p:cNvPr id="17" name="Image 16">
+                <a:extLst>
+                  <a:ext uri="{FF2B5EF4-FFF2-40B4-BE49-F238E27FC236}">
+                    <a16:creationId xmlns:a16="http://schemas.microsoft.com/office/drawing/2014/main" id="{AFB2861B-AF19-4339-8235-FFF4BFA7A6F5}"/>
+                  </a:ext>
+                </a:extLst>
+              </p:cNvPr>
+              <p:cNvPicPr>
+                <a:picLocks noChangeAspect="1"/>
+              </p:cNvPicPr>
+              <p:nvPr/>
+            </p:nvPicPr>
+            <p:blipFill>
+              <a:blip r:embed="rId4"/>
+              <a:stretch>
+                <a:fillRect/>
+              </a:stretch>
+            </p:blipFill>
+            <p:spPr>
+              <a:xfrm>
+                <a:off x="8075410" y="3149203"/>
+                <a:ext cx="1829766" cy="333663"/>
+              </a:xfrm>
+              <a:prstGeom prst="rect">
+                <a:avLst/>
+              </a:prstGeom>
+              <a:ln>
+                <a:noFill/>
+              </a:ln>
+              <a:effectLst>
+                <a:outerShdw blurRad="190500" algn="tl" rotWithShape="0">
+                  <a:srgbClr val="000000">
+                    <a:alpha val="70000"/>
+                  </a:srgbClr>
+                </a:outerShdw>
+              </a:effectLst>
+            </p:spPr>
+          </p:pic>
+        </p:grpSp>
+      </p:grpSp>
     </p:spTree>
     <p:extLst>
       <p:ext uri="{BB962C8B-B14F-4D97-AF65-F5344CB8AC3E}">
-        <p14:creationId xmlns:p14="http://schemas.microsoft.com/office/powerpoint/2010/main" val="630403418"/>
+        <p14:creationId xmlns:p14="http://schemas.microsoft.com/office/powerpoint/2010/main" val="702206313"/>
       </p:ext>
     </p:extLst>
   </p:cSld>
@@ -10653,7 +12715,7 @@
           <p:cNvPr id="2" name="Titre 1">
             <a:extLst>
               <a:ext uri="{FF2B5EF4-FFF2-40B4-BE49-F238E27FC236}">
-                <a16:creationId xmlns:a16="http://schemas.microsoft.com/office/drawing/2014/main" id="{A698EE5D-3084-46D6-BAE4-C1EDB93AC862}"/>
+                <a16:creationId xmlns:a16="http://schemas.microsoft.com/office/drawing/2014/main" id="{F7DAAB78-99E6-480A-953F-173E60A0474C}"/>
               </a:ext>
             </a:extLst>
           </p:cNvPr>
@@ -10664,29 +12726,96 @@
             <p:ph type="title"/>
           </p:nvPr>
         </p:nvSpPr>
-        <p:spPr/>
+        <p:spPr>
+          <a:xfrm>
+            <a:off x="206189" y="302363"/>
+            <a:ext cx="9925328" cy="1400530"/>
+          </a:xfrm>
+        </p:spPr>
         <p:txBody>
           <a:bodyPr/>
           <a:lstStyle/>
           <a:p>
             <a:r>
               <a:rPr lang="fr-FR" dirty="0"/>
-              <a:t>Le </a:t>
-            </a:r>
-            <a:r>
-              <a:rPr lang="el-GR" dirty="0"/>
-              <a:t>μ</a:t>
-            </a:r>
-            <a:r>
-              <a:rPr lang="fr-FR" dirty="0"/>
-              <a:t>-calcul d’ordre supérieur</a:t>
+              <a:t>Variances</a:t>
             </a:r>
             <a:br>
               <a:rPr lang="fr-FR" dirty="0"/>
             </a:br>
             <a:r>
               <a:rPr lang="fr-FR" dirty="0"/>
-              <a:t>- sens des opérateurs -</a:t>
+              <a:t>- variance d’une fonction / variable -</a:t>
+            </a:r>
+          </a:p>
+        </p:txBody>
+      </p:sp>
+      <p:sp>
+        <p:nvSpPr>
+          <p:cNvPr id="3" name="Espace réservé du contenu 2">
+            <a:extLst>
+              <a:ext uri="{FF2B5EF4-FFF2-40B4-BE49-F238E27FC236}">
+                <a16:creationId xmlns:a16="http://schemas.microsoft.com/office/drawing/2014/main" id="{84B19D70-865C-4211-96D2-BD5FE5E70ED2}"/>
+              </a:ext>
+            </a:extLst>
+          </p:cNvPr>
+          <p:cNvSpPr>
+            <a:spLocks noGrp="1"/>
+          </p:cNvSpPr>
+          <p:nvPr>
+            <p:ph idx="1"/>
+          </p:nvPr>
+        </p:nvSpPr>
+        <p:spPr>
+          <a:xfrm>
+            <a:off x="32986" y="2135219"/>
+            <a:ext cx="5456819" cy="4195481"/>
+          </a:xfrm>
+        </p:spPr>
+        <p:txBody>
+          <a:bodyPr>
+            <a:normAutofit/>
+          </a:bodyPr>
+          <a:lstStyle/>
+          <a:p>
+            <a:r>
+              <a:rPr lang="fr-FR" dirty="0"/>
+              <a:t>Etend la notion de monotonie</a:t>
+            </a:r>
+          </a:p>
+          <a:p>
+            <a:endParaRPr lang="fr-FR" dirty="0"/>
+          </a:p>
+          <a:p>
+            <a:r>
+              <a:rPr lang="fr-FR" dirty="0"/>
+              <a:t> </a:t>
+            </a:r>
+          </a:p>
+          <a:p>
+            <a:endParaRPr lang="fr-FR" dirty="0"/>
+          </a:p>
+          <a:p>
+            <a:endParaRPr lang="fr-FR" dirty="0"/>
+          </a:p>
+          <a:p>
+            <a:r>
+              <a:rPr lang="fr-FR" dirty="0"/>
+              <a:t>Variance d’une variable :  </a:t>
+            </a:r>
+          </a:p>
+          <a:p>
+            <a:pPr lvl="1"/>
+            <a:r>
+              <a:rPr lang="fr-FR" dirty="0"/>
+              <a:t>formule = fonction de plusieurs variables</a:t>
+            </a:r>
+          </a:p>
+          <a:p>
+            <a:pPr lvl="1"/>
+            <a:r>
+              <a:rPr lang="fr-FR" dirty="0"/>
+              <a:t>variance d’une variable = variance de la fonction où on a fixé les autres variables</a:t>
             </a:r>
           </a:p>
         </p:txBody>
@@ -10696,7 +12825,7 @@
           <p:cNvPr id="4" name="Espace réservé du numéro de diapositive 3">
             <a:extLst>
               <a:ext uri="{FF2B5EF4-FFF2-40B4-BE49-F238E27FC236}">
-                <a16:creationId xmlns:a16="http://schemas.microsoft.com/office/drawing/2014/main" id="{8BB85D57-68C9-45ED-9A1E-2534829BD472}"/>
+                <a16:creationId xmlns:a16="http://schemas.microsoft.com/office/drawing/2014/main" id="{6BD32137-2066-4F5C-BF65-9468DD2C75CE}"/>
               </a:ext>
             </a:extLst>
           </p:cNvPr>
@@ -10720,236 +12849,12 @@
           </a:p>
         </p:txBody>
       </p:sp>
-      <mc:AlternateContent xmlns:mc="http://schemas.openxmlformats.org/markup-compatibility/2006">
-        <mc:Choice xmlns:a14="http://schemas.microsoft.com/office/drawing/2010/main" Requires="a14">
-          <p:sp>
-            <p:nvSpPr>
-              <p:cNvPr id="10" name="Espace réservé du contenu 9">
-                <a:extLst>
-                  <a:ext uri="{FF2B5EF4-FFF2-40B4-BE49-F238E27FC236}">
-                    <a16:creationId xmlns:a16="http://schemas.microsoft.com/office/drawing/2014/main" id="{D27CEC49-9C46-4008-8BF4-7197D344A691}"/>
-                  </a:ext>
-                </a:extLst>
-              </p:cNvPr>
-              <p:cNvSpPr>
-                <a:spLocks noGrp="1"/>
-              </p:cNvSpPr>
-              <p:nvPr>
-                <p:ph idx="1"/>
-              </p:nvPr>
-            </p:nvSpPr>
-            <p:spPr>
-              <a:xfrm>
-                <a:off x="1304845" y="2209801"/>
-                <a:ext cx="9911529" cy="4195481"/>
-              </a:xfrm>
-            </p:spPr>
-            <p:txBody>
-              <a:bodyPr/>
-              <a:lstStyle/>
-              <a:p>
-                <a:r>
-                  <a:rPr lang="fr-FR" dirty="0"/>
-                  <a:t>            constante, n’importe quel état</a:t>
-                </a:r>
-              </a:p>
-              <a:p>
-                <a:r>
-                  <a:rPr lang="fr-FR" dirty="0"/>
-                  <a:t>                         représente le « et » logique</a:t>
-                </a:r>
-              </a:p>
-              <a:p>
-                <a:r>
-                  <a:rPr lang="fr-FR" dirty="0"/>
-                  <a:t>                  négation logique</a:t>
-                </a:r>
-              </a:p>
-              <a:p>
-                <a:r>
-                  <a:rPr lang="fr-FR" dirty="0"/>
-                  <a:t>                   « possible », vraie dans P s’il existe Q où </a:t>
-                </a:r>
-                <a:r>
-                  <a:rPr lang="el-GR" dirty="0">
-                    <a:latin typeface="Times New Roman" panose="02020603050405020304" pitchFamily="18" charset="0"/>
-                    <a:cs typeface="Times New Roman" panose="02020603050405020304" pitchFamily="18" charset="0"/>
-                  </a:rPr>
-                  <a:t>Φ</a:t>
-                </a:r>
-                <a:r>
-                  <a:rPr lang="fr-FR" dirty="0">
-                    <a:latin typeface="Times New Roman" panose="02020603050405020304" pitchFamily="18" charset="0"/>
-                    <a:cs typeface="Times New Roman" panose="02020603050405020304" pitchFamily="18" charset="0"/>
-                  </a:rPr>
-                  <a:t> </a:t>
-                </a:r>
-                <a:r>
-                  <a:rPr lang="fr-FR" dirty="0">
-                    <a:latin typeface="+mn-lt"/>
-                    <a:cs typeface="Times New Roman" panose="02020603050405020304" pitchFamily="18" charset="0"/>
-                  </a:rPr>
-                  <a:t>et vraie et </a:t>
-                </a:r>
-                <a:r>
-                  <a:rPr lang="fr-FR" dirty="0"/>
-                  <a:t>P </a:t>
-                </a:r>
-                <a14:m>
-                  <m:oMath xmlns:m="http://schemas.openxmlformats.org/officeDocument/2006/math">
-                    <m:groupChr>
-                      <m:groupChrPr>
-                        <m:chr m:val="→"/>
-                        <m:vertJc m:val="bot"/>
-                        <m:ctrlPr>
-                          <a:rPr lang="fr-FR" i="1" smtClean="0">
-                            <a:latin typeface="Cambria Math" panose="02040503050406030204" pitchFamily="18" charset="0"/>
-                          </a:rPr>
-                        </m:ctrlPr>
-                      </m:groupChrPr>
-                      <m:e>
-                        <m:r>
-                          <m:rPr>
-                            <m:brk m:alnAt="2"/>
-                          </m:rPr>
-                          <a:rPr lang="fr-FR" b="0" i="1" smtClean="0">
-                            <a:latin typeface="Cambria Math" panose="02040503050406030204" pitchFamily="18" charset="0"/>
-                          </a:rPr>
-                          <m:t>𝑎</m:t>
-                        </m:r>
-                      </m:e>
-                    </m:groupChr>
-                    <m:r>
-                      <a:rPr lang="fr-FR" b="0" i="1" smtClean="0">
-                        <a:latin typeface="Cambria Math" panose="02040503050406030204" pitchFamily="18" charset="0"/>
-                      </a:rPr>
-                      <m:t> </m:t>
-                    </m:r>
-                  </m:oMath>
-                </a14:m>
-                <a:r>
-                  <a:rPr lang="fr-FR" dirty="0"/>
-                  <a:t>Q</a:t>
-                </a:r>
-              </a:p>
-              <a:p>
-                <a:r>
-                  <a:rPr lang="fr-FR" dirty="0">
-                    <a:latin typeface="+mn-lt"/>
-                    <a:cs typeface="Times New Roman" panose="02020603050405020304" pitchFamily="18" charset="0"/>
-                  </a:rPr>
-                  <a:t>                                    plus petit point fixe (el tel que el = </a:t>
-                </a:r>
-                <a:r>
-                  <a:rPr lang="el-GR" dirty="0">
-                    <a:latin typeface="Times New Roman" panose="02020603050405020304" pitchFamily="18" charset="0"/>
-                    <a:cs typeface="Times New Roman" panose="02020603050405020304" pitchFamily="18" charset="0"/>
-                  </a:rPr>
-                  <a:t>Φ</a:t>
-                </a:r>
-                <a:r>
-                  <a:rPr lang="fr-FR" dirty="0">
-                    <a:latin typeface="+mn-lt"/>
-                    <a:cs typeface="Times New Roman" panose="02020603050405020304" pitchFamily="18" charset="0"/>
-                  </a:rPr>
-                  <a:t>(el))</a:t>
-                </a:r>
-              </a:p>
-              <a:p>
-                <a:r>
-                  <a:rPr lang="fr-FR" dirty="0">
-                    <a:latin typeface="Times New Roman" panose="02020603050405020304" pitchFamily="18" charset="0"/>
-                    <a:cs typeface="Times New Roman" panose="02020603050405020304" pitchFamily="18" charset="0"/>
-                  </a:rPr>
-                  <a:t>                                          </a:t>
-                </a:r>
-                <a:r>
-                  <a:rPr lang="fr-FR" dirty="0">
-                    <a:latin typeface="+mn-lt"/>
-                    <a:cs typeface="Times New Roman" panose="02020603050405020304" pitchFamily="18" charset="0"/>
-                  </a:rPr>
-                  <a:t>représente les fonctions</a:t>
-                </a:r>
-              </a:p>
-              <a:p>
-                <a:r>
-                  <a:rPr lang="fr-FR" dirty="0">
-                    <a:latin typeface="Times New Roman" panose="02020603050405020304" pitchFamily="18" charset="0"/>
-                    <a:cs typeface="Times New Roman" panose="02020603050405020304" pitchFamily="18" charset="0"/>
-                  </a:rPr>
-                  <a:t>                       </a:t>
-                </a:r>
-                <a:r>
-                  <a:rPr lang="fr-FR" dirty="0">
-                    <a:latin typeface="+mn-lt"/>
-                    <a:cs typeface="Times New Roman" panose="02020603050405020304" pitchFamily="18" charset="0"/>
-                  </a:rPr>
-                  <a:t>application de fonction</a:t>
-                </a:r>
-                <a:r>
-                  <a:rPr lang="fr-FR" dirty="0">
-                    <a:latin typeface="Times New Roman" panose="02020603050405020304" pitchFamily="18" charset="0"/>
-                    <a:cs typeface="Times New Roman" panose="02020603050405020304" pitchFamily="18" charset="0"/>
-                  </a:rPr>
-                  <a:t> </a:t>
-                </a:r>
-              </a:p>
-              <a:p>
-                <a:endParaRPr lang="fr-FR" dirty="0"/>
-              </a:p>
-            </p:txBody>
-          </p:sp>
-        </mc:Choice>
-        <mc:Fallback>
-          <p:sp>
-            <p:nvSpPr>
-              <p:cNvPr id="10" name="Espace réservé du contenu 9">
-                <a:extLst>
-                  <a:ext uri="{FF2B5EF4-FFF2-40B4-BE49-F238E27FC236}">
-                    <a16:creationId xmlns:a16="http://schemas.microsoft.com/office/drawing/2014/main" id="{D27CEC49-9C46-4008-8BF4-7197D344A691}"/>
-                  </a:ext>
-                </a:extLst>
-              </p:cNvPr>
-              <p:cNvSpPr>
-                <a:spLocks noGrp="1" noRot="1" noChangeAspect="1" noMove="1" noResize="1" noEditPoints="1" noAdjustHandles="1" noChangeArrowheads="1" noChangeShapeType="1" noTextEdit="1"/>
-              </p:cNvSpPr>
-              <p:nvPr>
-                <p:ph idx="1"/>
-              </p:nvPr>
-            </p:nvSpPr>
-            <p:spPr>
-              <a:xfrm>
-                <a:off x="1304845" y="2209801"/>
-                <a:ext cx="9911529" cy="4195481"/>
-              </a:xfrm>
-              <a:blipFill>
-                <a:blip r:embed="rId2"/>
-                <a:stretch>
-                  <a:fillRect l="-246" t="-872"/>
-                </a:stretch>
-              </a:blipFill>
-            </p:spPr>
-            <p:txBody>
-              <a:bodyPr/>
-              <a:lstStyle/>
-              <a:p>
-                <a:r>
-                  <a:rPr lang="fr-FR">
-                    <a:noFill/>
-                  </a:rPr>
-                  <a:t> </a:t>
-                </a:r>
-              </a:p>
-            </p:txBody>
-          </p:sp>
-        </mc:Fallback>
-      </mc:AlternateContent>
       <p:grpSp>
         <p:nvGrpSpPr>
-          <p:cNvPr id="27" name="Groupe 26">
+          <p:cNvPr id="12" name="Groupe 11">
             <a:extLst>
               <a:ext uri="{FF2B5EF4-FFF2-40B4-BE49-F238E27FC236}">
-                <a16:creationId xmlns:a16="http://schemas.microsoft.com/office/drawing/2014/main" id="{9AF3B49F-0DFE-41AB-9261-E6C3BC9168E5}"/>
+                <a16:creationId xmlns:a16="http://schemas.microsoft.com/office/drawing/2014/main" id="{80D04616-F9A5-4A72-9673-5ED48E782AD9}"/>
               </a:ext>
             </a:extLst>
           </p:cNvPr>
@@ -10958,18 +12863,18 @@
         </p:nvGrpSpPr>
         <p:grpSpPr>
           <a:xfrm>
-            <a:off x="1682748" y="2360869"/>
-            <a:ext cx="2614977" cy="2904002"/>
-            <a:chOff x="1462031" y="2171684"/>
-            <a:chExt cx="2614977" cy="2904002"/>
+            <a:off x="5489805" y="2366790"/>
+            <a:ext cx="6678815" cy="4195481"/>
+            <a:chOff x="6328068" y="2303103"/>
+            <a:chExt cx="5676409" cy="3653488"/>
           </a:xfrm>
         </p:grpSpPr>
         <p:pic>
           <p:nvPicPr>
-            <p:cNvPr id="14" name="Image 13">
+            <p:cNvPr id="5" name="Image 4">
               <a:extLst>
                 <a:ext uri="{FF2B5EF4-FFF2-40B4-BE49-F238E27FC236}">
-                  <a16:creationId xmlns:a16="http://schemas.microsoft.com/office/drawing/2014/main" id="{D01EE989-31B2-489E-A100-D4889BFA24ED}"/>
+                  <a16:creationId xmlns:a16="http://schemas.microsoft.com/office/drawing/2014/main" id="{51277B98-99E0-429A-A63F-47443C6B39CF}"/>
                 </a:ext>
               </a:extLst>
             </p:cNvPr>
@@ -10979,206 +12884,212 @@
             <p:nvPr/>
           </p:nvPicPr>
           <p:blipFill>
-            <a:blip r:embed="rId3"/>
+            <a:blip r:embed="rId2"/>
             <a:stretch>
               <a:fillRect/>
             </a:stretch>
           </p:blipFill>
           <p:spPr>
             <a:xfrm>
-              <a:off x="1462031" y="2171684"/>
-              <a:ext cx="809738" cy="228632"/>
+              <a:off x="6328068" y="2303103"/>
+              <a:ext cx="5676409" cy="3653488"/>
             </a:xfrm>
             <a:prstGeom prst="rect">
               <a:avLst/>
             </a:prstGeom>
           </p:spPr>
         </p:pic>
-        <p:pic>
-          <p:nvPicPr>
-            <p:cNvPr id="16" name="Image 15">
+        <p:sp>
+          <p:nvSpPr>
+            <p:cNvPr id="6" name="ZoneTexte 5">
               <a:extLst>
                 <a:ext uri="{FF2B5EF4-FFF2-40B4-BE49-F238E27FC236}">
-                  <a16:creationId xmlns:a16="http://schemas.microsoft.com/office/drawing/2014/main" id="{FB66547F-98F1-4791-9071-18F88E57AB64}"/>
+                  <a16:creationId xmlns:a16="http://schemas.microsoft.com/office/drawing/2014/main" id="{A20AEC46-035D-4CB6-BB0D-6A4DFD0E5638}"/>
                 </a:ext>
               </a:extLst>
             </p:cNvPr>
-            <p:cNvPicPr>
-              <a:picLocks noChangeAspect="1"/>
-            </p:cNvPicPr>
+            <p:cNvSpPr txBox="1"/>
             <p:nvPr/>
-          </p:nvPicPr>
-          <p:blipFill>
-            <a:blip r:embed="rId4"/>
-            <a:stretch>
-              <a:fillRect/>
-            </a:stretch>
-          </p:blipFill>
+          </p:nvSpPr>
           <p:spPr>
             <a:xfrm>
-              <a:off x="1462031" y="2599986"/>
-              <a:ext cx="1695687" cy="257211"/>
+              <a:off x="8791233" y="2411506"/>
+              <a:ext cx="1459552" cy="276999"/>
             </a:xfrm>
             <a:prstGeom prst="rect">
               <a:avLst/>
             </a:prstGeom>
+            <a:noFill/>
           </p:spPr>
-        </p:pic>
-        <p:pic>
-          <p:nvPicPr>
-            <p:cNvPr id="18" name="Image 17">
+          <p:txBody>
+            <a:bodyPr wrap="square" rtlCol="0">
+              <a:spAutoFit/>
+            </a:bodyPr>
+            <a:lstStyle/>
+            <a:p>
+              <a:r>
+                <a:rPr lang="fr-FR" sz="1200" dirty="0">
+                  <a:solidFill>
+                    <a:srgbClr val="FF0000"/>
+                  </a:solidFill>
+                </a:rPr>
+                <a:t>constante</a:t>
+              </a:r>
+            </a:p>
+          </p:txBody>
+        </p:sp>
+        <p:sp>
+          <p:nvSpPr>
+            <p:cNvPr id="7" name="ZoneTexte 6">
               <a:extLst>
                 <a:ext uri="{FF2B5EF4-FFF2-40B4-BE49-F238E27FC236}">
-                  <a16:creationId xmlns:a16="http://schemas.microsoft.com/office/drawing/2014/main" id="{4920D372-F6B5-46A8-BE80-8A21A5064296}"/>
+                  <a16:creationId xmlns:a16="http://schemas.microsoft.com/office/drawing/2014/main" id="{9B919538-FCAE-49AA-8063-22EECBEDB4F1}"/>
                 </a:ext>
               </a:extLst>
             </p:cNvPr>
-            <p:cNvPicPr>
-              <a:picLocks noChangeAspect="1"/>
-            </p:cNvPicPr>
+            <p:cNvSpPr txBox="1"/>
             <p:nvPr/>
-          </p:nvPicPr>
-          <p:blipFill>
-            <a:blip r:embed="rId5"/>
-            <a:stretch>
-              <a:fillRect/>
-            </a:stretch>
-          </p:blipFill>
+          </p:nvSpPr>
           <p:spPr>
             <a:xfrm>
-              <a:off x="1462031" y="2996433"/>
-              <a:ext cx="1267002" cy="266737"/>
+              <a:off x="7501661" y="3789692"/>
+              <a:ext cx="1459552" cy="276999"/>
             </a:xfrm>
             <a:prstGeom prst="rect">
               <a:avLst/>
             </a:prstGeom>
+            <a:noFill/>
           </p:spPr>
-        </p:pic>
-        <p:pic>
-          <p:nvPicPr>
-            <p:cNvPr id="20" name="Image 19">
+          <p:txBody>
+            <a:bodyPr wrap="square" rtlCol="0">
+              <a:spAutoFit/>
+            </a:bodyPr>
+            <a:lstStyle/>
+            <a:p>
+              <a:r>
+                <a:rPr lang="fr-FR" sz="1200" dirty="0">
+                  <a:solidFill>
+                    <a:srgbClr val="FF0000"/>
+                  </a:solidFill>
+                </a:rPr>
+                <a:t>croissante</a:t>
+              </a:r>
+            </a:p>
+          </p:txBody>
+        </p:sp>
+        <p:sp>
+          <p:nvSpPr>
+            <p:cNvPr id="9" name="ZoneTexte 8">
               <a:extLst>
                 <a:ext uri="{FF2B5EF4-FFF2-40B4-BE49-F238E27FC236}">
-                  <a16:creationId xmlns:a16="http://schemas.microsoft.com/office/drawing/2014/main" id="{2199AA56-3EBD-439E-95FE-E84888F72EBF}"/>
+                  <a16:creationId xmlns:a16="http://schemas.microsoft.com/office/drawing/2014/main" id="{004EC02E-9F85-44FE-9A47-B16128EEFF0C}"/>
                 </a:ext>
               </a:extLst>
             </p:cNvPr>
-            <p:cNvPicPr>
-              <a:picLocks noChangeAspect="1"/>
-            </p:cNvPicPr>
+            <p:cNvSpPr txBox="1"/>
             <p:nvPr/>
-          </p:nvPicPr>
-          <p:blipFill>
-            <a:blip r:embed="rId6"/>
-            <a:stretch>
-              <a:fillRect/>
-            </a:stretch>
-          </p:blipFill>
+          </p:nvSpPr>
           <p:spPr>
             <a:xfrm>
-              <a:off x="1462031" y="3420800"/>
-              <a:ext cx="1314633" cy="295316"/>
+              <a:off x="9988464" y="3789692"/>
+              <a:ext cx="1168198" cy="276999"/>
             </a:xfrm>
             <a:prstGeom prst="rect">
               <a:avLst/>
             </a:prstGeom>
+            <a:noFill/>
           </p:spPr>
-        </p:pic>
-        <p:pic>
-          <p:nvPicPr>
-            <p:cNvPr id="22" name="Image 21">
+          <p:txBody>
+            <a:bodyPr wrap="square" rtlCol="0">
+              <a:spAutoFit/>
+            </a:bodyPr>
+            <a:lstStyle/>
+            <a:p>
+              <a:r>
+                <a:rPr lang="fr-FR" sz="1200" dirty="0">
+                  <a:solidFill>
+                    <a:srgbClr val="FF0000"/>
+                  </a:solidFill>
+                </a:rPr>
+                <a:t>décroissante</a:t>
+              </a:r>
+            </a:p>
+          </p:txBody>
+        </p:sp>
+        <p:sp>
+          <p:nvSpPr>
+            <p:cNvPr id="11" name="ZoneTexte 10">
               <a:extLst>
                 <a:ext uri="{FF2B5EF4-FFF2-40B4-BE49-F238E27FC236}">
-                  <a16:creationId xmlns:a16="http://schemas.microsoft.com/office/drawing/2014/main" id="{3740AFF6-3D23-4F18-B0E5-B257FC708760}"/>
+                  <a16:creationId xmlns:a16="http://schemas.microsoft.com/office/drawing/2014/main" id="{C8AFEB89-F89F-4C28-A499-5558B05148F5}"/>
                 </a:ext>
               </a:extLst>
             </p:cNvPr>
-            <p:cNvPicPr>
-              <a:picLocks noChangeAspect="1"/>
-            </p:cNvPicPr>
+            <p:cNvSpPr txBox="1"/>
             <p:nvPr/>
-          </p:nvPicPr>
-          <p:blipFill>
-            <a:blip r:embed="rId7"/>
-            <a:stretch>
-              <a:fillRect/>
-            </a:stretch>
-          </p:blipFill>
+          </p:nvSpPr>
           <p:spPr>
             <a:xfrm>
-              <a:off x="1462031" y="3922026"/>
-              <a:ext cx="2534004" cy="228632"/>
+              <a:off x="8708359" y="5087434"/>
+              <a:ext cx="1810871" cy="276999"/>
             </a:xfrm>
             <a:prstGeom prst="rect">
               <a:avLst/>
             </a:prstGeom>
+            <a:noFill/>
           </p:spPr>
-        </p:pic>
-        <p:pic>
-          <p:nvPicPr>
-            <p:cNvPr id="24" name="Image 23">
-              <a:extLst>
-                <a:ext uri="{FF2B5EF4-FFF2-40B4-BE49-F238E27FC236}">
-                  <a16:creationId xmlns:a16="http://schemas.microsoft.com/office/drawing/2014/main" id="{E0D72856-4A60-4C3B-9B52-ABCEBCCA2E96}"/>
-                </a:ext>
-              </a:extLst>
-            </p:cNvPr>
-            <p:cNvPicPr>
-              <a:picLocks noChangeAspect="1"/>
-            </p:cNvPicPr>
-            <p:nvPr/>
-          </p:nvPicPr>
-          <p:blipFill>
-            <a:blip r:embed="rId8"/>
-            <a:stretch>
-              <a:fillRect/>
-            </a:stretch>
-          </p:blipFill>
-          <p:spPr>
-            <a:xfrm>
-              <a:off x="1476320" y="4355266"/>
-              <a:ext cx="2600688" cy="238158"/>
-            </a:xfrm>
-            <a:prstGeom prst="rect">
-              <a:avLst/>
-            </a:prstGeom>
-          </p:spPr>
-        </p:pic>
-        <p:pic>
-          <p:nvPicPr>
-            <p:cNvPr id="26" name="Image 25">
-              <a:extLst>
-                <a:ext uri="{FF2B5EF4-FFF2-40B4-BE49-F238E27FC236}">
-                  <a16:creationId xmlns:a16="http://schemas.microsoft.com/office/drawing/2014/main" id="{80A7ED62-8C51-46BD-99C6-B56B4A83D9C8}"/>
-                </a:ext>
-              </a:extLst>
-            </p:cNvPr>
-            <p:cNvPicPr>
-              <a:picLocks noChangeAspect="1"/>
-            </p:cNvPicPr>
-            <p:nvPr/>
-          </p:nvPicPr>
-          <p:blipFill>
-            <a:blip r:embed="rId9"/>
-            <a:stretch>
-              <a:fillRect/>
-            </a:stretch>
-          </p:blipFill>
-          <p:spPr>
-            <a:xfrm>
-              <a:off x="1462031" y="4828001"/>
-              <a:ext cx="1457528" cy="247685"/>
-            </a:xfrm>
-            <a:prstGeom prst="rect">
-              <a:avLst/>
-            </a:prstGeom>
-          </p:spPr>
-        </p:pic>
+          <p:txBody>
+            <a:bodyPr wrap="square" rtlCol="0">
+              <a:spAutoFit/>
+            </a:bodyPr>
+            <a:lstStyle/>
+            <a:p>
+              <a:r>
+                <a:rPr lang="fr-FR" sz="1200" dirty="0">
+                  <a:solidFill>
+                    <a:srgbClr val="FF0000"/>
+                  </a:solidFill>
+                </a:rPr>
+                <a:t>quelconque</a:t>
+              </a:r>
+            </a:p>
+          </p:txBody>
+        </p:sp>
       </p:grpSp>
+      <p:pic>
+        <p:nvPicPr>
+          <p:cNvPr id="16" name="Image 15">
+            <a:extLst>
+              <a:ext uri="{FF2B5EF4-FFF2-40B4-BE49-F238E27FC236}">
+                <a16:creationId xmlns:a16="http://schemas.microsoft.com/office/drawing/2014/main" id="{0D5939B0-4CF1-4A64-A82E-BC4D4FAEDC2D}"/>
+              </a:ext>
+            </a:extLst>
+          </p:cNvPr>
+          <p:cNvPicPr>
+            <a:picLocks noChangeAspect="1"/>
+          </p:cNvPicPr>
+          <p:nvPr/>
+        </p:nvPicPr>
+        <p:blipFill>
+          <a:blip r:embed="rId3"/>
+          <a:stretch>
+            <a:fillRect/>
+          </a:stretch>
+        </p:blipFill>
+        <p:spPr>
+          <a:xfrm>
+            <a:off x="418065" y="2833029"/>
+            <a:ext cx="4686662" cy="1188513"/>
+          </a:xfrm>
+          <a:prstGeom prst="rect">
+            <a:avLst/>
+          </a:prstGeom>
+        </p:spPr>
+      </p:pic>
     </p:spTree>
     <p:extLst>
       <p:ext uri="{BB962C8B-B14F-4D97-AF65-F5344CB8AC3E}">
-        <p14:creationId xmlns:p14="http://schemas.microsoft.com/office/powerpoint/2010/main" val="2741567660"/>
+        <p14:creationId xmlns:p14="http://schemas.microsoft.com/office/powerpoint/2010/main" val="2658325930"/>
       </p:ext>
     </p:extLst>
   </p:cSld>

--- a/Presentation/TER_M2_presentation.pptx
+++ b/Presentation/TER_M2_presentation.pptx
@@ -215,7 +215,7 @@
           <a:p>
             <a:fld id="{9811951D-B5E0-4924-8E34-9C6752F634FD}" type="datetimeFigureOut">
               <a:rPr lang="fr-FR" smtClean="0"/>
-              <a:t>23/02/2021</a:t>
+              <a:t>24/02/2021</a:t>
             </a:fld>
             <a:endParaRPr lang="fr-FR"/>
           </a:p>
@@ -668,7 +668,7 @@
           <a:p>
             <a:fld id="{80736A57-ACFE-4637-9906-9BCE8A3A30DC}" type="datetime1">
               <a:rPr lang="fr-FR" smtClean="0"/>
-              <a:t>23/02/2021</a:t>
+              <a:t>24/02/2021</a:t>
             </a:fld>
             <a:endParaRPr lang="fr-FR"/>
           </a:p>
@@ -943,7 +943,7 @@
           <a:p>
             <a:fld id="{34ADCDFE-BA33-4730-893B-D5F3443CC47E}" type="datetime1">
               <a:rPr lang="fr-FR" smtClean="0"/>
-              <a:t>23/02/2021</a:t>
+              <a:t>24/02/2021</a:t>
             </a:fld>
             <a:endParaRPr lang="fr-FR"/>
           </a:p>
@@ -1137,7 +1137,7 @@
           <a:p>
             <a:fld id="{E2AE0D58-FB4C-49A8-A382-E0E8068E0CE4}" type="datetime1">
               <a:rPr lang="fr-FR" smtClean="0"/>
-              <a:t>23/02/2021</a:t>
+              <a:t>24/02/2021</a:t>
             </a:fld>
             <a:endParaRPr lang="fr-FR"/>
           </a:p>
@@ -1410,7 +1410,7 @@
           <a:p>
             <a:fld id="{5607610D-86A1-4152-AEB4-CC6BE942DD05}" type="datetime1">
               <a:rPr lang="fr-FR" smtClean="0"/>
-              <a:t>23/02/2021</a:t>
+              <a:t>24/02/2021</a:t>
             </a:fld>
             <a:endParaRPr lang="fr-FR"/>
           </a:p>
@@ -1751,7 +1751,7 @@
           <a:p>
             <a:fld id="{E141659F-B67C-4F98-996E-5E20D5663539}" type="datetime1">
               <a:rPr lang="fr-FR" smtClean="0"/>
-              <a:t>23/02/2021</a:t>
+              <a:t>24/02/2021</a:t>
             </a:fld>
             <a:endParaRPr lang="fr-FR"/>
           </a:p>
@@ -2374,7 +2374,7 @@
           <a:p>
             <a:fld id="{B3CBC67A-6BDC-4DDA-9BFB-0D255BE1E6E7}" type="datetime1">
               <a:rPr lang="fr-FR" smtClean="0"/>
-              <a:t>23/02/2021</a:t>
+              <a:t>24/02/2021</a:t>
             </a:fld>
             <a:endParaRPr lang="fr-FR"/>
           </a:p>
@@ -3234,7 +3234,7 @@
           <a:p>
             <a:fld id="{9626DFE4-1AB1-4D11-A9B9-1B10EB581C05}" type="datetime1">
               <a:rPr lang="fr-FR" smtClean="0"/>
-              <a:t>23/02/2021</a:t>
+              <a:t>24/02/2021</a:t>
             </a:fld>
             <a:endParaRPr lang="fr-FR"/>
           </a:p>
@@ -3404,7 +3404,7 @@
           <a:p>
             <a:fld id="{D3544A3C-997B-4B50-9789-596E8964F044}" type="datetime1">
               <a:rPr lang="fr-FR" smtClean="0"/>
-              <a:t>23/02/2021</a:t>
+              <a:t>24/02/2021</a:t>
             </a:fld>
             <a:endParaRPr lang="fr-FR"/>
           </a:p>
@@ -3584,7 +3584,7 @@
           <a:p>
             <a:fld id="{9EDFF439-F99F-4E6C-A70E-42B394055D08}" type="datetime1">
               <a:rPr lang="fr-FR" smtClean="0"/>
-              <a:t>23/02/2021</a:t>
+              <a:t>24/02/2021</a:t>
             </a:fld>
             <a:endParaRPr lang="fr-FR"/>
           </a:p>
@@ -3754,7 +3754,7 @@
           <a:p>
             <a:fld id="{057F4485-BA15-4447-9F42-ADEBC7CE9981}" type="datetime1">
               <a:rPr lang="fr-FR" smtClean="0"/>
-              <a:t>23/02/2021</a:t>
+              <a:t>24/02/2021</a:t>
             </a:fld>
             <a:endParaRPr lang="fr-FR"/>
           </a:p>
@@ -4001,7 +4001,7 @@
           <a:p>
             <a:fld id="{5F1676D6-B958-4D48-ADB5-943B3C3E7A68}" type="datetime1">
               <a:rPr lang="fr-FR" smtClean="0"/>
-              <a:t>23/02/2021</a:t>
+              <a:t>24/02/2021</a:t>
             </a:fld>
             <a:endParaRPr lang="fr-FR"/>
           </a:p>
@@ -4293,7 +4293,7 @@
           <a:p>
             <a:fld id="{4FD90D90-23EC-441A-9386-108C1F0B749F}" type="datetime1">
               <a:rPr lang="fr-FR" smtClean="0"/>
-              <a:t>23/02/2021</a:t>
+              <a:t>24/02/2021</a:t>
             </a:fld>
             <a:endParaRPr lang="fr-FR"/>
           </a:p>
@@ -4737,7 +4737,7 @@
           <a:p>
             <a:fld id="{05E79C17-421E-4EA0-981F-60D8339DB5FE}" type="datetime1">
               <a:rPr lang="fr-FR" smtClean="0"/>
-              <a:t>23/02/2021</a:t>
+              <a:t>24/02/2021</a:t>
             </a:fld>
             <a:endParaRPr lang="fr-FR"/>
           </a:p>
@@ -4855,7 +4855,7 @@
           <a:p>
             <a:fld id="{20636FC0-F032-4910-9CAB-7DBBC0CD20D5}" type="datetime1">
               <a:rPr lang="fr-FR" smtClean="0"/>
-              <a:t>23/02/2021</a:t>
+              <a:t>24/02/2021</a:t>
             </a:fld>
             <a:endParaRPr lang="fr-FR"/>
           </a:p>
@@ -4950,7 +4950,7 @@
           <a:p>
             <a:fld id="{59A45DAA-84AB-43FD-849A-B3283B24A59C}" type="datetime1">
               <a:rPr lang="fr-FR" smtClean="0"/>
-              <a:t>23/02/2021</a:t>
+              <a:t>24/02/2021</a:t>
             </a:fld>
             <a:endParaRPr lang="fr-FR"/>
           </a:p>
@@ -5229,7 +5229,7 @@
           <a:p>
             <a:fld id="{47518AD4-A118-44E3-9644-651D7354A996}" type="datetime1">
               <a:rPr lang="fr-FR" smtClean="0"/>
-              <a:t>23/02/2021</a:t>
+              <a:t>24/02/2021</a:t>
             </a:fld>
             <a:endParaRPr lang="fr-FR"/>
           </a:p>
@@ -5504,7 +5504,7 @@
           <a:p>
             <a:fld id="{5F3F38E8-D97C-432A-ADC1-3B675916B6CA}" type="datetime1">
               <a:rPr lang="fr-FR" smtClean="0"/>
-              <a:t>23/02/2021</a:t>
+              <a:t>24/02/2021</a:t>
             </a:fld>
             <a:endParaRPr lang="fr-FR"/>
           </a:p>
@@ -5933,7 +5933,7 @@
           <a:p>
             <a:fld id="{7A981AC8-2697-4196-80BA-EF2A1A68C8D8}" type="datetime1">
               <a:rPr lang="fr-FR" smtClean="0"/>
-              <a:t>23/02/2021</a:t>
+              <a:t>24/02/2021</a:t>
             </a:fld>
             <a:endParaRPr lang="fr-FR"/>
           </a:p>
@@ -6947,8 +6947,13 @@
           <a:p>
             <a:r>
               <a:rPr lang="fr-FR" dirty="0"/>
-              <a:t>La variance de X est         : </a:t>
-            </a:r>
+              <a:t>La variance de Y est         : </a:t>
+            </a:r>
+            <a:endParaRPr lang="fr-FR" dirty="0">
+              <a:solidFill>
+                <a:schemeClr val="bg1"/>
+              </a:solidFill>
+            </a:endParaRPr>
           </a:p>
           <a:p>
             <a:endParaRPr lang="fr-FR" dirty="0"/>
@@ -7210,6 +7215,47 @@
           </p:spPr>
         </p:pic>
       </p:grpSp>
+      <p:sp>
+        <p:nvSpPr>
+          <p:cNvPr id="3" name="ZoneTexte 2">
+            <a:extLst>
+              <a:ext uri="{FF2B5EF4-FFF2-40B4-BE49-F238E27FC236}">
+                <a16:creationId xmlns:a16="http://schemas.microsoft.com/office/drawing/2014/main" id="{A04BAED4-3B17-43EC-8749-7725A54B3DB7}"/>
+              </a:ext>
+            </a:extLst>
+          </p:cNvPr>
+          <p:cNvSpPr txBox="1"/>
+          <p:nvPr/>
+        </p:nvSpPr>
+        <p:spPr>
+          <a:xfrm>
+            <a:off x="3633088" y="3902315"/>
+            <a:ext cx="914400" cy="400110"/>
+          </a:xfrm>
+          <a:prstGeom prst="rect">
+            <a:avLst/>
+          </a:prstGeom>
+          <a:noFill/>
+        </p:spPr>
+        <p:txBody>
+          <a:bodyPr wrap="square" rtlCol="0">
+            <a:spAutoFit/>
+          </a:bodyPr>
+          <a:lstStyle/>
+          <a:p>
+            <a:r>
+              <a:rPr lang="fr-FR" sz="2000" dirty="0">
+                <a:solidFill>
+                  <a:schemeClr val="bg1"/>
+                </a:solidFill>
+                <a:latin typeface="Times New Roman" panose="02020603050405020304" pitchFamily="18" charset="0"/>
+                <a:cs typeface="Times New Roman" panose="02020603050405020304" pitchFamily="18" charset="0"/>
+              </a:rPr>
+              <a:t>(</a:t>
+            </a:r>
+          </a:p>
+        </p:txBody>
+      </p:sp>
     </p:spTree>
     <p:extLst>
       <p:ext uri="{BB962C8B-B14F-4D97-AF65-F5344CB8AC3E}">
@@ -7958,7 +8004,7 @@
                 <a:latin typeface="Times New Roman" panose="02020603050405020304" pitchFamily="18" charset="0"/>
                 <a:cs typeface="Times New Roman" panose="02020603050405020304" pitchFamily="18" charset="0"/>
               </a:rPr>
-              <a:t>Γ =                                           ;</a:t>
+              <a:t>Γ =                                            ;</a:t>
             </a:r>
           </a:p>
           <a:p>
@@ -8110,10 +8156,10 @@
       </p:pic>
       <p:pic>
         <p:nvPicPr>
-          <p:cNvPr id="9" name="Image 8">
+          <p:cNvPr id="11" name="Image 10">
             <a:extLst>
               <a:ext uri="{FF2B5EF4-FFF2-40B4-BE49-F238E27FC236}">
-                <a16:creationId xmlns:a16="http://schemas.microsoft.com/office/drawing/2014/main" id="{7028D852-9ABD-46A9-A04C-74A44EF465F8}"/>
+                <a16:creationId xmlns:a16="http://schemas.microsoft.com/office/drawing/2014/main" id="{06155BB4-DF36-4981-BB25-0501CEE86DE4}"/>
               </a:ext>
             </a:extLst>
           </p:cNvPr>
@@ -8130,8 +8176,8 @@
         </p:blipFill>
         <p:spPr>
           <a:xfrm>
-            <a:off x="1898185" y="4464426"/>
-            <a:ext cx="2320102" cy="415064"/>
+            <a:off x="1849428" y="5043941"/>
+            <a:ext cx="173519" cy="173519"/>
           </a:xfrm>
           <a:prstGeom prst="rect">
             <a:avLst/>
@@ -8150,10 +8196,10 @@
       </p:pic>
       <p:pic>
         <p:nvPicPr>
-          <p:cNvPr id="11" name="Image 10">
+          <p:cNvPr id="12" name="Image 11">
             <a:extLst>
               <a:ext uri="{FF2B5EF4-FFF2-40B4-BE49-F238E27FC236}">
-                <a16:creationId xmlns:a16="http://schemas.microsoft.com/office/drawing/2014/main" id="{06155BB4-DF36-4981-BB25-0501CEE86DE4}"/>
+                <a16:creationId xmlns:a16="http://schemas.microsoft.com/office/drawing/2014/main" id="{59C4133F-6B33-4092-BD0F-545FF2F1ED4C}"/>
               </a:ext>
             </a:extLst>
           </p:cNvPr>
@@ -8170,8 +8216,8 @@
         </p:blipFill>
         <p:spPr>
           <a:xfrm>
-            <a:off x="1849428" y="5043941"/>
-            <a:ext cx="173519" cy="173519"/>
+            <a:off x="1889220" y="4477599"/>
+            <a:ext cx="2366125" cy="346034"/>
           </a:xfrm>
           <a:prstGeom prst="rect">
             <a:avLst/>
@@ -8719,8 +8765,33 @@
                 <a:latin typeface="Times New Roman" panose="02020603050405020304" pitchFamily="18" charset="0"/>
                 <a:cs typeface="Times New Roman" panose="02020603050405020304" pitchFamily="18" charset="0"/>
               </a:rPr>
-              <a:t>.</a:t>
-            </a:r>
+              <a:t>.		 </a:t>
+            </a:r>
+            <a:r>
+              <a:rPr lang="fr-FR" dirty="0">
+                <a:latin typeface="+mn-lt"/>
+                <a:cs typeface="Times New Roman" panose="02020603050405020304" pitchFamily="18" charset="0"/>
+              </a:rPr>
+              <a:t>(X = </a:t>
+            </a:r>
+            <a:r>
+              <a:rPr lang="el-GR" dirty="0">
+                <a:latin typeface="Times New Roman" panose="02020603050405020304" pitchFamily="18" charset="0"/>
+                <a:cs typeface="Times New Roman" panose="02020603050405020304" pitchFamily="18" charset="0"/>
+              </a:rPr>
+              <a:t>Φ</a:t>
+            </a:r>
+            <a:r>
+              <a:rPr lang="fr-FR" dirty="0">
+                <a:latin typeface="+mn-lt"/>
+                <a:cs typeface="Times New Roman" panose="02020603050405020304" pitchFamily="18" charset="0"/>
+              </a:rPr>
+              <a:t>(X))</a:t>
+            </a:r>
+            <a:endParaRPr lang="fr-FR" dirty="0">
+              <a:latin typeface="Times New Roman" panose="02020603050405020304" pitchFamily="18" charset="0"/>
+              <a:cs typeface="Times New Roman" panose="02020603050405020304" pitchFamily="18" charset="0"/>
+            </a:endParaRPr>
           </a:p>
           <a:p>
             <a:r>
@@ -10537,7 +10608,15 @@
           <a:p>
             <a:r>
               <a:rPr lang="fr-FR" dirty="0"/>
-              <a:t>Solution : une fonction récursive, type(.) définie par des règles d’inférence.</a:t>
+              <a:t>Solution : une fonction récursive, </a:t>
+            </a:r>
+            <a:r>
+              <a:rPr lang="fr-FR" i="1" dirty="0"/>
+              <a:t>type</a:t>
+            </a:r>
+            <a:r>
+              <a:rPr lang="fr-FR" dirty="0"/>
+              <a:t>(.) définie par des règles d’inférence.</a:t>
             </a:r>
           </a:p>
           <a:p>
@@ -11306,8 +11385,8 @@
           </a:p>
         </p:txBody>
       </p:sp>
-      <mc:AlternateContent xmlns:mc="http://schemas.openxmlformats.org/markup-compatibility/2006">
-        <mc:Choice xmlns:a14="http://schemas.microsoft.com/office/drawing/2010/main" Requires="a14">
+      <mc:AlternateContent xmlns:mc="http://schemas.openxmlformats.org/markup-compatibility/2006" xmlns:a14="http://schemas.microsoft.com/office/drawing/2010/main">
+        <mc:Choice Requires="a14">
           <p:sp>
             <p:nvSpPr>
               <p:cNvPr id="3" name="Espace réservé du contenu 2">
@@ -11419,7 +11498,7 @@
             </p:txBody>
           </p:sp>
         </mc:Choice>
-        <mc:Fallback>
+        <mc:Fallback xmlns="">
           <p:sp>
             <p:nvSpPr>
               <p:cNvPr id="3" name="Espace réservé du contenu 2">
